--- a/question.pptx
+++ b/question.pptx
@@ -1521,7 +1521,7 @@
                   <a:srgbClr val="363636"/>
                 </a:solidFill>
               </a:rPr>
-              <a:t>地球是太阳系</a:t>
+              <a:t>地球是太阳系中的</a:t>
             </a:r>
             <a:endParaRPr lang="en-US" sz="1800" dirty="0"/>
           </a:p>
@@ -1665,7 +1665,7 @@
                   <a:srgbClr val="363636"/>
                 </a:solidFill>
               </a:rPr>
-              <a:t>D．卫星 </a:t>
+              <a:t>D．卫星</a:t>
             </a:r>
             <a:endParaRPr lang="en-US" sz="1400" dirty="0"/>
           </a:p>
@@ -1726,7 +1726,7 @@
                   <a:srgbClr val="363636"/>
                 </a:solidFill>
               </a:rPr>
-              <a:t>在各种单色光中，被称为三原色光的是    </a:t>
+              <a:t>在各种单色光中，被称为三原色光的是      </a:t>
             </a:r>
             <a:endParaRPr lang="en-US" sz="1800" dirty="0"/>
           </a:p>
@@ -1931,7 +1931,7 @@
                   <a:srgbClr val="363636"/>
                 </a:solidFill>
               </a:rPr>
-              <a:t>吹奏竖笛时，用手指按压不同笛孔的目的是为了改变笛声的    </a:t>
+              <a:t>吹奏竖笛时，用手指按压不同笛孔的目的是为了改变笛声的      </a:t>
             </a:r>
             <a:endParaRPr lang="en-US" sz="1800" dirty="0"/>
           </a:p>
@@ -2075,7 +2075,7 @@
                   <a:srgbClr val="363636"/>
                 </a:solidFill>
               </a:rPr>
-              <a:t>D．振幅 </a:t>
+              <a:t>D．振幅</a:t>
             </a:r>
             <a:endParaRPr lang="en-US" sz="1400" dirty="0"/>
           </a:p>
@@ -2136,7 +2136,7 @@
                   <a:srgbClr val="363636"/>
                 </a:solidFill>
               </a:rPr>
-              <a:t>四冲程热机工作时，将内能转化为机械能</a:t>
+              <a:t>四冲程热机工作时，将内能转化为机械能的是</a:t>
             </a:r>
             <a:endParaRPr lang="en-US" sz="1800" dirty="0"/>
           </a:p>
@@ -2341,7 +2341,7 @@
                   <a:srgbClr val="363636"/>
                 </a:solidFill>
               </a:rPr>
-              <a:t>下列物体中所受重力约为0.5牛</a:t>
+              <a:t>下列物体中所受重力约为0.5牛的是</a:t>
             </a:r>
             <a:endParaRPr lang="en-US" sz="1800" dirty="0"/>
           </a:p>
@@ -2546,7 +2546,7 @@
                   <a:srgbClr val="363636"/>
                 </a:solidFill>
               </a:rPr>
-              <a:t>汽车发动机用水作冷却液是</a:t>
+              <a:t>汽车发动机用水作冷却液是因为</a:t>
             </a:r>
             <a:endParaRPr lang="en-US" sz="1800" dirty="0"/>
           </a:p>
@@ -2751,7 +2751,7 @@
                   <a:srgbClr val="363636"/>
                 </a:solidFill>
               </a:rPr>
-              <a:t>甲、乙两物体同时同地沿同一直线出发做匀速直线运动，甲运动3秒时通过的路程为3米。此时甲、乙间的距离为6米。则在图1所示的s-t图</a:t>
+              <a:t>甲、乙两物体同时同地沿同一直线出发做匀速直线运动，甲运动3秒时通过的路程为3米。此时甲、乙间的距离为6米。则在图1所示的s-t图像中</a:t>
             </a:r>
             <a:endParaRPr lang="en-US" sz="1800" dirty="0"/>
           </a:p>
@@ -2759,7 +2759,7 @@
       </p:sp>
       <p:pic>
         <p:nvPicPr>
-          <p:cNvPr id="3" name="Image 0" descr="./images/甲、乙两物体同时同地沿同一直线出发做匀速直线运动，甲运动3秒时通过的路程为3米。此时甲、乙间的距离为6米。则在图1所示的s-t图.png">    </p:cNvPr>
+          <p:cNvPr id="3" name="Image 0" descr="./images/甲、乙两物体同时同地沿同一直线出发做匀速直线运动，甲运动3秒时通过的路程为3米。此时甲、乙间的距离为6米。则在图1所示的s-t图像中.png">    </p:cNvPr>
           <p:cNvPicPr>
             <a:picLocks noChangeAspect="1"/>
           </p:cNvPicPr>
@@ -2811,7 +2811,7 @@
                   <a:srgbClr val="363636"/>
                 </a:solidFill>
               </a:rPr>
-              <a:t>A．甲的s-t图可能为图线c			</a:t>
+              <a:t>A．甲的s-t图可能为图线c</a:t>
             </a:r>
             <a:endParaRPr lang="en-US" sz="1400" dirty="0"/>
           </a:p>
@@ -2847,7 +2847,7 @@
                   <a:srgbClr val="363636"/>
                 </a:solidFill>
               </a:rPr>
-              <a:t>B．甲的s-t图可能为图线b	</a:t>
+              <a:t>B．甲的s-t图可能为图线b</a:t>
             </a:r>
             <a:endParaRPr lang="en-US" sz="1400" dirty="0"/>
           </a:p>
@@ -2980,7 +2980,7 @@
                   <a:srgbClr val="363636"/>
                 </a:solidFill>
               </a:rPr>
-              <a:t>在图2所示的电路中，电源电压保持不变。当电键S由断开到闭合时，变小</a:t>
+              <a:t>在图2所示的电路中，电源电压保持不变。当电键S由断开到闭合时，变小的是</a:t>
             </a:r>
             <a:endParaRPr lang="en-US" sz="1800" dirty="0"/>
           </a:p>
@@ -2988,7 +2988,7 @@
       </p:sp>
       <p:pic>
         <p:nvPicPr>
-          <p:cNvPr id="3" name="Image 0" descr="./images/在图2所示的电路中，电源电压保持不变。当电键S由断开到闭合时，变小.png">    </p:cNvPr>
+          <p:cNvPr id="3" name="Image 0" descr="./images/在图2所示的电路中，电源电压保持不变。当电键S由断开到闭合时，变小的是.png">    </p:cNvPr>
           <p:cNvPicPr>
             <a:picLocks noChangeAspect="1"/>
           </p:cNvPicPr>
@@ -3113,6 +3113,42 @@
                 </a:solidFill>
               </a:rPr>
               <a:t>C．电压表V示数与电流表A示数的比值</a:t>
+            </a:r>
+            <a:endParaRPr lang="en-US" sz="1400" dirty="0"/>
+          </a:p>
+        </p:txBody>
+      </p:sp>
+      <p:sp>
+        <p:nvSpPr>
+          <p:cNvPr id="7" name="Text 4"/>
+          <p:cNvSpPr/>
+          <p:nvPr/>
+        </p:nvSpPr>
+        <p:spPr>
+          <a:xfrm>
+            <a:off x="2743200" y="3200400"/>
+            <a:ext cx="6858000" cy="0"/>
+          </a:xfrm>
+          <a:prstGeom prst="rect">
+            <a:avLst/>
+          </a:prstGeom>
+          <a:solidFill>
+            <a:srgbClr val="F1F1F1"/>
+          </a:solidFill>
+          <a:ln/>
+        </p:spPr>
+        <p:txBody>
+          <a:bodyPr wrap="square" rtlCol="0" anchor="ctr"/>
+          <a:lstStyle/>
+          <a:p>
+            <a:pPr algn="l"/>
+            <a:r>
+              <a:rPr lang="en-US" sz="1400" dirty="0">
+                <a:solidFill>
+                  <a:srgbClr val="363636"/>
+                </a:solidFill>
+              </a:rPr>
+              <a:t>D．电压表V示数与电流表A示数的乘积</a:t>
             </a:r>
             <a:endParaRPr lang="en-US" sz="1400" dirty="0"/>
           </a:p>

--- a/question.pptx
+++ b/question.pptx
@@ -11,11 +11,9 @@
     <p:sldId id="259" r:id="rId5"/>
     <p:sldId id="260" r:id="rId6"/>
     <p:sldId id="261" r:id="rId7"/>
-    <p:sldId id="262" r:id="rId8"/>
-    <p:sldId id="263" r:id="rId9"/>
   </p:sldIdLst>
   <p:notesMasterIdLst>
-    <p:notesMasterId r:id="rId10"/>
+    <p:notesMasterId r:id="rId8"/>
   </p:notesMasterIdLst>
   <p:sldSz cx="9144000" cy="5143500"/>
   <p:notesSz cx="5143500" cy="9144000"/>
@@ -991,182 +989,6 @@
 </p:notes>
 </file>
 
-<file path=ppt/notesSlides/notesSlide7.xml><?xml version="1.0" encoding="utf-8"?>
-<p:notes xmlns:a="http://schemas.openxmlformats.org/drawingml/2006/main" xmlns:r="http://schemas.openxmlformats.org/officeDocument/2006/relationships" xmlns:p="http://schemas.openxmlformats.org/presentationml/2006/main">
-  <p:cSld>
-    <p:spTree>
-      <p:nvGrpSpPr>
-        <p:cNvPr id="1" name=""/>
-        <p:cNvGrpSpPr/>
-        <p:nvPr/>
-      </p:nvGrpSpPr>
-      <p:grpSpPr>
-        <a:xfrm>
-          <a:off x="0" y="0"/>
-          <a:ext cx="0" cy="0"/>
-          <a:chOff x="0" y="0"/>
-          <a:chExt cx="0" cy="0"/>
-        </a:xfrm>
-      </p:grpSpPr>
-      <p:sp>
-        <p:nvSpPr>
-          <p:cNvPr id="2" name="Slide Image Placeholder 1"/>
-          <p:cNvSpPr>
-            <a:spLocks noGrp="1" noRot="1" noChangeAspect="1"/>
-          </p:cNvSpPr>
-          <p:nvPr>
-            <p:ph type="sldImg"/>
-          </p:nvPr>
-        </p:nvSpPr>
-        <p:spPr/>
-      </p:sp>
-      <p:sp>
-        <p:nvSpPr>
-          <p:cNvPr id="3" name="Notes Placeholder 2"/>
-          <p:cNvSpPr>
-            <a:spLocks noGrp="1"/>
-          </p:cNvSpPr>
-          <p:nvPr>
-            <p:ph type="body" idx="1"/>
-          </p:nvPr>
-        </p:nvSpPr>
-        <p:spPr/>
-        <p:txBody>
-          <a:bodyPr/>
-          <a:lstStyle/>
-          <a:p>
-            <a:r>
-              <a:rPr lang="en-US" dirty="0"/>
-              <a:t/>
-            </a:r>
-            <a:endParaRPr lang="en-US" dirty="0"/>
-          </a:p>
-        </p:txBody>
-      </p:sp>
-      <p:sp>
-        <p:nvSpPr>
-          <p:cNvPr id="4" name="Slide Number Placeholder 3"/>
-          <p:cNvSpPr>
-            <a:spLocks noGrp="1"/>
-          </p:cNvSpPr>
-          <p:nvPr>
-            <p:ph type="sldNum" sz="quarter" idx="10"/>
-          </p:nvPr>
-        </p:nvSpPr>
-        <p:spPr/>
-        <p:txBody>
-          <a:bodyPr/>
-          <a:lstStyle/>
-          <a:p>
-            <a:fld id="{F7021451-1387-4CA6-816F-3879F97B5CBC}" type="slidenum">
-              <a:rPr lang="en-US"/>
-              <a:t>7</a:t>
-            </a:fld>
-            <a:endParaRPr lang="en-US"/>
-          </a:p>
-        </p:txBody>
-      </p:sp>
-    </p:spTree>
-    <p:extLst>
-      <p:ext uri="{BB962C8B-B14F-4D97-AF65-F5344CB8AC3E}">
-        <p14:creationId xmlns:p14="http://schemas.microsoft.com/office/powerpoint/2010/main" val="1024086991"/>
-      </p:ext>
-    </p:extLst>
-  </p:cSld>
-  <p:clrMapOvr>
-    <a:masterClrMapping/>
-  </p:clrMapOvr>
-</p:notes>
-</file>
-
-<file path=ppt/notesSlides/notesSlide8.xml><?xml version="1.0" encoding="utf-8"?>
-<p:notes xmlns:a="http://schemas.openxmlformats.org/drawingml/2006/main" xmlns:r="http://schemas.openxmlformats.org/officeDocument/2006/relationships" xmlns:p="http://schemas.openxmlformats.org/presentationml/2006/main">
-  <p:cSld>
-    <p:spTree>
-      <p:nvGrpSpPr>
-        <p:cNvPr id="1" name=""/>
-        <p:cNvGrpSpPr/>
-        <p:nvPr/>
-      </p:nvGrpSpPr>
-      <p:grpSpPr>
-        <a:xfrm>
-          <a:off x="0" y="0"/>
-          <a:ext cx="0" cy="0"/>
-          <a:chOff x="0" y="0"/>
-          <a:chExt cx="0" cy="0"/>
-        </a:xfrm>
-      </p:grpSpPr>
-      <p:sp>
-        <p:nvSpPr>
-          <p:cNvPr id="2" name="Slide Image Placeholder 1"/>
-          <p:cNvSpPr>
-            <a:spLocks noGrp="1" noRot="1" noChangeAspect="1"/>
-          </p:cNvSpPr>
-          <p:nvPr>
-            <p:ph type="sldImg"/>
-          </p:nvPr>
-        </p:nvSpPr>
-        <p:spPr/>
-      </p:sp>
-      <p:sp>
-        <p:nvSpPr>
-          <p:cNvPr id="3" name="Notes Placeholder 2"/>
-          <p:cNvSpPr>
-            <a:spLocks noGrp="1"/>
-          </p:cNvSpPr>
-          <p:nvPr>
-            <p:ph type="body" idx="1"/>
-          </p:nvPr>
-        </p:nvSpPr>
-        <p:spPr/>
-        <p:txBody>
-          <a:bodyPr/>
-          <a:lstStyle/>
-          <a:p>
-            <a:r>
-              <a:rPr lang="en-US" dirty="0"/>
-              <a:t/>
-            </a:r>
-            <a:endParaRPr lang="en-US" dirty="0"/>
-          </a:p>
-        </p:txBody>
-      </p:sp>
-      <p:sp>
-        <p:nvSpPr>
-          <p:cNvPr id="4" name="Slide Number Placeholder 3"/>
-          <p:cNvSpPr>
-            <a:spLocks noGrp="1"/>
-          </p:cNvSpPr>
-          <p:nvPr>
-            <p:ph type="sldNum" sz="quarter" idx="10"/>
-          </p:nvPr>
-        </p:nvSpPr>
-        <p:spPr/>
-        <p:txBody>
-          <a:bodyPr/>
-          <a:lstStyle/>
-          <a:p>
-            <a:fld id="{F7021451-1387-4CA6-816F-3879F97B5CBC}" type="slidenum">
-              <a:rPr lang="en-US"/>
-              <a:t>8</a:t>
-            </a:fld>
-            <a:endParaRPr lang="en-US"/>
-          </a:p>
-        </p:txBody>
-      </p:sp>
-    </p:spTree>
-    <p:extLst>
-      <p:ext uri="{BB962C8B-B14F-4D97-AF65-F5344CB8AC3E}">
-        <p14:creationId xmlns:p14="http://schemas.microsoft.com/office/powerpoint/2010/main" val="1024086991"/>
-      </p:ext>
-    </p:extLst>
-  </p:cSld>
-  <p:clrMapOvr>
-    <a:masterClrMapping/>
-  </p:clrMapOvr>
-</p:notes>
-</file>
-
 <file path=ppt/slideLayouts/slideLayout1.xml><?xml version="1.0" encoding="utf-8"?>
 <p:sldLayout xmlns:a="http://schemas.openxmlformats.org/drawingml/2006/main" xmlns:r="http://schemas.openxmlformats.org/officeDocument/2006/relationships" xmlns:p="http://schemas.openxmlformats.org/presentationml/2006/main" preserve="1">
   <p:cSld name="DEFAULT">
@@ -1521,7 +1343,7 @@
                   <a:srgbClr val="363636"/>
                 </a:solidFill>
               </a:rPr>
-              <a:t>地球是太阳系中的</a:t>
+              <a:t>下列粒子中，带负电的是</a:t>
             </a:r>
             <a:endParaRPr lang="en-US" sz="1800" dirty="0"/>
           </a:p>
@@ -1557,7 +1379,7 @@
                   <a:srgbClr val="363636"/>
                 </a:solidFill>
               </a:rPr>
-              <a:t>A．彗星</a:t>
+              <a:t>A．原子</a:t>
             </a:r>
             <a:endParaRPr lang="en-US" sz="1400" dirty="0"/>
           </a:p>
@@ -1593,7 +1415,7 @@
                   <a:srgbClr val="363636"/>
                 </a:solidFill>
               </a:rPr>
-              <a:t>B．行星</a:t>
+              <a:t>B．质子</a:t>
             </a:r>
             <a:endParaRPr lang="en-US" sz="1400" dirty="0"/>
           </a:p>
@@ -1629,7 +1451,7 @@
                   <a:srgbClr val="363636"/>
                 </a:solidFill>
               </a:rPr>
-              <a:t>C．恒星</a:t>
+              <a:t>C．电子</a:t>
             </a:r>
             <a:endParaRPr lang="en-US" sz="1400" dirty="0"/>
           </a:p>
@@ -1665,7 +1487,7 @@
                   <a:srgbClr val="363636"/>
                 </a:solidFill>
               </a:rPr>
-              <a:t>D．卫星</a:t>
+              <a:t>D．中子</a:t>
             </a:r>
             <a:endParaRPr lang="en-US" sz="1400" dirty="0"/>
           </a:p>
@@ -1726,7 +1548,7 @@
                   <a:srgbClr val="363636"/>
                 </a:solidFill>
               </a:rPr>
-              <a:t>在各种单色光中，被称为三原色光的是      </a:t>
+              <a:t>分辨不同人的声音，主要是依据</a:t>
             </a:r>
             <a:endParaRPr lang="en-US" sz="1800" dirty="0"/>
           </a:p>
@@ -1762,7 +1584,7 @@
                   <a:srgbClr val="363636"/>
                 </a:solidFill>
               </a:rPr>
-              <a:t>A．红、绿、蓝</a:t>
+              <a:t>A．响度</a:t>
             </a:r>
             <a:endParaRPr lang="en-US" sz="1400" dirty="0"/>
           </a:p>
@@ -1798,7 +1620,7 @@
                   <a:srgbClr val="363636"/>
                 </a:solidFill>
               </a:rPr>
-              <a:t>B．红、黄、蓝</a:t>
+              <a:t>B．音调</a:t>
             </a:r>
             <a:endParaRPr lang="en-US" sz="1400" dirty="0"/>
           </a:p>
@@ -1834,7 +1656,7 @@
                   <a:srgbClr val="363636"/>
                 </a:solidFill>
               </a:rPr>
-              <a:t>C．红、黄、绿</a:t>
+              <a:t>C．振幅</a:t>
             </a:r>
             <a:endParaRPr lang="en-US" sz="1400" dirty="0"/>
           </a:p>
@@ -1870,7 +1692,7 @@
                   <a:srgbClr val="363636"/>
                 </a:solidFill>
               </a:rPr>
-              <a:t>D．黄、绿、蓝</a:t>
+              <a:t>D．音色</a:t>
             </a:r>
             <a:endParaRPr lang="en-US" sz="1400" dirty="0"/>
           </a:p>
@@ -1931,7 +1753,7 @@
                   <a:srgbClr val="363636"/>
                 </a:solidFill>
               </a:rPr>
-              <a:t>吹奏竖笛时，用手指按压不同笛孔的目的是为了改变笛声的      </a:t>
+              <a:t>四冲程内燃机在工作过程中，将机械能转化为内能的冲程是</a:t>
             </a:r>
             <a:endParaRPr lang="en-US" sz="1800" dirty="0"/>
           </a:p>
@@ -1967,7 +1789,7 @@
                   <a:srgbClr val="363636"/>
                 </a:solidFill>
               </a:rPr>
-              <a:t>A．响度</a:t>
+              <a:t>A．吸气冲程</a:t>
             </a:r>
             <a:endParaRPr lang="en-US" sz="1400" dirty="0"/>
           </a:p>
@@ -2003,7 +1825,7 @@
                   <a:srgbClr val="363636"/>
                 </a:solidFill>
               </a:rPr>
-              <a:t>B．音调</a:t>
+              <a:t>B．压缩冲程</a:t>
             </a:r>
             <a:endParaRPr lang="en-US" sz="1400" dirty="0"/>
           </a:p>
@@ -2039,7 +1861,7 @@
                   <a:srgbClr val="363636"/>
                 </a:solidFill>
               </a:rPr>
-              <a:t>C．音色</a:t>
+              <a:t>C．做功冲程</a:t>
             </a:r>
             <a:endParaRPr lang="en-US" sz="1400" dirty="0"/>
           </a:p>
@@ -2075,7 +1897,7 @@
                   <a:srgbClr val="363636"/>
                 </a:solidFill>
               </a:rPr>
-              <a:t>D．振幅</a:t>
+              <a:t>D．排气冲程</a:t>
             </a:r>
             <a:endParaRPr lang="en-US" sz="1400" dirty="0"/>
           </a:p>
@@ -2136,7 +1958,7 @@
                   <a:srgbClr val="363636"/>
                 </a:solidFill>
               </a:rPr>
-              <a:t>四冲程热机工作时，将内能转化为机械能的是</a:t>
+              <a:t>地铁启动离站的加速过程中，其惯性</a:t>
             </a:r>
             <a:endParaRPr lang="en-US" sz="1800" dirty="0"/>
           </a:p>
@@ -2172,7 +1994,7 @@
                   <a:srgbClr val="363636"/>
                 </a:solidFill>
               </a:rPr>
-              <a:t>A. 吸气冲程</a:t>
+              <a:t>A．先变大后不变</a:t>
             </a:r>
             <a:endParaRPr lang="en-US" sz="1400" dirty="0"/>
           </a:p>
@@ -2208,7 +2030,7 @@
                   <a:srgbClr val="363636"/>
                 </a:solidFill>
               </a:rPr>
-              <a:t>B. 压缩冲程</a:t>
+              <a:t>B．先不变后变大</a:t>
             </a:r>
             <a:endParaRPr lang="en-US" sz="1400" dirty="0"/>
           </a:p>
@@ -2244,7 +2066,7 @@
                   <a:srgbClr val="363636"/>
                 </a:solidFill>
               </a:rPr>
-              <a:t>C. 做功冲程</a:t>
+              <a:t>C．一直变大</a:t>
             </a:r>
             <a:endParaRPr lang="en-US" sz="1400" dirty="0"/>
           </a:p>
@@ -2280,7 +2102,7 @@
                   <a:srgbClr val="363636"/>
                 </a:solidFill>
               </a:rPr>
-              <a:t>D. 排气冲程</a:t>
+              <a:t>D．一直不变</a:t>
             </a:r>
             <a:endParaRPr lang="en-US" sz="1400" dirty="0"/>
           </a:p>
@@ -2341,21 +2163,45 @@
                   <a:srgbClr val="363636"/>
                 </a:solidFill>
               </a:rPr>
-              <a:t>下列物体中所受重力约为0.5牛的是</a:t>
+              <a:t>在图1所示的电路中，滑动变阻器滑片P位于中点附近。用电阻R3替换R1（R3＞R1）后，在确保电路安全的前提下，可能使电流表A与A1示数的比值与替换R1前相同的方法是</a:t>
             </a:r>
             <a:endParaRPr lang="en-US" sz="1800" dirty="0"/>
           </a:p>
         </p:txBody>
       </p:sp>
-      <p:sp>
-        <p:nvSpPr>
-          <p:cNvPr id="3" name="Text 1"/>
-          <p:cNvSpPr/>
-          <p:nvPr/>
-        </p:nvSpPr>
+      <p:pic>
+        <p:nvPicPr>
+          <p:cNvPr id="3" name="Image 0" descr="preencoded.png">    </p:cNvPr>
+          <p:cNvPicPr>
+            <a:picLocks noChangeAspect="1"/>
+          </p:cNvPicPr>
+          <p:nvPr/>
+        </p:nvPicPr>
+        <p:blipFill>
+          <a:blip r:embed="rId1"/>
+          <a:stretch>
+            <a:fillRect/>
+          </a:stretch>
+        </p:blipFill>
         <p:spPr>
           <a:xfrm>
             <a:off x="914400" y="1828800"/>
+            <a:ext cx="1828800" cy="1045572"/>
+          </a:xfrm>
+          <a:prstGeom prst="rect">
+            <a:avLst/>
+          </a:prstGeom>
+        </p:spPr>
+      </p:pic>
+      <p:sp>
+        <p:nvSpPr>
+          <p:cNvPr id="4" name="Text 1"/>
+          <p:cNvSpPr/>
+          <p:nvPr/>
+        </p:nvSpPr>
+        <p:spPr>
+          <a:xfrm>
+            <a:off x="2743200" y="1828800"/>
             <a:ext cx="6858000" cy="0"/>
           </a:xfrm>
           <a:prstGeom prst="rect">
@@ -2377,7 +2223,7 @@
                   <a:srgbClr val="363636"/>
                 </a:solidFill>
               </a:rPr>
-              <a:t>A．一瓶矿泉水</a:t>
+              <a:t>A．增大电源电压，不移动滑片P</a:t>
             </a:r>
             <a:endParaRPr lang="en-US" sz="1400" dirty="0"/>
           </a:p>
@@ -2385,13 +2231,13 @@
       </p:sp>
       <p:sp>
         <p:nvSpPr>
-          <p:cNvPr id="4" name="Text 2"/>
-          <p:cNvSpPr/>
-          <p:nvPr/>
-        </p:nvSpPr>
-        <p:spPr>
-          <a:xfrm>
-            <a:off x="914400" y="2286000"/>
+          <p:cNvPr id="5" name="Text 2"/>
+          <p:cNvSpPr/>
+          <p:nvPr/>
+        </p:nvSpPr>
+        <p:spPr>
+          <a:xfrm>
+            <a:off x="2743200" y="2286000"/>
             <a:ext cx="6858000" cy="0"/>
           </a:xfrm>
           <a:prstGeom prst="rect">
@@ -2413,7 +2259,7 @@
                   <a:srgbClr val="363636"/>
                 </a:solidFill>
               </a:rPr>
-              <a:t>B．一只鸡蛋</a:t>
+              <a:t>B．减小电源电压，不移动滑片P</a:t>
             </a:r>
             <a:endParaRPr lang="en-US" sz="1400" dirty="0"/>
           </a:p>
@@ -2421,13 +2267,13 @@
       </p:sp>
       <p:sp>
         <p:nvSpPr>
-          <p:cNvPr id="5" name="Text 3"/>
-          <p:cNvSpPr/>
-          <p:nvPr/>
-        </p:nvSpPr>
-        <p:spPr>
-          <a:xfrm>
-            <a:off x="914400" y="2743200"/>
+          <p:cNvPr id="6" name="Text 3"/>
+          <p:cNvSpPr/>
+          <p:nvPr/>
+        </p:nvSpPr>
+        <p:spPr>
+          <a:xfrm>
+            <a:off x="2743200" y="2743200"/>
             <a:ext cx="6858000" cy="0"/>
           </a:xfrm>
           <a:prstGeom prst="rect">
@@ -2449,7 +2295,7 @@
                   <a:srgbClr val="363636"/>
                 </a:solidFill>
               </a:rPr>
-              <a:t>C．一枚一元硬币</a:t>
+              <a:t>C．电源电压不变，滑片P向右移</a:t>
             </a:r>
             <a:endParaRPr lang="en-US" sz="1400" dirty="0"/>
           </a:p>
@@ -2457,13 +2303,13 @@
       </p:sp>
       <p:sp>
         <p:nvSpPr>
-          <p:cNvPr id="6" name="Text 4"/>
-          <p:cNvSpPr/>
-          <p:nvPr/>
-        </p:nvSpPr>
-        <p:spPr>
-          <a:xfrm>
-            <a:off x="914400" y="3200400"/>
+          <p:cNvPr id="7" name="Text 4"/>
+          <p:cNvSpPr/>
+          <p:nvPr/>
+        </p:nvSpPr>
+        <p:spPr>
+          <a:xfrm>
+            <a:off x="2743200" y="3200400"/>
             <a:ext cx="6858000" cy="0"/>
           </a:xfrm>
           <a:prstGeom prst="rect">
@@ -2485,7 +2331,7 @@
                   <a:srgbClr val="363636"/>
                 </a:solidFill>
               </a:rPr>
-              <a:t>D．一枚针</a:t>
+              <a:t>D．电源电压不变，滑片P向左移</a:t>
             </a:r>
             <a:endParaRPr lang="en-US" sz="1400" dirty="0"/>
           </a:p>
@@ -2546,212 +2392,7 @@
                   <a:srgbClr val="363636"/>
                 </a:solidFill>
               </a:rPr>
-              <a:t>汽车发动机用水作冷却液是因为</a:t>
-            </a:r>
-            <a:endParaRPr lang="en-US" sz="1800" dirty="0"/>
-          </a:p>
-        </p:txBody>
-      </p:sp>
-      <p:sp>
-        <p:nvSpPr>
-          <p:cNvPr id="3" name="Text 1"/>
-          <p:cNvSpPr/>
-          <p:nvPr/>
-        </p:nvSpPr>
-        <p:spPr>
-          <a:xfrm>
-            <a:off x="914400" y="1828800"/>
-            <a:ext cx="6858000" cy="0"/>
-          </a:xfrm>
-          <a:prstGeom prst="rect">
-            <a:avLst/>
-          </a:prstGeom>
-          <a:solidFill>
-            <a:srgbClr val="F1F1F1"/>
-          </a:solidFill>
-          <a:ln/>
-        </p:spPr>
-        <p:txBody>
-          <a:bodyPr wrap="square" rtlCol="0" anchor="ctr"/>
-          <a:lstStyle/>
-          <a:p>
-            <a:pPr algn="l"/>
-            <a:r>
-              <a:rPr lang="en-US" sz="1400" dirty="0">
-                <a:solidFill>
-                  <a:srgbClr val="363636"/>
-                </a:solidFill>
-              </a:rPr>
-              <a:t>A．水没有腐蚀作用</a:t>
-            </a:r>
-            <a:endParaRPr lang="en-US" sz="1400" dirty="0"/>
-          </a:p>
-        </p:txBody>
-      </p:sp>
-      <p:sp>
-        <p:nvSpPr>
-          <p:cNvPr id="4" name="Text 2"/>
-          <p:cNvSpPr/>
-          <p:nvPr/>
-        </p:nvSpPr>
-        <p:spPr>
-          <a:xfrm>
-            <a:off x="914400" y="2286000"/>
-            <a:ext cx="6858000" cy="0"/>
-          </a:xfrm>
-          <a:prstGeom prst="rect">
-            <a:avLst/>
-          </a:prstGeom>
-          <a:solidFill>
-            <a:srgbClr val="F1F1F1"/>
-          </a:solidFill>
-          <a:ln/>
-        </p:spPr>
-        <p:txBody>
-          <a:bodyPr wrap="square" rtlCol="0" anchor="ctr"/>
-          <a:lstStyle/>
-          <a:p>
-            <a:pPr algn="l"/>
-            <a:r>
-              <a:rPr lang="en-US" sz="1400" dirty="0">
-                <a:solidFill>
-                  <a:srgbClr val="363636"/>
-                </a:solidFill>
-              </a:rPr>
-              <a:t>B．水的密度大</a:t>
-            </a:r>
-            <a:endParaRPr lang="en-US" sz="1400" dirty="0"/>
-          </a:p>
-        </p:txBody>
-      </p:sp>
-      <p:sp>
-        <p:nvSpPr>
-          <p:cNvPr id="5" name="Text 3"/>
-          <p:cNvSpPr/>
-          <p:nvPr/>
-        </p:nvSpPr>
-        <p:spPr>
-          <a:xfrm>
-            <a:off x="914400" y="2743200"/>
-            <a:ext cx="6858000" cy="0"/>
-          </a:xfrm>
-          <a:prstGeom prst="rect">
-            <a:avLst/>
-          </a:prstGeom>
-          <a:solidFill>
-            <a:srgbClr val="F1F1F1"/>
-          </a:solidFill>
-          <a:ln/>
-        </p:spPr>
-        <p:txBody>
-          <a:bodyPr wrap="square" rtlCol="0" anchor="ctr"/>
-          <a:lstStyle/>
-          <a:p>
-            <a:pPr algn="l"/>
-            <a:r>
-              <a:rPr lang="en-US" sz="1400" dirty="0">
-                <a:solidFill>
-                  <a:srgbClr val="363636"/>
-                </a:solidFill>
-              </a:rPr>
-              <a:t>C．取水方便</a:t>
-            </a:r>
-            <a:endParaRPr lang="en-US" sz="1400" dirty="0"/>
-          </a:p>
-        </p:txBody>
-      </p:sp>
-      <p:sp>
-        <p:nvSpPr>
-          <p:cNvPr id="6" name="Text 4"/>
-          <p:cNvSpPr/>
-          <p:nvPr/>
-        </p:nvSpPr>
-        <p:spPr>
-          <a:xfrm>
-            <a:off x="914400" y="3200400"/>
-            <a:ext cx="6858000" cy="0"/>
-          </a:xfrm>
-          <a:prstGeom prst="rect">
-            <a:avLst/>
-          </a:prstGeom>
-          <a:solidFill>
-            <a:srgbClr val="F1F1F1"/>
-          </a:solidFill>
-          <a:ln/>
-        </p:spPr>
-        <p:txBody>
-          <a:bodyPr wrap="square" rtlCol="0" anchor="ctr"/>
-          <a:lstStyle/>
-          <a:p>
-            <a:pPr algn="l"/>
-            <a:r>
-              <a:rPr lang="en-US" sz="1400" dirty="0">
-                <a:solidFill>
-                  <a:srgbClr val="363636"/>
-                </a:solidFill>
-              </a:rPr>
-              <a:t>D．水的比热容大</a:t>
-            </a:r>
-            <a:endParaRPr lang="en-US" sz="1400" dirty="0"/>
-          </a:p>
-        </p:txBody>
-      </p:sp>
-    </p:spTree>
-  </p:cSld>
-  <p:clrMapOvr>
-    <a:masterClrMapping/>
-  </p:clrMapOvr>
-</p:sld>
-</file>
-
-<file path=ppt/slides/slide7.xml><?xml version="1.0" encoding="utf-8"?>
-<p:sld xmlns:a="http://schemas.openxmlformats.org/drawingml/2006/main" xmlns:r="http://schemas.openxmlformats.org/officeDocument/2006/relationships" xmlns:p="http://schemas.openxmlformats.org/presentationml/2006/main">
-  <p:cSld name="Slide 7">
-    <p:spTree>
-      <p:nvGrpSpPr>
-        <p:cNvPr id="1" name=""/>
-        <p:cNvGrpSpPr/>
-        <p:nvPr/>
-      </p:nvGrpSpPr>
-      <p:grpSpPr>
-        <a:xfrm>
-          <a:off x="0" y="0"/>
-          <a:ext cx="0" cy="0"/>
-          <a:chOff x="0" y="0"/>
-          <a:chExt cx="0" cy="0"/>
-        </a:xfrm>
-      </p:grpSpPr>
-      <p:sp>
-        <p:nvSpPr>
-          <p:cNvPr id="2" name="Text 0"/>
-          <p:cNvSpPr/>
-          <p:nvPr/>
-        </p:nvSpPr>
-        <p:spPr>
-          <a:xfrm>
-            <a:off x="914400" y="914400"/>
-            <a:ext cx="6858000" cy="0"/>
-          </a:xfrm>
-          <a:prstGeom prst="rect">
-            <a:avLst/>
-          </a:prstGeom>
-          <a:solidFill>
-            <a:srgbClr val="F1F1F1"/>
-          </a:solidFill>
-          <a:ln/>
-        </p:spPr>
-        <p:txBody>
-          <a:bodyPr wrap="square" rtlCol="0" anchor="ctr"/>
-          <a:lstStyle/>
-          <a:p>
-            <a:pPr algn="l"/>
-            <a:r>
-              <a:rPr lang="en-US" sz="1800" dirty="0">
-                <a:solidFill>
-                  <a:srgbClr val="363636"/>
-                </a:solidFill>
-              </a:rPr>
-              <a:t>甲、乙两物体同时同地沿同一直线出发做匀速直线运动，甲运动3秒时通过的路程为3米。此时甲、乙间的距离为6米。则在图1所示的s-t图像中</a:t>
+              <a:t>如图2所示，实心均匀正方体甲、乙置于水平地面上，它们的质量为m甲、m乙，对水平地面的压强为p甲、p乙。现沿水平方向在上部分别截去相同高度的部分，则下列关系中一定能使水平面所受压力变化量∆F甲＜∆F乙的是</a:t>
             </a:r>
             <a:endParaRPr lang="en-US" sz="1800" dirty="0"/>
           </a:p>
@@ -2759,7 +2400,7 @@
       </p:sp>
       <p:pic>
         <p:nvPicPr>
-          <p:cNvPr id="3" name="Image 0" descr="./images/甲、乙两物体同时同地沿同一直线出发做匀速直线运动，甲运动3秒时通过的路程为3米。此时甲、乙间的距离为6米。则在图1所示的s-t图像中.png">    </p:cNvPr>
+          <p:cNvPr id="3" name="Image 0" descr="preencoded.png">    </p:cNvPr>
           <p:cNvPicPr>
             <a:picLocks noChangeAspect="1"/>
           </p:cNvPicPr>
@@ -2774,7 +2415,7 @@
         <p:spPr>
           <a:xfrm>
             <a:off x="914400" y="1828800"/>
-            <a:ext cx="1828800" cy="1683026"/>
+            <a:ext cx="1828800" cy="800847"/>
           </a:xfrm>
           <a:prstGeom prst="rect">
             <a:avLst/>
@@ -2811,7 +2452,7 @@
                   <a:srgbClr val="363636"/>
                 </a:solidFill>
               </a:rPr>
-              <a:t>A．甲的s-t图可能为图线c</a:t>
+              <a:t>A．p甲＝p乙</a:t>
             </a:r>
             <a:endParaRPr lang="en-US" sz="1400" dirty="0"/>
           </a:p>
@@ -2847,7 +2488,7 @@
                   <a:srgbClr val="363636"/>
                 </a:solidFill>
               </a:rPr>
-              <a:t>B．甲的s-t图可能为图线b</a:t>
+              <a:t>B．p甲＞p乙</a:t>
             </a:r>
             <a:endParaRPr lang="en-US" sz="1400" dirty="0"/>
           </a:p>
@@ -2883,7 +2524,7 @@
                   <a:srgbClr val="363636"/>
                 </a:solidFill>
               </a:rPr>
-              <a:t>C．乙的s-t图一定为图线a</a:t>
+              <a:t>C．m甲＝m乙</a:t>
             </a:r>
             <a:endParaRPr lang="en-US" sz="1400" dirty="0"/>
           </a:p>
@@ -2919,236 +2560,7 @@
                   <a:srgbClr val="363636"/>
                 </a:solidFill>
               </a:rPr>
-              <a:t>D．乙的s-t图可能为图线b</a:t>
-            </a:r>
-            <a:endParaRPr lang="en-US" sz="1400" dirty="0"/>
-          </a:p>
-        </p:txBody>
-      </p:sp>
-    </p:spTree>
-  </p:cSld>
-  <p:clrMapOvr>
-    <a:masterClrMapping/>
-  </p:clrMapOvr>
-</p:sld>
-</file>
-
-<file path=ppt/slides/slide8.xml><?xml version="1.0" encoding="utf-8"?>
-<p:sld xmlns:a="http://schemas.openxmlformats.org/drawingml/2006/main" xmlns:r="http://schemas.openxmlformats.org/officeDocument/2006/relationships" xmlns:p="http://schemas.openxmlformats.org/presentationml/2006/main">
-  <p:cSld name="Slide 8">
-    <p:spTree>
-      <p:nvGrpSpPr>
-        <p:cNvPr id="1" name=""/>
-        <p:cNvGrpSpPr/>
-        <p:nvPr/>
-      </p:nvGrpSpPr>
-      <p:grpSpPr>
-        <a:xfrm>
-          <a:off x="0" y="0"/>
-          <a:ext cx="0" cy="0"/>
-          <a:chOff x="0" y="0"/>
-          <a:chExt cx="0" cy="0"/>
-        </a:xfrm>
-      </p:grpSpPr>
-      <p:sp>
-        <p:nvSpPr>
-          <p:cNvPr id="2" name="Text 0"/>
-          <p:cNvSpPr/>
-          <p:nvPr/>
-        </p:nvSpPr>
-        <p:spPr>
-          <a:xfrm>
-            <a:off x="914400" y="914400"/>
-            <a:ext cx="6858000" cy="0"/>
-          </a:xfrm>
-          <a:prstGeom prst="rect">
-            <a:avLst/>
-          </a:prstGeom>
-          <a:solidFill>
-            <a:srgbClr val="F1F1F1"/>
-          </a:solidFill>
-          <a:ln/>
-        </p:spPr>
-        <p:txBody>
-          <a:bodyPr wrap="square" rtlCol="0" anchor="ctr"/>
-          <a:lstStyle/>
-          <a:p>
-            <a:pPr algn="l"/>
-            <a:r>
-              <a:rPr lang="en-US" sz="1800" dirty="0">
-                <a:solidFill>
-                  <a:srgbClr val="363636"/>
-                </a:solidFill>
-              </a:rPr>
-              <a:t>在图2所示的电路中，电源电压保持不变。当电键S由断开到闭合时，变小的是</a:t>
-            </a:r>
-            <a:endParaRPr lang="en-US" sz="1800" dirty="0"/>
-          </a:p>
-        </p:txBody>
-      </p:sp>
-      <p:pic>
-        <p:nvPicPr>
-          <p:cNvPr id="3" name="Image 0" descr="./images/在图2所示的电路中，电源电压保持不变。当电键S由断开到闭合时，变小的是.png">    </p:cNvPr>
-          <p:cNvPicPr>
-            <a:picLocks noChangeAspect="1"/>
-          </p:cNvPicPr>
-          <p:nvPr/>
-        </p:nvPicPr>
-        <p:blipFill>
-          <a:blip r:embed="rId1"/>
-          <a:stretch>
-            <a:fillRect/>
-          </a:stretch>
-        </p:blipFill>
-        <p:spPr>
-          <a:xfrm>
-            <a:off x="914400" y="1828800"/>
-            <a:ext cx="1828800" cy="1767328"/>
-          </a:xfrm>
-          <a:prstGeom prst="rect">
-            <a:avLst/>
-          </a:prstGeom>
-        </p:spPr>
-      </p:pic>
-      <p:sp>
-        <p:nvSpPr>
-          <p:cNvPr id="4" name="Text 1"/>
-          <p:cNvSpPr/>
-          <p:nvPr/>
-        </p:nvSpPr>
-        <p:spPr>
-          <a:xfrm>
-            <a:off x="2743200" y="1828800"/>
-            <a:ext cx="6858000" cy="0"/>
-          </a:xfrm>
-          <a:prstGeom prst="rect">
-            <a:avLst/>
-          </a:prstGeom>
-          <a:solidFill>
-            <a:srgbClr val="F1F1F1"/>
-          </a:solidFill>
-          <a:ln/>
-        </p:spPr>
-        <p:txBody>
-          <a:bodyPr wrap="square" rtlCol="0" anchor="ctr"/>
-          <a:lstStyle/>
-          <a:p>
-            <a:pPr algn="l"/>
-            <a:r>
-              <a:rPr lang="en-US" sz="1400" dirty="0">
-                <a:solidFill>
-                  <a:srgbClr val="363636"/>
-                </a:solidFill>
-              </a:rPr>
-              <a:t>A．电压表V的示数</a:t>
-            </a:r>
-            <a:endParaRPr lang="en-US" sz="1400" dirty="0"/>
-          </a:p>
-        </p:txBody>
-      </p:sp>
-      <p:sp>
-        <p:nvSpPr>
-          <p:cNvPr id="5" name="Text 2"/>
-          <p:cNvSpPr/>
-          <p:nvPr/>
-        </p:nvSpPr>
-        <p:spPr>
-          <a:xfrm>
-            <a:off x="2743200" y="2286000"/>
-            <a:ext cx="6858000" cy="0"/>
-          </a:xfrm>
-          <a:prstGeom prst="rect">
-            <a:avLst/>
-          </a:prstGeom>
-          <a:solidFill>
-            <a:srgbClr val="F1F1F1"/>
-          </a:solidFill>
-          <a:ln/>
-        </p:spPr>
-        <p:txBody>
-          <a:bodyPr wrap="square" rtlCol="0" anchor="ctr"/>
-          <a:lstStyle/>
-          <a:p>
-            <a:pPr algn="l"/>
-            <a:r>
-              <a:rPr lang="en-US" sz="1400" dirty="0">
-                <a:solidFill>
-                  <a:srgbClr val="363636"/>
-                </a:solidFill>
-              </a:rPr>
-              <a:t>B．电流表A1的示数</a:t>
-            </a:r>
-            <a:endParaRPr lang="en-US" sz="1400" dirty="0"/>
-          </a:p>
-        </p:txBody>
-      </p:sp>
-      <p:sp>
-        <p:nvSpPr>
-          <p:cNvPr id="6" name="Text 3"/>
-          <p:cNvSpPr/>
-          <p:nvPr/>
-        </p:nvSpPr>
-        <p:spPr>
-          <a:xfrm>
-            <a:off x="2743200" y="2743200"/>
-            <a:ext cx="6858000" cy="0"/>
-          </a:xfrm>
-          <a:prstGeom prst="rect">
-            <a:avLst/>
-          </a:prstGeom>
-          <a:solidFill>
-            <a:srgbClr val="F1F1F1"/>
-          </a:solidFill>
-          <a:ln/>
-        </p:spPr>
-        <p:txBody>
-          <a:bodyPr wrap="square" rtlCol="0" anchor="ctr"/>
-          <a:lstStyle/>
-          <a:p>
-            <a:pPr algn="l"/>
-            <a:r>
-              <a:rPr lang="en-US" sz="1400" dirty="0">
-                <a:solidFill>
-                  <a:srgbClr val="363636"/>
-                </a:solidFill>
-              </a:rPr>
-              <a:t>C．电压表V示数与电流表A示数的比值</a:t>
-            </a:r>
-            <a:endParaRPr lang="en-US" sz="1400" dirty="0"/>
-          </a:p>
-        </p:txBody>
-      </p:sp>
-      <p:sp>
-        <p:nvSpPr>
-          <p:cNvPr id="7" name="Text 4"/>
-          <p:cNvSpPr/>
-          <p:nvPr/>
-        </p:nvSpPr>
-        <p:spPr>
-          <a:xfrm>
-            <a:off x="2743200" y="3200400"/>
-            <a:ext cx="6858000" cy="0"/>
-          </a:xfrm>
-          <a:prstGeom prst="rect">
-            <a:avLst/>
-          </a:prstGeom>
-          <a:solidFill>
-            <a:srgbClr val="F1F1F1"/>
-          </a:solidFill>
-          <a:ln/>
-        </p:spPr>
-        <p:txBody>
-          <a:bodyPr wrap="square" rtlCol="0" anchor="ctr"/>
-          <a:lstStyle/>
-          <a:p>
-            <a:pPr algn="l"/>
-            <a:r>
-              <a:rPr lang="en-US" sz="1400" dirty="0">
-                <a:solidFill>
-                  <a:srgbClr val="363636"/>
-                </a:solidFill>
-              </a:rPr>
-              <a:t>D．电压表V示数与电流表A示数的乘积</a:t>
+              <a:t>D．m甲＞m乙</a:t>
             </a:r>
             <a:endParaRPr lang="en-US" sz="1400" dirty="0"/>
           </a:p>

--- a/question.pptx
+++ b/question.pptx
@@ -11,9 +11,11 @@
     <p:sldId id="259" r:id="rId5"/>
     <p:sldId id="260" r:id="rId6"/>
     <p:sldId id="261" r:id="rId7"/>
+    <p:sldId id="262" r:id="rId8"/>
+    <p:sldId id="263" r:id="rId9"/>
   </p:sldIdLst>
   <p:notesMasterIdLst>
-    <p:notesMasterId r:id="rId8"/>
+    <p:notesMasterId r:id="rId10"/>
   </p:notesMasterIdLst>
   <p:sldSz cx="9144000" cy="5143500"/>
   <p:notesSz cx="5143500" cy="9144000"/>
@@ -989,6 +991,182 @@
 </p:notes>
 </file>
 
+<file path=ppt/notesSlides/notesSlide7.xml><?xml version="1.0" encoding="utf-8"?>
+<p:notes xmlns:a="http://schemas.openxmlformats.org/drawingml/2006/main" xmlns:r="http://schemas.openxmlformats.org/officeDocument/2006/relationships" xmlns:p="http://schemas.openxmlformats.org/presentationml/2006/main">
+  <p:cSld>
+    <p:spTree>
+      <p:nvGrpSpPr>
+        <p:cNvPr id="1" name=""/>
+        <p:cNvGrpSpPr/>
+        <p:nvPr/>
+      </p:nvGrpSpPr>
+      <p:grpSpPr>
+        <a:xfrm>
+          <a:off x="0" y="0"/>
+          <a:ext cx="0" cy="0"/>
+          <a:chOff x="0" y="0"/>
+          <a:chExt cx="0" cy="0"/>
+        </a:xfrm>
+      </p:grpSpPr>
+      <p:sp>
+        <p:nvSpPr>
+          <p:cNvPr id="2" name="Slide Image Placeholder 1"/>
+          <p:cNvSpPr>
+            <a:spLocks noGrp="1" noRot="1" noChangeAspect="1"/>
+          </p:cNvSpPr>
+          <p:nvPr>
+            <p:ph type="sldImg"/>
+          </p:nvPr>
+        </p:nvSpPr>
+        <p:spPr/>
+      </p:sp>
+      <p:sp>
+        <p:nvSpPr>
+          <p:cNvPr id="3" name="Notes Placeholder 2"/>
+          <p:cNvSpPr>
+            <a:spLocks noGrp="1"/>
+          </p:cNvSpPr>
+          <p:nvPr>
+            <p:ph type="body" idx="1"/>
+          </p:nvPr>
+        </p:nvSpPr>
+        <p:spPr/>
+        <p:txBody>
+          <a:bodyPr/>
+          <a:lstStyle/>
+          <a:p>
+            <a:r>
+              <a:rPr lang="en-US" dirty="0"/>
+              <a:t/>
+            </a:r>
+            <a:endParaRPr lang="en-US" dirty="0"/>
+          </a:p>
+        </p:txBody>
+      </p:sp>
+      <p:sp>
+        <p:nvSpPr>
+          <p:cNvPr id="4" name="Slide Number Placeholder 3"/>
+          <p:cNvSpPr>
+            <a:spLocks noGrp="1"/>
+          </p:cNvSpPr>
+          <p:nvPr>
+            <p:ph type="sldNum" sz="quarter" idx="10"/>
+          </p:nvPr>
+        </p:nvSpPr>
+        <p:spPr/>
+        <p:txBody>
+          <a:bodyPr/>
+          <a:lstStyle/>
+          <a:p>
+            <a:fld id="{F7021451-1387-4CA6-816F-3879F97B5CBC}" type="slidenum">
+              <a:rPr lang="en-US"/>
+              <a:t>7</a:t>
+            </a:fld>
+            <a:endParaRPr lang="en-US"/>
+          </a:p>
+        </p:txBody>
+      </p:sp>
+    </p:spTree>
+    <p:extLst>
+      <p:ext uri="{BB962C8B-B14F-4D97-AF65-F5344CB8AC3E}">
+        <p14:creationId xmlns:p14="http://schemas.microsoft.com/office/powerpoint/2010/main" val="1024086991"/>
+      </p:ext>
+    </p:extLst>
+  </p:cSld>
+  <p:clrMapOvr>
+    <a:masterClrMapping/>
+  </p:clrMapOvr>
+</p:notes>
+</file>
+
+<file path=ppt/notesSlides/notesSlide8.xml><?xml version="1.0" encoding="utf-8"?>
+<p:notes xmlns:a="http://schemas.openxmlformats.org/drawingml/2006/main" xmlns:r="http://schemas.openxmlformats.org/officeDocument/2006/relationships" xmlns:p="http://schemas.openxmlformats.org/presentationml/2006/main">
+  <p:cSld>
+    <p:spTree>
+      <p:nvGrpSpPr>
+        <p:cNvPr id="1" name=""/>
+        <p:cNvGrpSpPr/>
+        <p:nvPr/>
+      </p:nvGrpSpPr>
+      <p:grpSpPr>
+        <a:xfrm>
+          <a:off x="0" y="0"/>
+          <a:ext cx="0" cy="0"/>
+          <a:chOff x="0" y="0"/>
+          <a:chExt cx="0" cy="0"/>
+        </a:xfrm>
+      </p:grpSpPr>
+      <p:sp>
+        <p:nvSpPr>
+          <p:cNvPr id="2" name="Slide Image Placeholder 1"/>
+          <p:cNvSpPr>
+            <a:spLocks noGrp="1" noRot="1" noChangeAspect="1"/>
+          </p:cNvSpPr>
+          <p:nvPr>
+            <p:ph type="sldImg"/>
+          </p:nvPr>
+        </p:nvSpPr>
+        <p:spPr/>
+      </p:sp>
+      <p:sp>
+        <p:nvSpPr>
+          <p:cNvPr id="3" name="Notes Placeholder 2"/>
+          <p:cNvSpPr>
+            <a:spLocks noGrp="1"/>
+          </p:cNvSpPr>
+          <p:nvPr>
+            <p:ph type="body" idx="1"/>
+          </p:nvPr>
+        </p:nvSpPr>
+        <p:spPr/>
+        <p:txBody>
+          <a:bodyPr/>
+          <a:lstStyle/>
+          <a:p>
+            <a:r>
+              <a:rPr lang="en-US" dirty="0"/>
+              <a:t/>
+            </a:r>
+            <a:endParaRPr lang="en-US" dirty="0"/>
+          </a:p>
+        </p:txBody>
+      </p:sp>
+      <p:sp>
+        <p:nvSpPr>
+          <p:cNvPr id="4" name="Slide Number Placeholder 3"/>
+          <p:cNvSpPr>
+            <a:spLocks noGrp="1"/>
+          </p:cNvSpPr>
+          <p:nvPr>
+            <p:ph type="sldNum" sz="quarter" idx="10"/>
+          </p:nvPr>
+        </p:nvSpPr>
+        <p:spPr/>
+        <p:txBody>
+          <a:bodyPr/>
+          <a:lstStyle/>
+          <a:p>
+            <a:fld id="{F7021451-1387-4CA6-816F-3879F97B5CBC}" type="slidenum">
+              <a:rPr lang="en-US"/>
+              <a:t>8</a:t>
+            </a:fld>
+            <a:endParaRPr lang="en-US"/>
+          </a:p>
+        </p:txBody>
+      </p:sp>
+    </p:spTree>
+    <p:extLst>
+      <p:ext uri="{BB962C8B-B14F-4D97-AF65-F5344CB8AC3E}">
+        <p14:creationId xmlns:p14="http://schemas.microsoft.com/office/powerpoint/2010/main" val="1024086991"/>
+      </p:ext>
+    </p:extLst>
+  </p:cSld>
+  <p:clrMapOvr>
+    <a:masterClrMapping/>
+  </p:clrMapOvr>
+</p:notes>
+</file>
+
 <file path=ppt/slideLayouts/slideLayout1.xml><?xml version="1.0" encoding="utf-8"?>
 <p:sldLayout xmlns:a="http://schemas.openxmlformats.org/drawingml/2006/main" xmlns:r="http://schemas.openxmlformats.org/officeDocument/2006/relationships" xmlns:p="http://schemas.openxmlformats.org/presentationml/2006/main" preserve="1">
   <p:cSld name="DEFAULT">
@@ -1343,7 +1521,7 @@
                   <a:srgbClr val="363636"/>
                 </a:solidFill>
               </a:rPr>
-              <a:t>下列粒子中，带负电的是</a:t>
+              <a:t>地球是太阳系中的</a:t>
             </a:r>
             <a:endParaRPr lang="en-US" sz="1800" dirty="0"/>
           </a:p>
@@ -1379,7 +1557,7 @@
                   <a:srgbClr val="363636"/>
                 </a:solidFill>
               </a:rPr>
-              <a:t>A．原子</a:t>
+              <a:t>A．彗星</a:t>
             </a:r>
             <a:endParaRPr lang="en-US" sz="1400" dirty="0"/>
           </a:p>
@@ -1415,7 +1593,7 @@
                   <a:srgbClr val="363636"/>
                 </a:solidFill>
               </a:rPr>
-              <a:t>B．质子</a:t>
+              <a:t>B．行星</a:t>
             </a:r>
             <a:endParaRPr lang="en-US" sz="1400" dirty="0"/>
           </a:p>
@@ -1451,7 +1629,7 @@
                   <a:srgbClr val="363636"/>
                 </a:solidFill>
               </a:rPr>
-              <a:t>C．电子</a:t>
+              <a:t>C．恒星</a:t>
             </a:r>
             <a:endParaRPr lang="en-US" sz="1400" dirty="0"/>
           </a:p>
@@ -1487,7 +1665,7 @@
                   <a:srgbClr val="363636"/>
                 </a:solidFill>
               </a:rPr>
-              <a:t>D．中子</a:t>
+              <a:t>D．卫星</a:t>
             </a:r>
             <a:endParaRPr lang="en-US" sz="1400" dirty="0"/>
           </a:p>
@@ -1548,7 +1726,7 @@
                   <a:srgbClr val="363636"/>
                 </a:solidFill>
               </a:rPr>
-              <a:t>分辨不同人的声音，主要是依据</a:t>
+              <a:t>在各种单色光中，被称为三原色光的是      </a:t>
             </a:r>
             <a:endParaRPr lang="en-US" sz="1800" dirty="0"/>
           </a:p>
@@ -1584,7 +1762,7 @@
                   <a:srgbClr val="363636"/>
                 </a:solidFill>
               </a:rPr>
-              <a:t>A．响度</a:t>
+              <a:t>A．红、绿、蓝</a:t>
             </a:r>
             <a:endParaRPr lang="en-US" sz="1400" dirty="0"/>
           </a:p>
@@ -1620,7 +1798,7 @@
                   <a:srgbClr val="363636"/>
                 </a:solidFill>
               </a:rPr>
-              <a:t>B．音调</a:t>
+              <a:t>B．红、黄、蓝</a:t>
             </a:r>
             <a:endParaRPr lang="en-US" sz="1400" dirty="0"/>
           </a:p>
@@ -1656,7 +1834,7 @@
                   <a:srgbClr val="363636"/>
                 </a:solidFill>
               </a:rPr>
-              <a:t>C．振幅</a:t>
+              <a:t>C．红、黄、绿</a:t>
             </a:r>
             <a:endParaRPr lang="en-US" sz="1400" dirty="0"/>
           </a:p>
@@ -1692,7 +1870,7 @@
                   <a:srgbClr val="363636"/>
                 </a:solidFill>
               </a:rPr>
-              <a:t>D．音色</a:t>
+              <a:t>D．黄、绿、蓝</a:t>
             </a:r>
             <a:endParaRPr lang="en-US" sz="1400" dirty="0"/>
           </a:p>
@@ -1753,7 +1931,7 @@
                   <a:srgbClr val="363636"/>
                 </a:solidFill>
               </a:rPr>
-              <a:t>四冲程内燃机在工作过程中，将机械能转化为内能的冲程是</a:t>
+              <a:t>吹奏竖笛时，用手指按压不同笛孔的目的是为了改变笛声的      </a:t>
             </a:r>
             <a:endParaRPr lang="en-US" sz="1800" dirty="0"/>
           </a:p>
@@ -1789,7 +1967,7 @@
                   <a:srgbClr val="363636"/>
                 </a:solidFill>
               </a:rPr>
-              <a:t>A．吸气冲程</a:t>
+              <a:t>A．响度</a:t>
             </a:r>
             <a:endParaRPr lang="en-US" sz="1400" dirty="0"/>
           </a:p>
@@ -1825,7 +2003,7 @@
                   <a:srgbClr val="363636"/>
                 </a:solidFill>
               </a:rPr>
-              <a:t>B．压缩冲程</a:t>
+              <a:t>B．音调</a:t>
             </a:r>
             <a:endParaRPr lang="en-US" sz="1400" dirty="0"/>
           </a:p>
@@ -1861,7 +2039,7 @@
                   <a:srgbClr val="363636"/>
                 </a:solidFill>
               </a:rPr>
-              <a:t>C．做功冲程</a:t>
+              <a:t>C．音色</a:t>
             </a:r>
             <a:endParaRPr lang="en-US" sz="1400" dirty="0"/>
           </a:p>
@@ -1897,7 +2075,7 @@
                   <a:srgbClr val="363636"/>
                 </a:solidFill>
               </a:rPr>
-              <a:t>D．排气冲程</a:t>
+              <a:t>D．振幅</a:t>
             </a:r>
             <a:endParaRPr lang="en-US" sz="1400" dirty="0"/>
           </a:p>
@@ -1958,7 +2136,7 @@
                   <a:srgbClr val="363636"/>
                 </a:solidFill>
               </a:rPr>
-              <a:t>地铁启动离站的加速过程中，其惯性</a:t>
+              <a:t>四冲程热机工作时，将内能转化为机械能的是</a:t>
             </a:r>
             <a:endParaRPr lang="en-US" sz="1800" dirty="0"/>
           </a:p>
@@ -1994,7 +2172,7 @@
                   <a:srgbClr val="363636"/>
                 </a:solidFill>
               </a:rPr>
-              <a:t>A．先变大后不变</a:t>
+              <a:t>A. 吸气冲程</a:t>
             </a:r>
             <a:endParaRPr lang="en-US" sz="1400" dirty="0"/>
           </a:p>
@@ -2030,7 +2208,7 @@
                   <a:srgbClr val="363636"/>
                 </a:solidFill>
               </a:rPr>
-              <a:t>B．先不变后变大</a:t>
+              <a:t>B. 压缩冲程</a:t>
             </a:r>
             <a:endParaRPr lang="en-US" sz="1400" dirty="0"/>
           </a:p>
@@ -2066,7 +2244,7 @@
                   <a:srgbClr val="363636"/>
                 </a:solidFill>
               </a:rPr>
-              <a:t>C．一直变大</a:t>
+              <a:t>C. 做功冲程</a:t>
             </a:r>
             <a:endParaRPr lang="en-US" sz="1400" dirty="0"/>
           </a:p>
@@ -2102,7 +2280,7 @@
                   <a:srgbClr val="363636"/>
                 </a:solidFill>
               </a:rPr>
-              <a:t>D．一直不变</a:t>
+              <a:t>D. 排气冲程</a:t>
             </a:r>
             <a:endParaRPr lang="en-US" sz="1400" dirty="0"/>
           </a:p>
@@ -2163,45 +2341,21 @@
                   <a:srgbClr val="363636"/>
                 </a:solidFill>
               </a:rPr>
-              <a:t>在图1所示的电路中，滑动变阻器滑片P位于中点附近。用电阻R3替换R1（R3＞R1）后，在确保电路安全的前提下，可能使电流表A与A1示数的比值与替换R1前相同的方法是</a:t>
+              <a:t>下列物体中所受重力约为0.5牛的是</a:t>
             </a:r>
             <a:endParaRPr lang="en-US" sz="1800" dirty="0"/>
           </a:p>
         </p:txBody>
       </p:sp>
-      <p:pic>
-        <p:nvPicPr>
-          <p:cNvPr id="3" name="Image 0" descr="preencoded.png">    </p:cNvPr>
-          <p:cNvPicPr>
-            <a:picLocks noChangeAspect="1"/>
-          </p:cNvPicPr>
-          <p:nvPr/>
-        </p:nvPicPr>
-        <p:blipFill>
-          <a:blip r:embed="rId1"/>
-          <a:stretch>
-            <a:fillRect/>
-          </a:stretch>
-        </p:blipFill>
+      <p:sp>
+        <p:nvSpPr>
+          <p:cNvPr id="3" name="Text 1"/>
+          <p:cNvSpPr/>
+          <p:nvPr/>
+        </p:nvSpPr>
         <p:spPr>
           <a:xfrm>
             <a:off x="914400" y="1828800"/>
-            <a:ext cx="1828800" cy="1045572"/>
-          </a:xfrm>
-          <a:prstGeom prst="rect">
-            <a:avLst/>
-          </a:prstGeom>
-        </p:spPr>
-      </p:pic>
-      <p:sp>
-        <p:nvSpPr>
-          <p:cNvPr id="4" name="Text 1"/>
-          <p:cNvSpPr/>
-          <p:nvPr/>
-        </p:nvSpPr>
-        <p:spPr>
-          <a:xfrm>
-            <a:off x="2743200" y="1828800"/>
             <a:ext cx="6858000" cy="0"/>
           </a:xfrm>
           <a:prstGeom prst="rect">
@@ -2223,7 +2377,7 @@
                   <a:srgbClr val="363636"/>
                 </a:solidFill>
               </a:rPr>
-              <a:t>A．增大电源电压，不移动滑片P</a:t>
+              <a:t>A．一瓶矿泉水</a:t>
             </a:r>
             <a:endParaRPr lang="en-US" sz="1400" dirty="0"/>
           </a:p>
@@ -2231,13 +2385,13 @@
       </p:sp>
       <p:sp>
         <p:nvSpPr>
-          <p:cNvPr id="5" name="Text 2"/>
-          <p:cNvSpPr/>
-          <p:nvPr/>
-        </p:nvSpPr>
-        <p:spPr>
-          <a:xfrm>
-            <a:off x="2743200" y="2286000"/>
+          <p:cNvPr id="4" name="Text 2"/>
+          <p:cNvSpPr/>
+          <p:nvPr/>
+        </p:nvSpPr>
+        <p:spPr>
+          <a:xfrm>
+            <a:off x="914400" y="2286000"/>
             <a:ext cx="6858000" cy="0"/>
           </a:xfrm>
           <a:prstGeom prst="rect">
@@ -2259,7 +2413,7 @@
                   <a:srgbClr val="363636"/>
                 </a:solidFill>
               </a:rPr>
-              <a:t>B．减小电源电压，不移动滑片P</a:t>
+              <a:t>B．一只鸡蛋</a:t>
             </a:r>
             <a:endParaRPr lang="en-US" sz="1400" dirty="0"/>
           </a:p>
@@ -2267,13 +2421,13 @@
       </p:sp>
       <p:sp>
         <p:nvSpPr>
-          <p:cNvPr id="6" name="Text 3"/>
-          <p:cNvSpPr/>
-          <p:nvPr/>
-        </p:nvSpPr>
-        <p:spPr>
-          <a:xfrm>
-            <a:off x="2743200" y="2743200"/>
+          <p:cNvPr id="5" name="Text 3"/>
+          <p:cNvSpPr/>
+          <p:nvPr/>
+        </p:nvSpPr>
+        <p:spPr>
+          <a:xfrm>
+            <a:off x="914400" y="2743200"/>
             <a:ext cx="6858000" cy="0"/>
           </a:xfrm>
           <a:prstGeom prst="rect">
@@ -2295,7 +2449,7 @@
                   <a:srgbClr val="363636"/>
                 </a:solidFill>
               </a:rPr>
-              <a:t>C．电源电压不变，滑片P向右移</a:t>
+              <a:t>C．一枚一元硬币</a:t>
             </a:r>
             <a:endParaRPr lang="en-US" sz="1400" dirty="0"/>
           </a:p>
@@ -2303,13 +2457,13 @@
       </p:sp>
       <p:sp>
         <p:nvSpPr>
-          <p:cNvPr id="7" name="Text 4"/>
-          <p:cNvSpPr/>
-          <p:nvPr/>
-        </p:nvSpPr>
-        <p:spPr>
-          <a:xfrm>
-            <a:off x="2743200" y="3200400"/>
+          <p:cNvPr id="6" name="Text 4"/>
+          <p:cNvSpPr/>
+          <p:nvPr/>
+        </p:nvSpPr>
+        <p:spPr>
+          <a:xfrm>
+            <a:off x="914400" y="3200400"/>
             <a:ext cx="6858000" cy="0"/>
           </a:xfrm>
           <a:prstGeom prst="rect">
@@ -2331,7 +2485,7 @@
                   <a:srgbClr val="363636"/>
                 </a:solidFill>
               </a:rPr>
-              <a:t>D．电源电压不变，滑片P向左移</a:t>
+              <a:t>D．一枚针</a:t>
             </a:r>
             <a:endParaRPr lang="en-US" sz="1400" dirty="0"/>
           </a:p>
@@ -2392,7 +2546,212 @@
                   <a:srgbClr val="363636"/>
                 </a:solidFill>
               </a:rPr>
-              <a:t>如图2所示，实心均匀正方体甲、乙置于水平地面上，它们的质量为m甲、m乙，对水平地面的压强为p甲、p乙。现沿水平方向在上部分别截去相同高度的部分，则下列关系中一定能使水平面所受压力变化量∆F甲＜∆F乙的是</a:t>
+              <a:t>汽车发动机用水作冷却液是因为</a:t>
+            </a:r>
+            <a:endParaRPr lang="en-US" sz="1800" dirty="0"/>
+          </a:p>
+        </p:txBody>
+      </p:sp>
+      <p:sp>
+        <p:nvSpPr>
+          <p:cNvPr id="3" name="Text 1"/>
+          <p:cNvSpPr/>
+          <p:nvPr/>
+        </p:nvSpPr>
+        <p:spPr>
+          <a:xfrm>
+            <a:off x="914400" y="1828800"/>
+            <a:ext cx="6858000" cy="0"/>
+          </a:xfrm>
+          <a:prstGeom prst="rect">
+            <a:avLst/>
+          </a:prstGeom>
+          <a:solidFill>
+            <a:srgbClr val="F1F1F1"/>
+          </a:solidFill>
+          <a:ln/>
+        </p:spPr>
+        <p:txBody>
+          <a:bodyPr wrap="square" rtlCol="0" anchor="ctr"/>
+          <a:lstStyle/>
+          <a:p>
+            <a:pPr algn="l"/>
+            <a:r>
+              <a:rPr lang="en-US" sz="1400" dirty="0">
+                <a:solidFill>
+                  <a:srgbClr val="363636"/>
+                </a:solidFill>
+              </a:rPr>
+              <a:t>A．水没有腐蚀作用</a:t>
+            </a:r>
+            <a:endParaRPr lang="en-US" sz="1400" dirty="0"/>
+          </a:p>
+        </p:txBody>
+      </p:sp>
+      <p:sp>
+        <p:nvSpPr>
+          <p:cNvPr id="4" name="Text 2"/>
+          <p:cNvSpPr/>
+          <p:nvPr/>
+        </p:nvSpPr>
+        <p:spPr>
+          <a:xfrm>
+            <a:off x="914400" y="2286000"/>
+            <a:ext cx="6858000" cy="0"/>
+          </a:xfrm>
+          <a:prstGeom prst="rect">
+            <a:avLst/>
+          </a:prstGeom>
+          <a:solidFill>
+            <a:srgbClr val="F1F1F1"/>
+          </a:solidFill>
+          <a:ln/>
+        </p:spPr>
+        <p:txBody>
+          <a:bodyPr wrap="square" rtlCol="0" anchor="ctr"/>
+          <a:lstStyle/>
+          <a:p>
+            <a:pPr algn="l"/>
+            <a:r>
+              <a:rPr lang="en-US" sz="1400" dirty="0">
+                <a:solidFill>
+                  <a:srgbClr val="363636"/>
+                </a:solidFill>
+              </a:rPr>
+              <a:t>B．水的密度大</a:t>
+            </a:r>
+            <a:endParaRPr lang="en-US" sz="1400" dirty="0"/>
+          </a:p>
+        </p:txBody>
+      </p:sp>
+      <p:sp>
+        <p:nvSpPr>
+          <p:cNvPr id="5" name="Text 3"/>
+          <p:cNvSpPr/>
+          <p:nvPr/>
+        </p:nvSpPr>
+        <p:spPr>
+          <a:xfrm>
+            <a:off x="914400" y="2743200"/>
+            <a:ext cx="6858000" cy="0"/>
+          </a:xfrm>
+          <a:prstGeom prst="rect">
+            <a:avLst/>
+          </a:prstGeom>
+          <a:solidFill>
+            <a:srgbClr val="F1F1F1"/>
+          </a:solidFill>
+          <a:ln/>
+        </p:spPr>
+        <p:txBody>
+          <a:bodyPr wrap="square" rtlCol="0" anchor="ctr"/>
+          <a:lstStyle/>
+          <a:p>
+            <a:pPr algn="l"/>
+            <a:r>
+              <a:rPr lang="en-US" sz="1400" dirty="0">
+                <a:solidFill>
+                  <a:srgbClr val="363636"/>
+                </a:solidFill>
+              </a:rPr>
+              <a:t>C．取水方便</a:t>
+            </a:r>
+            <a:endParaRPr lang="en-US" sz="1400" dirty="0"/>
+          </a:p>
+        </p:txBody>
+      </p:sp>
+      <p:sp>
+        <p:nvSpPr>
+          <p:cNvPr id="6" name="Text 4"/>
+          <p:cNvSpPr/>
+          <p:nvPr/>
+        </p:nvSpPr>
+        <p:spPr>
+          <a:xfrm>
+            <a:off x="914400" y="3200400"/>
+            <a:ext cx="6858000" cy="0"/>
+          </a:xfrm>
+          <a:prstGeom prst="rect">
+            <a:avLst/>
+          </a:prstGeom>
+          <a:solidFill>
+            <a:srgbClr val="F1F1F1"/>
+          </a:solidFill>
+          <a:ln/>
+        </p:spPr>
+        <p:txBody>
+          <a:bodyPr wrap="square" rtlCol="0" anchor="ctr"/>
+          <a:lstStyle/>
+          <a:p>
+            <a:pPr algn="l"/>
+            <a:r>
+              <a:rPr lang="en-US" sz="1400" dirty="0">
+                <a:solidFill>
+                  <a:srgbClr val="363636"/>
+                </a:solidFill>
+              </a:rPr>
+              <a:t>D．水的比热容大</a:t>
+            </a:r>
+            <a:endParaRPr lang="en-US" sz="1400" dirty="0"/>
+          </a:p>
+        </p:txBody>
+      </p:sp>
+    </p:spTree>
+  </p:cSld>
+  <p:clrMapOvr>
+    <a:masterClrMapping/>
+  </p:clrMapOvr>
+</p:sld>
+</file>
+
+<file path=ppt/slides/slide7.xml><?xml version="1.0" encoding="utf-8"?>
+<p:sld xmlns:a="http://schemas.openxmlformats.org/drawingml/2006/main" xmlns:r="http://schemas.openxmlformats.org/officeDocument/2006/relationships" xmlns:p="http://schemas.openxmlformats.org/presentationml/2006/main">
+  <p:cSld name="Slide 7">
+    <p:spTree>
+      <p:nvGrpSpPr>
+        <p:cNvPr id="1" name=""/>
+        <p:cNvGrpSpPr/>
+        <p:nvPr/>
+      </p:nvGrpSpPr>
+      <p:grpSpPr>
+        <a:xfrm>
+          <a:off x="0" y="0"/>
+          <a:ext cx="0" cy="0"/>
+          <a:chOff x="0" y="0"/>
+          <a:chExt cx="0" cy="0"/>
+        </a:xfrm>
+      </p:grpSpPr>
+      <p:sp>
+        <p:nvSpPr>
+          <p:cNvPr id="2" name="Text 0"/>
+          <p:cNvSpPr/>
+          <p:nvPr/>
+        </p:nvSpPr>
+        <p:spPr>
+          <a:xfrm>
+            <a:off x="914400" y="914400"/>
+            <a:ext cx="6858000" cy="0"/>
+          </a:xfrm>
+          <a:prstGeom prst="rect">
+            <a:avLst/>
+          </a:prstGeom>
+          <a:solidFill>
+            <a:srgbClr val="F1F1F1"/>
+          </a:solidFill>
+          <a:ln/>
+        </p:spPr>
+        <p:txBody>
+          <a:bodyPr wrap="square" rtlCol="0" anchor="ctr"/>
+          <a:lstStyle/>
+          <a:p>
+            <a:pPr algn="l"/>
+            <a:r>
+              <a:rPr lang="en-US" sz="1800" dirty="0">
+                <a:solidFill>
+                  <a:srgbClr val="363636"/>
+                </a:solidFill>
+              </a:rPr>
+              <a:t>甲、乙两物体同时同地沿同一直线出发做匀速直线运动，甲运动3秒时通过的路程为3米。此时甲、乙间的距离为6米。则在图1所示的s-t图像中</a:t>
             </a:r>
             <a:endParaRPr lang="en-US" sz="1800" dirty="0"/>
           </a:p>
@@ -2415,7 +2774,7 @@
         <p:spPr>
           <a:xfrm>
             <a:off x="914400" y="1828800"/>
-            <a:ext cx="1828800" cy="800847"/>
+            <a:ext cx="1828800" cy="1683026"/>
           </a:xfrm>
           <a:prstGeom prst="rect">
             <a:avLst/>
@@ -2452,7 +2811,7 @@
                   <a:srgbClr val="363636"/>
                 </a:solidFill>
               </a:rPr>
-              <a:t>A．p甲＝p乙</a:t>
+              <a:t>A．甲的s-t图可能为图线c</a:t>
             </a:r>
             <a:endParaRPr lang="en-US" sz="1400" dirty="0"/>
           </a:p>
@@ -2488,7 +2847,7 @@
                   <a:srgbClr val="363636"/>
                 </a:solidFill>
               </a:rPr>
-              <a:t>B．p甲＞p乙</a:t>
+              <a:t>B．甲的s-t图可能为图线b</a:t>
             </a:r>
             <a:endParaRPr lang="en-US" sz="1400" dirty="0"/>
           </a:p>
@@ -2524,7 +2883,7 @@
                   <a:srgbClr val="363636"/>
                 </a:solidFill>
               </a:rPr>
-              <a:t>C．m甲＝m乙</a:t>
+              <a:t>C．乙的s-t图一定为图线a</a:t>
             </a:r>
             <a:endParaRPr lang="en-US" sz="1400" dirty="0"/>
           </a:p>
@@ -2560,7 +2919,236 @@
                   <a:srgbClr val="363636"/>
                 </a:solidFill>
               </a:rPr>
-              <a:t>D．m甲＞m乙</a:t>
+              <a:t>D．乙的s-t图可能为图线b</a:t>
+            </a:r>
+            <a:endParaRPr lang="en-US" sz="1400" dirty="0"/>
+          </a:p>
+        </p:txBody>
+      </p:sp>
+    </p:spTree>
+  </p:cSld>
+  <p:clrMapOvr>
+    <a:masterClrMapping/>
+  </p:clrMapOvr>
+</p:sld>
+</file>
+
+<file path=ppt/slides/slide8.xml><?xml version="1.0" encoding="utf-8"?>
+<p:sld xmlns:a="http://schemas.openxmlformats.org/drawingml/2006/main" xmlns:r="http://schemas.openxmlformats.org/officeDocument/2006/relationships" xmlns:p="http://schemas.openxmlformats.org/presentationml/2006/main">
+  <p:cSld name="Slide 8">
+    <p:spTree>
+      <p:nvGrpSpPr>
+        <p:cNvPr id="1" name=""/>
+        <p:cNvGrpSpPr/>
+        <p:nvPr/>
+      </p:nvGrpSpPr>
+      <p:grpSpPr>
+        <a:xfrm>
+          <a:off x="0" y="0"/>
+          <a:ext cx="0" cy="0"/>
+          <a:chOff x="0" y="0"/>
+          <a:chExt cx="0" cy="0"/>
+        </a:xfrm>
+      </p:grpSpPr>
+      <p:sp>
+        <p:nvSpPr>
+          <p:cNvPr id="2" name="Text 0"/>
+          <p:cNvSpPr/>
+          <p:nvPr/>
+        </p:nvSpPr>
+        <p:spPr>
+          <a:xfrm>
+            <a:off x="914400" y="914400"/>
+            <a:ext cx="6858000" cy="0"/>
+          </a:xfrm>
+          <a:prstGeom prst="rect">
+            <a:avLst/>
+          </a:prstGeom>
+          <a:solidFill>
+            <a:srgbClr val="F1F1F1"/>
+          </a:solidFill>
+          <a:ln/>
+        </p:spPr>
+        <p:txBody>
+          <a:bodyPr wrap="square" rtlCol="0" anchor="ctr"/>
+          <a:lstStyle/>
+          <a:p>
+            <a:pPr algn="l"/>
+            <a:r>
+              <a:rPr lang="en-US" sz="1800" dirty="0">
+                <a:solidFill>
+                  <a:srgbClr val="363636"/>
+                </a:solidFill>
+              </a:rPr>
+              <a:t>在图2所示的电路中，电源电压保持不变。当电键S由断开到闭合时，变小的是</a:t>
+            </a:r>
+            <a:endParaRPr lang="en-US" sz="1800" dirty="0"/>
+          </a:p>
+        </p:txBody>
+      </p:sp>
+      <p:pic>
+        <p:nvPicPr>
+          <p:cNvPr id="3" name="Image 0" descr="preencoded.png">    </p:cNvPr>
+          <p:cNvPicPr>
+            <a:picLocks noChangeAspect="1"/>
+          </p:cNvPicPr>
+          <p:nvPr/>
+        </p:nvPicPr>
+        <p:blipFill>
+          <a:blip r:embed="rId1"/>
+          <a:stretch>
+            <a:fillRect/>
+          </a:stretch>
+        </p:blipFill>
+        <p:spPr>
+          <a:xfrm>
+            <a:off x="914400" y="1828800"/>
+            <a:ext cx="1828800" cy="1767328"/>
+          </a:xfrm>
+          <a:prstGeom prst="rect">
+            <a:avLst/>
+          </a:prstGeom>
+        </p:spPr>
+      </p:pic>
+      <p:sp>
+        <p:nvSpPr>
+          <p:cNvPr id="4" name="Text 1"/>
+          <p:cNvSpPr/>
+          <p:nvPr/>
+        </p:nvSpPr>
+        <p:spPr>
+          <a:xfrm>
+            <a:off x="2743200" y="1828800"/>
+            <a:ext cx="6858000" cy="0"/>
+          </a:xfrm>
+          <a:prstGeom prst="rect">
+            <a:avLst/>
+          </a:prstGeom>
+          <a:solidFill>
+            <a:srgbClr val="F1F1F1"/>
+          </a:solidFill>
+          <a:ln/>
+        </p:spPr>
+        <p:txBody>
+          <a:bodyPr wrap="square" rtlCol="0" anchor="ctr"/>
+          <a:lstStyle/>
+          <a:p>
+            <a:pPr algn="l"/>
+            <a:r>
+              <a:rPr lang="en-US" sz="1400" dirty="0">
+                <a:solidFill>
+                  <a:srgbClr val="363636"/>
+                </a:solidFill>
+              </a:rPr>
+              <a:t>A．电压表V的示数</a:t>
+            </a:r>
+            <a:endParaRPr lang="en-US" sz="1400" dirty="0"/>
+          </a:p>
+        </p:txBody>
+      </p:sp>
+      <p:sp>
+        <p:nvSpPr>
+          <p:cNvPr id="5" name="Text 2"/>
+          <p:cNvSpPr/>
+          <p:nvPr/>
+        </p:nvSpPr>
+        <p:spPr>
+          <a:xfrm>
+            <a:off x="2743200" y="2286000"/>
+            <a:ext cx="6858000" cy="0"/>
+          </a:xfrm>
+          <a:prstGeom prst="rect">
+            <a:avLst/>
+          </a:prstGeom>
+          <a:solidFill>
+            <a:srgbClr val="F1F1F1"/>
+          </a:solidFill>
+          <a:ln/>
+        </p:spPr>
+        <p:txBody>
+          <a:bodyPr wrap="square" rtlCol="0" anchor="ctr"/>
+          <a:lstStyle/>
+          <a:p>
+            <a:pPr algn="l"/>
+            <a:r>
+              <a:rPr lang="en-US" sz="1400" dirty="0">
+                <a:solidFill>
+                  <a:srgbClr val="363636"/>
+                </a:solidFill>
+              </a:rPr>
+              <a:t>B．电流表A1的示数</a:t>
+            </a:r>
+            <a:endParaRPr lang="en-US" sz="1400" dirty="0"/>
+          </a:p>
+        </p:txBody>
+      </p:sp>
+      <p:sp>
+        <p:nvSpPr>
+          <p:cNvPr id="6" name="Text 3"/>
+          <p:cNvSpPr/>
+          <p:nvPr/>
+        </p:nvSpPr>
+        <p:spPr>
+          <a:xfrm>
+            <a:off x="2743200" y="2743200"/>
+            <a:ext cx="6858000" cy="0"/>
+          </a:xfrm>
+          <a:prstGeom prst="rect">
+            <a:avLst/>
+          </a:prstGeom>
+          <a:solidFill>
+            <a:srgbClr val="F1F1F1"/>
+          </a:solidFill>
+          <a:ln/>
+        </p:spPr>
+        <p:txBody>
+          <a:bodyPr wrap="square" rtlCol="0" anchor="ctr"/>
+          <a:lstStyle/>
+          <a:p>
+            <a:pPr algn="l"/>
+            <a:r>
+              <a:rPr lang="en-US" sz="1400" dirty="0">
+                <a:solidFill>
+                  <a:srgbClr val="363636"/>
+                </a:solidFill>
+              </a:rPr>
+              <a:t>C．电压表V示数与电流表A示数的比值</a:t>
+            </a:r>
+            <a:endParaRPr lang="en-US" sz="1400" dirty="0"/>
+          </a:p>
+        </p:txBody>
+      </p:sp>
+      <p:sp>
+        <p:nvSpPr>
+          <p:cNvPr id="7" name="Text 4"/>
+          <p:cNvSpPr/>
+          <p:nvPr/>
+        </p:nvSpPr>
+        <p:spPr>
+          <a:xfrm>
+            <a:off x="2743200" y="3200400"/>
+            <a:ext cx="6858000" cy="0"/>
+          </a:xfrm>
+          <a:prstGeom prst="rect">
+            <a:avLst/>
+          </a:prstGeom>
+          <a:solidFill>
+            <a:srgbClr val="F1F1F1"/>
+          </a:solidFill>
+          <a:ln/>
+        </p:spPr>
+        <p:txBody>
+          <a:bodyPr wrap="square" rtlCol="0" anchor="ctr"/>
+          <a:lstStyle/>
+          <a:p>
+            <a:pPr algn="l"/>
+            <a:r>
+              <a:rPr lang="en-US" sz="1400" dirty="0">
+                <a:solidFill>
+                  <a:srgbClr val="363636"/>
+                </a:solidFill>
+              </a:rPr>
+              <a:t>D．电压表V示数与电流表A示数的乘积</a:t>
             </a:r>
             <a:endParaRPr lang="en-US" sz="1400" dirty="0"/>
           </a:p>

--- a/question.pptx
+++ b/question.pptx
@@ -4,9 +4,16 @@
   <p:sldMasterIdLst>
     <p:sldMasterId id="2147483648" r:id="rId1"/>
   </p:sldMasterIdLst>
-  <p:sldIdLst/>
+  <p:sldIdLst>
+    <p:sldId id="256" r:id="rId2"/>
+    <p:sldId id="257" r:id="rId3"/>
+    <p:sldId id="258" r:id="rId4"/>
+    <p:sldId id="259" r:id="rId5"/>
+    <p:sldId id="260" r:id="rId6"/>
+    <p:sldId id="261" r:id="rId7"/>
+  </p:sldIdLst>
   <p:notesMasterIdLst>
-    <p:notesMasterId r:id="rId2"/>
+    <p:notesMasterId r:id="rId8"/>
   </p:notesMasterIdLst>
   <p:sldSz cx="9144000" cy="5143500"/>
   <p:notesSz cx="5143500" cy="9144000"/>
@@ -454,6 +461,534 @@
 </p:notesMaster>
 </file>
 
+<file path=ppt/notesSlides/notesSlide1.xml><?xml version="1.0" encoding="utf-8"?>
+<p:notes xmlns:a="http://schemas.openxmlformats.org/drawingml/2006/main" xmlns:r="http://schemas.openxmlformats.org/officeDocument/2006/relationships" xmlns:p="http://schemas.openxmlformats.org/presentationml/2006/main">
+  <p:cSld>
+    <p:spTree>
+      <p:nvGrpSpPr>
+        <p:cNvPr id="1" name=""/>
+        <p:cNvGrpSpPr/>
+        <p:nvPr/>
+      </p:nvGrpSpPr>
+      <p:grpSpPr>
+        <a:xfrm>
+          <a:off x="0" y="0"/>
+          <a:ext cx="0" cy="0"/>
+          <a:chOff x="0" y="0"/>
+          <a:chExt cx="0" cy="0"/>
+        </a:xfrm>
+      </p:grpSpPr>
+      <p:sp>
+        <p:nvSpPr>
+          <p:cNvPr id="2" name="Slide Image Placeholder 1"/>
+          <p:cNvSpPr>
+            <a:spLocks noGrp="1" noRot="1" noChangeAspect="1"/>
+          </p:cNvSpPr>
+          <p:nvPr>
+            <p:ph type="sldImg"/>
+          </p:nvPr>
+        </p:nvSpPr>
+        <p:spPr/>
+      </p:sp>
+      <p:sp>
+        <p:nvSpPr>
+          <p:cNvPr id="3" name="Notes Placeholder 2"/>
+          <p:cNvSpPr>
+            <a:spLocks noGrp="1"/>
+          </p:cNvSpPr>
+          <p:nvPr>
+            <p:ph type="body" idx="1"/>
+          </p:nvPr>
+        </p:nvSpPr>
+        <p:spPr/>
+        <p:txBody>
+          <a:bodyPr/>
+          <a:lstStyle/>
+          <a:p>
+            <a:r>
+              <a:rPr lang="en-US" dirty="0"/>
+              <a:t/>
+            </a:r>
+            <a:endParaRPr lang="en-US" dirty="0"/>
+          </a:p>
+        </p:txBody>
+      </p:sp>
+      <p:sp>
+        <p:nvSpPr>
+          <p:cNvPr id="4" name="Slide Number Placeholder 3"/>
+          <p:cNvSpPr>
+            <a:spLocks noGrp="1"/>
+          </p:cNvSpPr>
+          <p:nvPr>
+            <p:ph type="sldNum" sz="quarter" idx="10"/>
+          </p:nvPr>
+        </p:nvSpPr>
+        <p:spPr/>
+        <p:txBody>
+          <a:bodyPr/>
+          <a:lstStyle/>
+          <a:p>
+            <a:fld id="{F7021451-1387-4CA6-816F-3879F97B5CBC}" type="slidenum">
+              <a:rPr lang="en-US"/>
+              <a:t>1</a:t>
+            </a:fld>
+            <a:endParaRPr lang="en-US"/>
+          </a:p>
+        </p:txBody>
+      </p:sp>
+    </p:spTree>
+    <p:extLst>
+      <p:ext uri="{BB962C8B-B14F-4D97-AF65-F5344CB8AC3E}">
+        <p14:creationId xmlns:p14="http://schemas.microsoft.com/office/powerpoint/2010/main" val="1024086991"/>
+      </p:ext>
+    </p:extLst>
+  </p:cSld>
+  <p:clrMapOvr>
+    <a:masterClrMapping/>
+  </p:clrMapOvr>
+</p:notes>
+</file>
+
+<file path=ppt/notesSlides/notesSlide2.xml><?xml version="1.0" encoding="utf-8"?>
+<p:notes xmlns:a="http://schemas.openxmlformats.org/drawingml/2006/main" xmlns:r="http://schemas.openxmlformats.org/officeDocument/2006/relationships" xmlns:p="http://schemas.openxmlformats.org/presentationml/2006/main">
+  <p:cSld>
+    <p:spTree>
+      <p:nvGrpSpPr>
+        <p:cNvPr id="1" name=""/>
+        <p:cNvGrpSpPr/>
+        <p:nvPr/>
+      </p:nvGrpSpPr>
+      <p:grpSpPr>
+        <a:xfrm>
+          <a:off x="0" y="0"/>
+          <a:ext cx="0" cy="0"/>
+          <a:chOff x="0" y="0"/>
+          <a:chExt cx="0" cy="0"/>
+        </a:xfrm>
+      </p:grpSpPr>
+      <p:sp>
+        <p:nvSpPr>
+          <p:cNvPr id="2" name="Slide Image Placeholder 1"/>
+          <p:cNvSpPr>
+            <a:spLocks noGrp="1" noRot="1" noChangeAspect="1"/>
+          </p:cNvSpPr>
+          <p:nvPr>
+            <p:ph type="sldImg"/>
+          </p:nvPr>
+        </p:nvSpPr>
+        <p:spPr/>
+      </p:sp>
+      <p:sp>
+        <p:nvSpPr>
+          <p:cNvPr id="3" name="Notes Placeholder 2"/>
+          <p:cNvSpPr>
+            <a:spLocks noGrp="1"/>
+          </p:cNvSpPr>
+          <p:nvPr>
+            <p:ph type="body" idx="1"/>
+          </p:nvPr>
+        </p:nvSpPr>
+        <p:spPr/>
+        <p:txBody>
+          <a:bodyPr/>
+          <a:lstStyle/>
+          <a:p>
+            <a:r>
+              <a:rPr lang="en-US" dirty="0"/>
+              <a:t/>
+            </a:r>
+            <a:endParaRPr lang="en-US" dirty="0"/>
+          </a:p>
+        </p:txBody>
+      </p:sp>
+      <p:sp>
+        <p:nvSpPr>
+          <p:cNvPr id="4" name="Slide Number Placeholder 3"/>
+          <p:cNvSpPr>
+            <a:spLocks noGrp="1"/>
+          </p:cNvSpPr>
+          <p:nvPr>
+            <p:ph type="sldNum" sz="quarter" idx="10"/>
+          </p:nvPr>
+        </p:nvSpPr>
+        <p:spPr/>
+        <p:txBody>
+          <a:bodyPr/>
+          <a:lstStyle/>
+          <a:p>
+            <a:fld id="{F7021451-1387-4CA6-816F-3879F97B5CBC}" type="slidenum">
+              <a:rPr lang="en-US"/>
+              <a:t>2</a:t>
+            </a:fld>
+            <a:endParaRPr lang="en-US"/>
+          </a:p>
+        </p:txBody>
+      </p:sp>
+    </p:spTree>
+    <p:extLst>
+      <p:ext uri="{BB962C8B-B14F-4D97-AF65-F5344CB8AC3E}">
+        <p14:creationId xmlns:p14="http://schemas.microsoft.com/office/powerpoint/2010/main" val="1024086991"/>
+      </p:ext>
+    </p:extLst>
+  </p:cSld>
+  <p:clrMapOvr>
+    <a:masterClrMapping/>
+  </p:clrMapOvr>
+</p:notes>
+</file>
+
+<file path=ppt/notesSlides/notesSlide3.xml><?xml version="1.0" encoding="utf-8"?>
+<p:notes xmlns:a="http://schemas.openxmlformats.org/drawingml/2006/main" xmlns:r="http://schemas.openxmlformats.org/officeDocument/2006/relationships" xmlns:p="http://schemas.openxmlformats.org/presentationml/2006/main">
+  <p:cSld>
+    <p:spTree>
+      <p:nvGrpSpPr>
+        <p:cNvPr id="1" name=""/>
+        <p:cNvGrpSpPr/>
+        <p:nvPr/>
+      </p:nvGrpSpPr>
+      <p:grpSpPr>
+        <a:xfrm>
+          <a:off x="0" y="0"/>
+          <a:ext cx="0" cy="0"/>
+          <a:chOff x="0" y="0"/>
+          <a:chExt cx="0" cy="0"/>
+        </a:xfrm>
+      </p:grpSpPr>
+      <p:sp>
+        <p:nvSpPr>
+          <p:cNvPr id="2" name="Slide Image Placeholder 1"/>
+          <p:cNvSpPr>
+            <a:spLocks noGrp="1" noRot="1" noChangeAspect="1"/>
+          </p:cNvSpPr>
+          <p:nvPr>
+            <p:ph type="sldImg"/>
+          </p:nvPr>
+        </p:nvSpPr>
+        <p:spPr/>
+      </p:sp>
+      <p:sp>
+        <p:nvSpPr>
+          <p:cNvPr id="3" name="Notes Placeholder 2"/>
+          <p:cNvSpPr>
+            <a:spLocks noGrp="1"/>
+          </p:cNvSpPr>
+          <p:nvPr>
+            <p:ph type="body" idx="1"/>
+          </p:nvPr>
+        </p:nvSpPr>
+        <p:spPr/>
+        <p:txBody>
+          <a:bodyPr/>
+          <a:lstStyle/>
+          <a:p>
+            <a:r>
+              <a:rPr lang="en-US" dirty="0"/>
+              <a:t/>
+            </a:r>
+            <a:endParaRPr lang="en-US" dirty="0"/>
+          </a:p>
+        </p:txBody>
+      </p:sp>
+      <p:sp>
+        <p:nvSpPr>
+          <p:cNvPr id="4" name="Slide Number Placeholder 3"/>
+          <p:cNvSpPr>
+            <a:spLocks noGrp="1"/>
+          </p:cNvSpPr>
+          <p:nvPr>
+            <p:ph type="sldNum" sz="quarter" idx="10"/>
+          </p:nvPr>
+        </p:nvSpPr>
+        <p:spPr/>
+        <p:txBody>
+          <a:bodyPr/>
+          <a:lstStyle/>
+          <a:p>
+            <a:fld id="{F7021451-1387-4CA6-816F-3879F97B5CBC}" type="slidenum">
+              <a:rPr lang="en-US"/>
+              <a:t>3</a:t>
+            </a:fld>
+            <a:endParaRPr lang="en-US"/>
+          </a:p>
+        </p:txBody>
+      </p:sp>
+    </p:spTree>
+    <p:extLst>
+      <p:ext uri="{BB962C8B-B14F-4D97-AF65-F5344CB8AC3E}">
+        <p14:creationId xmlns:p14="http://schemas.microsoft.com/office/powerpoint/2010/main" val="1024086991"/>
+      </p:ext>
+    </p:extLst>
+  </p:cSld>
+  <p:clrMapOvr>
+    <a:masterClrMapping/>
+  </p:clrMapOvr>
+</p:notes>
+</file>
+
+<file path=ppt/notesSlides/notesSlide4.xml><?xml version="1.0" encoding="utf-8"?>
+<p:notes xmlns:a="http://schemas.openxmlformats.org/drawingml/2006/main" xmlns:r="http://schemas.openxmlformats.org/officeDocument/2006/relationships" xmlns:p="http://schemas.openxmlformats.org/presentationml/2006/main">
+  <p:cSld>
+    <p:spTree>
+      <p:nvGrpSpPr>
+        <p:cNvPr id="1" name=""/>
+        <p:cNvGrpSpPr/>
+        <p:nvPr/>
+      </p:nvGrpSpPr>
+      <p:grpSpPr>
+        <a:xfrm>
+          <a:off x="0" y="0"/>
+          <a:ext cx="0" cy="0"/>
+          <a:chOff x="0" y="0"/>
+          <a:chExt cx="0" cy="0"/>
+        </a:xfrm>
+      </p:grpSpPr>
+      <p:sp>
+        <p:nvSpPr>
+          <p:cNvPr id="2" name="Slide Image Placeholder 1"/>
+          <p:cNvSpPr>
+            <a:spLocks noGrp="1" noRot="1" noChangeAspect="1"/>
+          </p:cNvSpPr>
+          <p:nvPr>
+            <p:ph type="sldImg"/>
+          </p:nvPr>
+        </p:nvSpPr>
+        <p:spPr/>
+      </p:sp>
+      <p:sp>
+        <p:nvSpPr>
+          <p:cNvPr id="3" name="Notes Placeholder 2"/>
+          <p:cNvSpPr>
+            <a:spLocks noGrp="1"/>
+          </p:cNvSpPr>
+          <p:nvPr>
+            <p:ph type="body" idx="1"/>
+          </p:nvPr>
+        </p:nvSpPr>
+        <p:spPr/>
+        <p:txBody>
+          <a:bodyPr/>
+          <a:lstStyle/>
+          <a:p>
+            <a:r>
+              <a:rPr lang="en-US" dirty="0"/>
+              <a:t/>
+            </a:r>
+            <a:endParaRPr lang="en-US" dirty="0"/>
+          </a:p>
+        </p:txBody>
+      </p:sp>
+      <p:sp>
+        <p:nvSpPr>
+          <p:cNvPr id="4" name="Slide Number Placeholder 3"/>
+          <p:cNvSpPr>
+            <a:spLocks noGrp="1"/>
+          </p:cNvSpPr>
+          <p:nvPr>
+            <p:ph type="sldNum" sz="quarter" idx="10"/>
+          </p:nvPr>
+        </p:nvSpPr>
+        <p:spPr/>
+        <p:txBody>
+          <a:bodyPr/>
+          <a:lstStyle/>
+          <a:p>
+            <a:fld id="{F7021451-1387-4CA6-816F-3879F97B5CBC}" type="slidenum">
+              <a:rPr lang="en-US"/>
+              <a:t>4</a:t>
+            </a:fld>
+            <a:endParaRPr lang="en-US"/>
+          </a:p>
+        </p:txBody>
+      </p:sp>
+    </p:spTree>
+    <p:extLst>
+      <p:ext uri="{BB962C8B-B14F-4D97-AF65-F5344CB8AC3E}">
+        <p14:creationId xmlns:p14="http://schemas.microsoft.com/office/powerpoint/2010/main" val="1024086991"/>
+      </p:ext>
+    </p:extLst>
+  </p:cSld>
+  <p:clrMapOvr>
+    <a:masterClrMapping/>
+  </p:clrMapOvr>
+</p:notes>
+</file>
+
+<file path=ppt/notesSlides/notesSlide5.xml><?xml version="1.0" encoding="utf-8"?>
+<p:notes xmlns:a="http://schemas.openxmlformats.org/drawingml/2006/main" xmlns:r="http://schemas.openxmlformats.org/officeDocument/2006/relationships" xmlns:p="http://schemas.openxmlformats.org/presentationml/2006/main">
+  <p:cSld>
+    <p:spTree>
+      <p:nvGrpSpPr>
+        <p:cNvPr id="1" name=""/>
+        <p:cNvGrpSpPr/>
+        <p:nvPr/>
+      </p:nvGrpSpPr>
+      <p:grpSpPr>
+        <a:xfrm>
+          <a:off x="0" y="0"/>
+          <a:ext cx="0" cy="0"/>
+          <a:chOff x="0" y="0"/>
+          <a:chExt cx="0" cy="0"/>
+        </a:xfrm>
+      </p:grpSpPr>
+      <p:sp>
+        <p:nvSpPr>
+          <p:cNvPr id="2" name="Slide Image Placeholder 1"/>
+          <p:cNvSpPr>
+            <a:spLocks noGrp="1" noRot="1" noChangeAspect="1"/>
+          </p:cNvSpPr>
+          <p:nvPr>
+            <p:ph type="sldImg"/>
+          </p:nvPr>
+        </p:nvSpPr>
+        <p:spPr/>
+      </p:sp>
+      <p:sp>
+        <p:nvSpPr>
+          <p:cNvPr id="3" name="Notes Placeholder 2"/>
+          <p:cNvSpPr>
+            <a:spLocks noGrp="1"/>
+          </p:cNvSpPr>
+          <p:nvPr>
+            <p:ph type="body" idx="1"/>
+          </p:nvPr>
+        </p:nvSpPr>
+        <p:spPr/>
+        <p:txBody>
+          <a:bodyPr/>
+          <a:lstStyle/>
+          <a:p>
+            <a:r>
+              <a:rPr lang="en-US" dirty="0"/>
+              <a:t/>
+            </a:r>
+            <a:endParaRPr lang="en-US" dirty="0"/>
+          </a:p>
+        </p:txBody>
+      </p:sp>
+      <p:sp>
+        <p:nvSpPr>
+          <p:cNvPr id="4" name="Slide Number Placeholder 3"/>
+          <p:cNvSpPr>
+            <a:spLocks noGrp="1"/>
+          </p:cNvSpPr>
+          <p:nvPr>
+            <p:ph type="sldNum" sz="quarter" idx="10"/>
+          </p:nvPr>
+        </p:nvSpPr>
+        <p:spPr/>
+        <p:txBody>
+          <a:bodyPr/>
+          <a:lstStyle/>
+          <a:p>
+            <a:fld id="{F7021451-1387-4CA6-816F-3879F97B5CBC}" type="slidenum">
+              <a:rPr lang="en-US"/>
+              <a:t>5</a:t>
+            </a:fld>
+            <a:endParaRPr lang="en-US"/>
+          </a:p>
+        </p:txBody>
+      </p:sp>
+    </p:spTree>
+    <p:extLst>
+      <p:ext uri="{BB962C8B-B14F-4D97-AF65-F5344CB8AC3E}">
+        <p14:creationId xmlns:p14="http://schemas.microsoft.com/office/powerpoint/2010/main" val="1024086991"/>
+      </p:ext>
+    </p:extLst>
+  </p:cSld>
+  <p:clrMapOvr>
+    <a:masterClrMapping/>
+  </p:clrMapOvr>
+</p:notes>
+</file>
+
+<file path=ppt/notesSlides/notesSlide6.xml><?xml version="1.0" encoding="utf-8"?>
+<p:notes xmlns:a="http://schemas.openxmlformats.org/drawingml/2006/main" xmlns:r="http://schemas.openxmlformats.org/officeDocument/2006/relationships" xmlns:p="http://schemas.openxmlformats.org/presentationml/2006/main">
+  <p:cSld>
+    <p:spTree>
+      <p:nvGrpSpPr>
+        <p:cNvPr id="1" name=""/>
+        <p:cNvGrpSpPr/>
+        <p:nvPr/>
+      </p:nvGrpSpPr>
+      <p:grpSpPr>
+        <a:xfrm>
+          <a:off x="0" y="0"/>
+          <a:ext cx="0" cy="0"/>
+          <a:chOff x="0" y="0"/>
+          <a:chExt cx="0" cy="0"/>
+        </a:xfrm>
+      </p:grpSpPr>
+      <p:sp>
+        <p:nvSpPr>
+          <p:cNvPr id="2" name="Slide Image Placeholder 1"/>
+          <p:cNvSpPr>
+            <a:spLocks noGrp="1" noRot="1" noChangeAspect="1"/>
+          </p:cNvSpPr>
+          <p:nvPr>
+            <p:ph type="sldImg"/>
+          </p:nvPr>
+        </p:nvSpPr>
+        <p:spPr/>
+      </p:sp>
+      <p:sp>
+        <p:nvSpPr>
+          <p:cNvPr id="3" name="Notes Placeholder 2"/>
+          <p:cNvSpPr>
+            <a:spLocks noGrp="1"/>
+          </p:cNvSpPr>
+          <p:nvPr>
+            <p:ph type="body" idx="1"/>
+          </p:nvPr>
+        </p:nvSpPr>
+        <p:spPr/>
+        <p:txBody>
+          <a:bodyPr/>
+          <a:lstStyle/>
+          <a:p>
+            <a:r>
+              <a:rPr lang="en-US" dirty="0"/>
+              <a:t/>
+            </a:r>
+            <a:endParaRPr lang="en-US" dirty="0"/>
+          </a:p>
+        </p:txBody>
+      </p:sp>
+      <p:sp>
+        <p:nvSpPr>
+          <p:cNvPr id="4" name="Slide Number Placeholder 3"/>
+          <p:cNvSpPr>
+            <a:spLocks noGrp="1"/>
+          </p:cNvSpPr>
+          <p:nvPr>
+            <p:ph type="sldNum" sz="quarter" idx="10"/>
+          </p:nvPr>
+        </p:nvSpPr>
+        <p:spPr/>
+        <p:txBody>
+          <a:bodyPr/>
+          <a:lstStyle/>
+          <a:p>
+            <a:fld id="{F7021451-1387-4CA6-816F-3879F97B5CBC}" type="slidenum">
+              <a:rPr lang="en-US"/>
+              <a:t>6</a:t>
+            </a:fld>
+            <a:endParaRPr lang="en-US"/>
+          </a:p>
+        </p:txBody>
+      </p:sp>
+    </p:spTree>
+    <p:extLst>
+      <p:ext uri="{BB962C8B-B14F-4D97-AF65-F5344CB8AC3E}">
+        <p14:creationId xmlns:p14="http://schemas.microsoft.com/office/powerpoint/2010/main" val="1024086991"/>
+      </p:ext>
+    </p:extLst>
+  </p:cSld>
+  <p:clrMapOvr>
+    <a:masterClrMapping/>
+  </p:clrMapOvr>
+</p:notes>
+</file>
+
 <file path=ppt/slideLayouts/slideLayout1.xml><?xml version="1.0" encoding="utf-8"?>
 <p:sldLayout xmlns:a="http://schemas.openxmlformats.org/drawingml/2006/main" xmlns:r="http://schemas.openxmlformats.org/officeDocument/2006/relationships" xmlns:p="http://schemas.openxmlformats.org/presentationml/2006/main" preserve="1">
   <p:cSld name="DEFAULT">
@@ -759,6 +1294,1284 @@
     </p:otherStyle>
   </p:txStyles>
 </p:sldMaster>
+</file>
+
+<file path=ppt/slides/slide1.xml><?xml version="1.0" encoding="utf-8"?>
+<p:sld xmlns:a="http://schemas.openxmlformats.org/drawingml/2006/main" xmlns:r="http://schemas.openxmlformats.org/officeDocument/2006/relationships" xmlns:p="http://schemas.openxmlformats.org/presentationml/2006/main">
+  <p:cSld name="Slide 1">
+    <p:spTree>
+      <p:nvGrpSpPr>
+        <p:cNvPr id="1" name=""/>
+        <p:cNvGrpSpPr/>
+        <p:nvPr/>
+      </p:nvGrpSpPr>
+      <p:grpSpPr>
+        <a:xfrm>
+          <a:off x="0" y="0"/>
+          <a:ext cx="0" cy="0"/>
+          <a:chOff x="0" y="0"/>
+          <a:chExt cx="0" cy="0"/>
+        </a:xfrm>
+      </p:grpSpPr>
+      <p:sp>
+        <p:nvSpPr>
+          <p:cNvPr id="2" name="Text 0"/>
+          <p:cNvSpPr/>
+          <p:nvPr/>
+        </p:nvSpPr>
+        <p:spPr>
+          <a:xfrm>
+            <a:off x="914400" y="914400"/>
+            <a:ext cx="6858000" cy="0"/>
+          </a:xfrm>
+          <a:prstGeom prst="rect">
+            <a:avLst/>
+          </a:prstGeom>
+          <a:solidFill>
+            <a:srgbClr val="F1F1F1"/>
+          </a:solidFill>
+          <a:ln/>
+        </p:spPr>
+        <p:txBody>
+          <a:bodyPr wrap="square" rtlCol="0" anchor="ctr"/>
+          <a:lstStyle/>
+          <a:p>
+            <a:pPr algn="l"/>
+            <a:r>
+              <a:rPr lang="en-US" sz="1800" dirty="0">
+                <a:solidFill>
+                  <a:srgbClr val="363636"/>
+                </a:solidFill>
+              </a:rPr>
+              <a:t>下列粒子中，带负电的是</a:t>
+            </a:r>
+            <a:endParaRPr lang="en-US" sz="1800" dirty="0"/>
+          </a:p>
+        </p:txBody>
+      </p:sp>
+      <p:sp>
+        <p:nvSpPr>
+          <p:cNvPr id="3" name="Text 1"/>
+          <p:cNvSpPr/>
+          <p:nvPr/>
+        </p:nvSpPr>
+        <p:spPr>
+          <a:xfrm>
+            <a:off x="914400" y="1828800"/>
+            <a:ext cx="6858000" cy="0"/>
+          </a:xfrm>
+          <a:prstGeom prst="rect">
+            <a:avLst/>
+          </a:prstGeom>
+          <a:solidFill>
+            <a:srgbClr val="F1F1F1"/>
+          </a:solidFill>
+          <a:ln/>
+        </p:spPr>
+        <p:txBody>
+          <a:bodyPr wrap="square" rtlCol="0" anchor="ctr"/>
+          <a:lstStyle/>
+          <a:p>
+            <a:pPr algn="l"/>
+            <a:r>
+              <a:rPr lang="en-US" sz="1400" dirty="0">
+                <a:solidFill>
+                  <a:srgbClr val="363636"/>
+                </a:solidFill>
+              </a:rPr>
+              <a:t>A．原子</a:t>
+            </a:r>
+            <a:endParaRPr lang="en-US" sz="1400" dirty="0"/>
+          </a:p>
+        </p:txBody>
+      </p:sp>
+      <p:sp>
+        <p:nvSpPr>
+          <p:cNvPr id="4" name="Text 2"/>
+          <p:cNvSpPr/>
+          <p:nvPr/>
+        </p:nvSpPr>
+        <p:spPr>
+          <a:xfrm>
+            <a:off x="914400" y="2286000"/>
+            <a:ext cx="6858000" cy="0"/>
+          </a:xfrm>
+          <a:prstGeom prst="rect">
+            <a:avLst/>
+          </a:prstGeom>
+          <a:solidFill>
+            <a:srgbClr val="F1F1F1"/>
+          </a:solidFill>
+          <a:ln/>
+        </p:spPr>
+        <p:txBody>
+          <a:bodyPr wrap="square" rtlCol="0" anchor="ctr"/>
+          <a:lstStyle/>
+          <a:p>
+            <a:pPr algn="l"/>
+            <a:r>
+              <a:rPr lang="en-US" sz="1400" dirty="0">
+                <a:solidFill>
+                  <a:srgbClr val="363636"/>
+                </a:solidFill>
+              </a:rPr>
+              <a:t>B．质子</a:t>
+            </a:r>
+            <a:endParaRPr lang="en-US" sz="1400" dirty="0"/>
+          </a:p>
+        </p:txBody>
+      </p:sp>
+      <p:sp>
+        <p:nvSpPr>
+          <p:cNvPr id="5" name="Text 3"/>
+          <p:cNvSpPr/>
+          <p:nvPr/>
+        </p:nvSpPr>
+        <p:spPr>
+          <a:xfrm>
+            <a:off x="914400" y="2743200"/>
+            <a:ext cx="6858000" cy="0"/>
+          </a:xfrm>
+          <a:prstGeom prst="rect">
+            <a:avLst/>
+          </a:prstGeom>
+          <a:solidFill>
+            <a:srgbClr val="F1F1F1"/>
+          </a:solidFill>
+          <a:ln/>
+        </p:spPr>
+        <p:txBody>
+          <a:bodyPr wrap="square" rtlCol="0" anchor="ctr"/>
+          <a:lstStyle/>
+          <a:p>
+            <a:pPr algn="l"/>
+            <a:r>
+              <a:rPr lang="en-US" sz="1400" dirty="0">
+                <a:solidFill>
+                  <a:srgbClr val="363636"/>
+                </a:solidFill>
+              </a:rPr>
+              <a:t>C．电子</a:t>
+            </a:r>
+            <a:endParaRPr lang="en-US" sz="1400" dirty="0"/>
+          </a:p>
+        </p:txBody>
+      </p:sp>
+      <p:sp>
+        <p:nvSpPr>
+          <p:cNvPr id="6" name="Text 4"/>
+          <p:cNvSpPr/>
+          <p:nvPr/>
+        </p:nvSpPr>
+        <p:spPr>
+          <a:xfrm>
+            <a:off x="914400" y="3200400"/>
+            <a:ext cx="6858000" cy="0"/>
+          </a:xfrm>
+          <a:prstGeom prst="rect">
+            <a:avLst/>
+          </a:prstGeom>
+          <a:solidFill>
+            <a:srgbClr val="F1F1F1"/>
+          </a:solidFill>
+          <a:ln/>
+        </p:spPr>
+        <p:txBody>
+          <a:bodyPr wrap="square" rtlCol="0" anchor="ctr"/>
+          <a:lstStyle/>
+          <a:p>
+            <a:pPr algn="l"/>
+            <a:r>
+              <a:rPr lang="en-US" sz="1400" dirty="0">
+                <a:solidFill>
+                  <a:srgbClr val="363636"/>
+                </a:solidFill>
+              </a:rPr>
+              <a:t>D．中子</a:t>
+            </a:r>
+            <a:endParaRPr lang="en-US" sz="1400" dirty="0"/>
+          </a:p>
+        </p:txBody>
+      </p:sp>
+    </p:spTree>
+  </p:cSld>
+  <p:clrMapOvr>
+    <a:masterClrMapping/>
+  </p:clrMapOvr>
+</p:sld>
+</file>
+
+<file path=ppt/slides/slide2.xml><?xml version="1.0" encoding="utf-8"?>
+<p:sld xmlns:a="http://schemas.openxmlformats.org/drawingml/2006/main" xmlns:r="http://schemas.openxmlformats.org/officeDocument/2006/relationships" xmlns:p="http://schemas.openxmlformats.org/presentationml/2006/main">
+  <p:cSld name="Slide 2">
+    <p:spTree>
+      <p:nvGrpSpPr>
+        <p:cNvPr id="1" name=""/>
+        <p:cNvGrpSpPr/>
+        <p:nvPr/>
+      </p:nvGrpSpPr>
+      <p:grpSpPr>
+        <a:xfrm>
+          <a:off x="0" y="0"/>
+          <a:ext cx="0" cy="0"/>
+          <a:chOff x="0" y="0"/>
+          <a:chExt cx="0" cy="0"/>
+        </a:xfrm>
+      </p:grpSpPr>
+      <p:sp>
+        <p:nvSpPr>
+          <p:cNvPr id="2" name="Text 0"/>
+          <p:cNvSpPr/>
+          <p:nvPr/>
+        </p:nvSpPr>
+        <p:spPr>
+          <a:xfrm>
+            <a:off x="914400" y="914400"/>
+            <a:ext cx="6858000" cy="0"/>
+          </a:xfrm>
+          <a:prstGeom prst="rect">
+            <a:avLst/>
+          </a:prstGeom>
+          <a:solidFill>
+            <a:srgbClr val="F1F1F1"/>
+          </a:solidFill>
+          <a:ln/>
+        </p:spPr>
+        <p:txBody>
+          <a:bodyPr wrap="square" rtlCol="0" anchor="ctr"/>
+          <a:lstStyle/>
+          <a:p>
+            <a:pPr algn="l"/>
+            <a:r>
+              <a:rPr lang="en-US" sz="1800" dirty="0">
+                <a:solidFill>
+                  <a:srgbClr val="363636"/>
+                </a:solidFill>
+              </a:rPr>
+              <a:t>分辨不同人的声音，主要是依据</a:t>
+            </a:r>
+            <a:endParaRPr lang="en-US" sz="1800" dirty="0"/>
+          </a:p>
+        </p:txBody>
+      </p:sp>
+      <p:sp>
+        <p:nvSpPr>
+          <p:cNvPr id="3" name="Text 1"/>
+          <p:cNvSpPr/>
+          <p:nvPr/>
+        </p:nvSpPr>
+        <p:spPr>
+          <a:xfrm>
+            <a:off x="914400" y="1828800"/>
+            <a:ext cx="6858000" cy="0"/>
+          </a:xfrm>
+          <a:prstGeom prst="rect">
+            <a:avLst/>
+          </a:prstGeom>
+          <a:solidFill>
+            <a:srgbClr val="F1F1F1"/>
+          </a:solidFill>
+          <a:ln/>
+        </p:spPr>
+        <p:txBody>
+          <a:bodyPr wrap="square" rtlCol="0" anchor="ctr"/>
+          <a:lstStyle/>
+          <a:p>
+            <a:pPr algn="l"/>
+            <a:r>
+              <a:rPr lang="en-US" sz="1400" dirty="0">
+                <a:solidFill>
+                  <a:srgbClr val="363636"/>
+                </a:solidFill>
+              </a:rPr>
+              <a:t>A．响度</a:t>
+            </a:r>
+            <a:endParaRPr lang="en-US" sz="1400" dirty="0"/>
+          </a:p>
+        </p:txBody>
+      </p:sp>
+      <p:sp>
+        <p:nvSpPr>
+          <p:cNvPr id="4" name="Text 2"/>
+          <p:cNvSpPr/>
+          <p:nvPr/>
+        </p:nvSpPr>
+        <p:spPr>
+          <a:xfrm>
+            <a:off x="914400" y="2286000"/>
+            <a:ext cx="6858000" cy="0"/>
+          </a:xfrm>
+          <a:prstGeom prst="rect">
+            <a:avLst/>
+          </a:prstGeom>
+          <a:solidFill>
+            <a:srgbClr val="F1F1F1"/>
+          </a:solidFill>
+          <a:ln/>
+        </p:spPr>
+        <p:txBody>
+          <a:bodyPr wrap="square" rtlCol="0" anchor="ctr"/>
+          <a:lstStyle/>
+          <a:p>
+            <a:pPr algn="l"/>
+            <a:r>
+              <a:rPr lang="en-US" sz="1400" dirty="0">
+                <a:solidFill>
+                  <a:srgbClr val="363636"/>
+                </a:solidFill>
+              </a:rPr>
+              <a:t>B．音调</a:t>
+            </a:r>
+            <a:endParaRPr lang="en-US" sz="1400" dirty="0"/>
+          </a:p>
+        </p:txBody>
+      </p:sp>
+      <p:sp>
+        <p:nvSpPr>
+          <p:cNvPr id="5" name="Text 3"/>
+          <p:cNvSpPr/>
+          <p:nvPr/>
+        </p:nvSpPr>
+        <p:spPr>
+          <a:xfrm>
+            <a:off x="914400" y="2743200"/>
+            <a:ext cx="6858000" cy="0"/>
+          </a:xfrm>
+          <a:prstGeom prst="rect">
+            <a:avLst/>
+          </a:prstGeom>
+          <a:solidFill>
+            <a:srgbClr val="F1F1F1"/>
+          </a:solidFill>
+          <a:ln/>
+        </p:spPr>
+        <p:txBody>
+          <a:bodyPr wrap="square" rtlCol="0" anchor="ctr"/>
+          <a:lstStyle/>
+          <a:p>
+            <a:pPr algn="l"/>
+            <a:r>
+              <a:rPr lang="en-US" sz="1400" dirty="0">
+                <a:solidFill>
+                  <a:srgbClr val="363636"/>
+                </a:solidFill>
+              </a:rPr>
+              <a:t>C．振幅</a:t>
+            </a:r>
+            <a:endParaRPr lang="en-US" sz="1400" dirty="0"/>
+          </a:p>
+        </p:txBody>
+      </p:sp>
+      <p:sp>
+        <p:nvSpPr>
+          <p:cNvPr id="6" name="Text 4"/>
+          <p:cNvSpPr/>
+          <p:nvPr/>
+        </p:nvSpPr>
+        <p:spPr>
+          <a:xfrm>
+            <a:off x="914400" y="3200400"/>
+            <a:ext cx="6858000" cy="0"/>
+          </a:xfrm>
+          <a:prstGeom prst="rect">
+            <a:avLst/>
+          </a:prstGeom>
+          <a:solidFill>
+            <a:srgbClr val="F1F1F1"/>
+          </a:solidFill>
+          <a:ln/>
+        </p:spPr>
+        <p:txBody>
+          <a:bodyPr wrap="square" rtlCol="0" anchor="ctr"/>
+          <a:lstStyle/>
+          <a:p>
+            <a:pPr algn="l"/>
+            <a:r>
+              <a:rPr lang="en-US" sz="1400" dirty="0">
+                <a:solidFill>
+                  <a:srgbClr val="363636"/>
+                </a:solidFill>
+              </a:rPr>
+              <a:t>D．音色</a:t>
+            </a:r>
+            <a:endParaRPr lang="en-US" sz="1400" dirty="0"/>
+          </a:p>
+        </p:txBody>
+      </p:sp>
+    </p:spTree>
+  </p:cSld>
+  <p:clrMapOvr>
+    <a:masterClrMapping/>
+  </p:clrMapOvr>
+</p:sld>
+</file>
+
+<file path=ppt/slides/slide3.xml><?xml version="1.0" encoding="utf-8"?>
+<p:sld xmlns:a="http://schemas.openxmlformats.org/drawingml/2006/main" xmlns:r="http://schemas.openxmlformats.org/officeDocument/2006/relationships" xmlns:p="http://schemas.openxmlformats.org/presentationml/2006/main">
+  <p:cSld name="Slide 3">
+    <p:spTree>
+      <p:nvGrpSpPr>
+        <p:cNvPr id="1" name=""/>
+        <p:cNvGrpSpPr/>
+        <p:nvPr/>
+      </p:nvGrpSpPr>
+      <p:grpSpPr>
+        <a:xfrm>
+          <a:off x="0" y="0"/>
+          <a:ext cx="0" cy="0"/>
+          <a:chOff x="0" y="0"/>
+          <a:chExt cx="0" cy="0"/>
+        </a:xfrm>
+      </p:grpSpPr>
+      <p:sp>
+        <p:nvSpPr>
+          <p:cNvPr id="2" name="Text 0"/>
+          <p:cNvSpPr/>
+          <p:nvPr/>
+        </p:nvSpPr>
+        <p:spPr>
+          <a:xfrm>
+            <a:off x="914400" y="914400"/>
+            <a:ext cx="6858000" cy="0"/>
+          </a:xfrm>
+          <a:prstGeom prst="rect">
+            <a:avLst/>
+          </a:prstGeom>
+          <a:solidFill>
+            <a:srgbClr val="F1F1F1"/>
+          </a:solidFill>
+          <a:ln/>
+        </p:spPr>
+        <p:txBody>
+          <a:bodyPr wrap="square" rtlCol="0" anchor="ctr"/>
+          <a:lstStyle/>
+          <a:p>
+            <a:pPr algn="l"/>
+            <a:r>
+              <a:rPr lang="en-US" sz="1800" dirty="0">
+                <a:solidFill>
+                  <a:srgbClr val="363636"/>
+                </a:solidFill>
+              </a:rPr>
+              <a:t>四冲程内燃机在工作过程中，将机械能转化为内能的冲程是</a:t>
+            </a:r>
+            <a:endParaRPr lang="en-US" sz="1800" dirty="0"/>
+          </a:p>
+        </p:txBody>
+      </p:sp>
+      <p:sp>
+        <p:nvSpPr>
+          <p:cNvPr id="3" name="Text 1"/>
+          <p:cNvSpPr/>
+          <p:nvPr/>
+        </p:nvSpPr>
+        <p:spPr>
+          <a:xfrm>
+            <a:off x="914400" y="1828800"/>
+            <a:ext cx="6858000" cy="0"/>
+          </a:xfrm>
+          <a:prstGeom prst="rect">
+            <a:avLst/>
+          </a:prstGeom>
+          <a:solidFill>
+            <a:srgbClr val="F1F1F1"/>
+          </a:solidFill>
+          <a:ln/>
+        </p:spPr>
+        <p:txBody>
+          <a:bodyPr wrap="square" rtlCol="0" anchor="ctr"/>
+          <a:lstStyle/>
+          <a:p>
+            <a:pPr algn="l"/>
+            <a:r>
+              <a:rPr lang="en-US" sz="1400" dirty="0">
+                <a:solidFill>
+                  <a:srgbClr val="363636"/>
+                </a:solidFill>
+              </a:rPr>
+              <a:t>A．吸气冲程</a:t>
+            </a:r>
+            <a:endParaRPr lang="en-US" sz="1400" dirty="0"/>
+          </a:p>
+        </p:txBody>
+      </p:sp>
+      <p:sp>
+        <p:nvSpPr>
+          <p:cNvPr id="4" name="Text 2"/>
+          <p:cNvSpPr/>
+          <p:nvPr/>
+        </p:nvSpPr>
+        <p:spPr>
+          <a:xfrm>
+            <a:off x="914400" y="2286000"/>
+            <a:ext cx="6858000" cy="0"/>
+          </a:xfrm>
+          <a:prstGeom prst="rect">
+            <a:avLst/>
+          </a:prstGeom>
+          <a:solidFill>
+            <a:srgbClr val="F1F1F1"/>
+          </a:solidFill>
+          <a:ln/>
+        </p:spPr>
+        <p:txBody>
+          <a:bodyPr wrap="square" rtlCol="0" anchor="ctr"/>
+          <a:lstStyle/>
+          <a:p>
+            <a:pPr algn="l"/>
+            <a:r>
+              <a:rPr lang="en-US" sz="1400" dirty="0">
+                <a:solidFill>
+                  <a:srgbClr val="363636"/>
+                </a:solidFill>
+              </a:rPr>
+              <a:t>B．压缩冲程</a:t>
+            </a:r>
+            <a:endParaRPr lang="en-US" sz="1400" dirty="0"/>
+          </a:p>
+        </p:txBody>
+      </p:sp>
+      <p:sp>
+        <p:nvSpPr>
+          <p:cNvPr id="5" name="Text 3"/>
+          <p:cNvSpPr/>
+          <p:nvPr/>
+        </p:nvSpPr>
+        <p:spPr>
+          <a:xfrm>
+            <a:off x="914400" y="2743200"/>
+            <a:ext cx="6858000" cy="0"/>
+          </a:xfrm>
+          <a:prstGeom prst="rect">
+            <a:avLst/>
+          </a:prstGeom>
+          <a:solidFill>
+            <a:srgbClr val="F1F1F1"/>
+          </a:solidFill>
+          <a:ln/>
+        </p:spPr>
+        <p:txBody>
+          <a:bodyPr wrap="square" rtlCol="0" anchor="ctr"/>
+          <a:lstStyle/>
+          <a:p>
+            <a:pPr algn="l"/>
+            <a:r>
+              <a:rPr lang="en-US" sz="1400" dirty="0">
+                <a:solidFill>
+                  <a:srgbClr val="363636"/>
+                </a:solidFill>
+              </a:rPr>
+              <a:t>C．做功冲程</a:t>
+            </a:r>
+            <a:endParaRPr lang="en-US" sz="1400" dirty="0"/>
+          </a:p>
+        </p:txBody>
+      </p:sp>
+      <p:sp>
+        <p:nvSpPr>
+          <p:cNvPr id="6" name="Text 4"/>
+          <p:cNvSpPr/>
+          <p:nvPr/>
+        </p:nvSpPr>
+        <p:spPr>
+          <a:xfrm>
+            <a:off x="914400" y="3200400"/>
+            <a:ext cx="6858000" cy="0"/>
+          </a:xfrm>
+          <a:prstGeom prst="rect">
+            <a:avLst/>
+          </a:prstGeom>
+          <a:solidFill>
+            <a:srgbClr val="F1F1F1"/>
+          </a:solidFill>
+          <a:ln/>
+        </p:spPr>
+        <p:txBody>
+          <a:bodyPr wrap="square" rtlCol="0" anchor="ctr"/>
+          <a:lstStyle/>
+          <a:p>
+            <a:pPr algn="l"/>
+            <a:r>
+              <a:rPr lang="en-US" sz="1400" dirty="0">
+                <a:solidFill>
+                  <a:srgbClr val="363636"/>
+                </a:solidFill>
+              </a:rPr>
+              <a:t>D．排气冲程</a:t>
+            </a:r>
+            <a:endParaRPr lang="en-US" sz="1400" dirty="0"/>
+          </a:p>
+        </p:txBody>
+      </p:sp>
+    </p:spTree>
+  </p:cSld>
+  <p:clrMapOvr>
+    <a:masterClrMapping/>
+  </p:clrMapOvr>
+</p:sld>
+</file>
+
+<file path=ppt/slides/slide4.xml><?xml version="1.0" encoding="utf-8"?>
+<p:sld xmlns:a="http://schemas.openxmlformats.org/drawingml/2006/main" xmlns:r="http://schemas.openxmlformats.org/officeDocument/2006/relationships" xmlns:p="http://schemas.openxmlformats.org/presentationml/2006/main">
+  <p:cSld name="Slide 4">
+    <p:spTree>
+      <p:nvGrpSpPr>
+        <p:cNvPr id="1" name=""/>
+        <p:cNvGrpSpPr/>
+        <p:nvPr/>
+      </p:nvGrpSpPr>
+      <p:grpSpPr>
+        <a:xfrm>
+          <a:off x="0" y="0"/>
+          <a:ext cx="0" cy="0"/>
+          <a:chOff x="0" y="0"/>
+          <a:chExt cx="0" cy="0"/>
+        </a:xfrm>
+      </p:grpSpPr>
+      <p:sp>
+        <p:nvSpPr>
+          <p:cNvPr id="2" name="Text 0"/>
+          <p:cNvSpPr/>
+          <p:nvPr/>
+        </p:nvSpPr>
+        <p:spPr>
+          <a:xfrm>
+            <a:off x="914400" y="914400"/>
+            <a:ext cx="6858000" cy="0"/>
+          </a:xfrm>
+          <a:prstGeom prst="rect">
+            <a:avLst/>
+          </a:prstGeom>
+          <a:solidFill>
+            <a:srgbClr val="F1F1F1"/>
+          </a:solidFill>
+          <a:ln/>
+        </p:spPr>
+        <p:txBody>
+          <a:bodyPr wrap="square" rtlCol="0" anchor="ctr"/>
+          <a:lstStyle/>
+          <a:p>
+            <a:pPr algn="l"/>
+            <a:r>
+              <a:rPr lang="en-US" sz="1800" dirty="0">
+                <a:solidFill>
+                  <a:srgbClr val="363636"/>
+                </a:solidFill>
+              </a:rPr>
+              <a:t>地铁启动离站的加速过程中，其惯性</a:t>
+            </a:r>
+            <a:endParaRPr lang="en-US" sz="1800" dirty="0"/>
+          </a:p>
+        </p:txBody>
+      </p:sp>
+      <p:sp>
+        <p:nvSpPr>
+          <p:cNvPr id="3" name="Text 1"/>
+          <p:cNvSpPr/>
+          <p:nvPr/>
+        </p:nvSpPr>
+        <p:spPr>
+          <a:xfrm>
+            <a:off x="914400" y="1828800"/>
+            <a:ext cx="6858000" cy="0"/>
+          </a:xfrm>
+          <a:prstGeom prst="rect">
+            <a:avLst/>
+          </a:prstGeom>
+          <a:solidFill>
+            <a:srgbClr val="F1F1F1"/>
+          </a:solidFill>
+          <a:ln/>
+        </p:spPr>
+        <p:txBody>
+          <a:bodyPr wrap="square" rtlCol="0" anchor="ctr"/>
+          <a:lstStyle/>
+          <a:p>
+            <a:pPr algn="l"/>
+            <a:r>
+              <a:rPr lang="en-US" sz="1400" dirty="0">
+                <a:solidFill>
+                  <a:srgbClr val="363636"/>
+                </a:solidFill>
+              </a:rPr>
+              <a:t>A．先变大后不变</a:t>
+            </a:r>
+            <a:endParaRPr lang="en-US" sz="1400" dirty="0"/>
+          </a:p>
+        </p:txBody>
+      </p:sp>
+      <p:sp>
+        <p:nvSpPr>
+          <p:cNvPr id="4" name="Text 2"/>
+          <p:cNvSpPr/>
+          <p:nvPr/>
+        </p:nvSpPr>
+        <p:spPr>
+          <a:xfrm>
+            <a:off x="914400" y="2286000"/>
+            <a:ext cx="6858000" cy="0"/>
+          </a:xfrm>
+          <a:prstGeom prst="rect">
+            <a:avLst/>
+          </a:prstGeom>
+          <a:solidFill>
+            <a:srgbClr val="F1F1F1"/>
+          </a:solidFill>
+          <a:ln/>
+        </p:spPr>
+        <p:txBody>
+          <a:bodyPr wrap="square" rtlCol="0" anchor="ctr"/>
+          <a:lstStyle/>
+          <a:p>
+            <a:pPr algn="l"/>
+            <a:r>
+              <a:rPr lang="en-US" sz="1400" dirty="0">
+                <a:solidFill>
+                  <a:srgbClr val="363636"/>
+                </a:solidFill>
+              </a:rPr>
+              <a:t>B．先不变后变大</a:t>
+            </a:r>
+            <a:endParaRPr lang="en-US" sz="1400" dirty="0"/>
+          </a:p>
+        </p:txBody>
+      </p:sp>
+      <p:sp>
+        <p:nvSpPr>
+          <p:cNvPr id="5" name="Text 3"/>
+          <p:cNvSpPr/>
+          <p:nvPr/>
+        </p:nvSpPr>
+        <p:spPr>
+          <a:xfrm>
+            <a:off x="914400" y="2743200"/>
+            <a:ext cx="6858000" cy="0"/>
+          </a:xfrm>
+          <a:prstGeom prst="rect">
+            <a:avLst/>
+          </a:prstGeom>
+          <a:solidFill>
+            <a:srgbClr val="F1F1F1"/>
+          </a:solidFill>
+          <a:ln/>
+        </p:spPr>
+        <p:txBody>
+          <a:bodyPr wrap="square" rtlCol="0" anchor="ctr"/>
+          <a:lstStyle/>
+          <a:p>
+            <a:pPr algn="l"/>
+            <a:r>
+              <a:rPr lang="en-US" sz="1400" dirty="0">
+                <a:solidFill>
+                  <a:srgbClr val="363636"/>
+                </a:solidFill>
+              </a:rPr>
+              <a:t>C．一直变大</a:t>
+            </a:r>
+            <a:endParaRPr lang="en-US" sz="1400" dirty="0"/>
+          </a:p>
+        </p:txBody>
+      </p:sp>
+      <p:sp>
+        <p:nvSpPr>
+          <p:cNvPr id="6" name="Text 4"/>
+          <p:cNvSpPr/>
+          <p:nvPr/>
+        </p:nvSpPr>
+        <p:spPr>
+          <a:xfrm>
+            <a:off x="914400" y="3200400"/>
+            <a:ext cx="6858000" cy="0"/>
+          </a:xfrm>
+          <a:prstGeom prst="rect">
+            <a:avLst/>
+          </a:prstGeom>
+          <a:solidFill>
+            <a:srgbClr val="F1F1F1"/>
+          </a:solidFill>
+          <a:ln/>
+        </p:spPr>
+        <p:txBody>
+          <a:bodyPr wrap="square" rtlCol="0" anchor="ctr"/>
+          <a:lstStyle/>
+          <a:p>
+            <a:pPr algn="l"/>
+            <a:r>
+              <a:rPr lang="en-US" sz="1400" dirty="0">
+                <a:solidFill>
+                  <a:srgbClr val="363636"/>
+                </a:solidFill>
+              </a:rPr>
+              <a:t>D．一直不变</a:t>
+            </a:r>
+            <a:endParaRPr lang="en-US" sz="1400" dirty="0"/>
+          </a:p>
+        </p:txBody>
+      </p:sp>
+    </p:spTree>
+  </p:cSld>
+  <p:clrMapOvr>
+    <a:masterClrMapping/>
+  </p:clrMapOvr>
+</p:sld>
+</file>
+
+<file path=ppt/slides/slide5.xml><?xml version="1.0" encoding="utf-8"?>
+<p:sld xmlns:a="http://schemas.openxmlformats.org/drawingml/2006/main" xmlns:r="http://schemas.openxmlformats.org/officeDocument/2006/relationships" xmlns:p="http://schemas.openxmlformats.org/presentationml/2006/main">
+  <p:cSld name="Slide 5">
+    <p:spTree>
+      <p:nvGrpSpPr>
+        <p:cNvPr id="1" name=""/>
+        <p:cNvGrpSpPr/>
+        <p:nvPr/>
+      </p:nvGrpSpPr>
+      <p:grpSpPr>
+        <a:xfrm>
+          <a:off x="0" y="0"/>
+          <a:ext cx="0" cy="0"/>
+          <a:chOff x="0" y="0"/>
+          <a:chExt cx="0" cy="0"/>
+        </a:xfrm>
+      </p:grpSpPr>
+      <p:sp>
+        <p:nvSpPr>
+          <p:cNvPr id="2" name="Text 0"/>
+          <p:cNvSpPr/>
+          <p:nvPr/>
+        </p:nvSpPr>
+        <p:spPr>
+          <a:xfrm>
+            <a:off x="914400" y="914400"/>
+            <a:ext cx="6858000" cy="0"/>
+          </a:xfrm>
+          <a:prstGeom prst="rect">
+            <a:avLst/>
+          </a:prstGeom>
+          <a:solidFill>
+            <a:srgbClr val="F1F1F1"/>
+          </a:solidFill>
+          <a:ln/>
+        </p:spPr>
+        <p:txBody>
+          <a:bodyPr wrap="square" rtlCol="0" anchor="ctr"/>
+          <a:lstStyle/>
+          <a:p>
+            <a:pPr algn="l"/>
+            <a:r>
+              <a:rPr lang="en-US" sz="1800" dirty="0">
+                <a:solidFill>
+                  <a:srgbClr val="363636"/>
+                </a:solidFill>
+              </a:rPr>
+              <a:t>在图1所示的电路中，滑动变阻器滑片P位于中点附近。用电阻R3替换R1（R3＞R1）后，在确保电路安全的前提下，可能使电流表A与A1示数的比值与替换R1前相同的方法是</a:t>
+            </a:r>
+            <a:endParaRPr lang="en-US" sz="1800" dirty="0"/>
+          </a:p>
+        </p:txBody>
+      </p:sp>
+      <p:pic>
+        <p:nvPicPr>
+          <p:cNvPr id="3" name="Image 0" descr="preencoded.png">    </p:cNvPr>
+          <p:cNvPicPr>
+            <a:picLocks noChangeAspect="1"/>
+          </p:cNvPicPr>
+          <p:nvPr/>
+        </p:nvPicPr>
+        <p:blipFill>
+          <a:blip r:embed="rId1"/>
+          <a:stretch>
+            <a:fillRect/>
+          </a:stretch>
+        </p:blipFill>
+        <p:spPr>
+          <a:xfrm>
+            <a:off x="914400" y="1828800"/>
+            <a:ext cx="1828800" cy="1045572"/>
+          </a:xfrm>
+          <a:prstGeom prst="rect">
+            <a:avLst/>
+          </a:prstGeom>
+        </p:spPr>
+      </p:pic>
+      <p:sp>
+        <p:nvSpPr>
+          <p:cNvPr id="4" name="Text 1"/>
+          <p:cNvSpPr/>
+          <p:nvPr/>
+        </p:nvSpPr>
+        <p:spPr>
+          <a:xfrm>
+            <a:off x="2743200" y="1828800"/>
+            <a:ext cx="6858000" cy="0"/>
+          </a:xfrm>
+          <a:prstGeom prst="rect">
+            <a:avLst/>
+          </a:prstGeom>
+          <a:solidFill>
+            <a:srgbClr val="F1F1F1"/>
+          </a:solidFill>
+          <a:ln/>
+        </p:spPr>
+        <p:txBody>
+          <a:bodyPr wrap="square" rtlCol="0" anchor="ctr"/>
+          <a:lstStyle/>
+          <a:p>
+            <a:pPr algn="l"/>
+            <a:r>
+              <a:rPr lang="en-US" sz="1400" dirty="0">
+                <a:solidFill>
+                  <a:srgbClr val="363636"/>
+                </a:solidFill>
+              </a:rPr>
+              <a:t>A．增大电源电压，不移动滑片P</a:t>
+            </a:r>
+            <a:endParaRPr lang="en-US" sz="1400" dirty="0"/>
+          </a:p>
+        </p:txBody>
+      </p:sp>
+      <p:sp>
+        <p:nvSpPr>
+          <p:cNvPr id="5" name="Text 2"/>
+          <p:cNvSpPr/>
+          <p:nvPr/>
+        </p:nvSpPr>
+        <p:spPr>
+          <a:xfrm>
+            <a:off x="2743200" y="2286000"/>
+            <a:ext cx="6858000" cy="0"/>
+          </a:xfrm>
+          <a:prstGeom prst="rect">
+            <a:avLst/>
+          </a:prstGeom>
+          <a:solidFill>
+            <a:srgbClr val="F1F1F1"/>
+          </a:solidFill>
+          <a:ln/>
+        </p:spPr>
+        <p:txBody>
+          <a:bodyPr wrap="square" rtlCol="0" anchor="ctr"/>
+          <a:lstStyle/>
+          <a:p>
+            <a:pPr algn="l"/>
+            <a:r>
+              <a:rPr lang="en-US" sz="1400" dirty="0">
+                <a:solidFill>
+                  <a:srgbClr val="363636"/>
+                </a:solidFill>
+              </a:rPr>
+              <a:t>B．减小电源电压，不移动滑片P</a:t>
+            </a:r>
+            <a:endParaRPr lang="en-US" sz="1400" dirty="0"/>
+          </a:p>
+        </p:txBody>
+      </p:sp>
+      <p:sp>
+        <p:nvSpPr>
+          <p:cNvPr id="6" name="Text 3"/>
+          <p:cNvSpPr/>
+          <p:nvPr/>
+        </p:nvSpPr>
+        <p:spPr>
+          <a:xfrm>
+            <a:off x="2743200" y="2743200"/>
+            <a:ext cx="6858000" cy="0"/>
+          </a:xfrm>
+          <a:prstGeom prst="rect">
+            <a:avLst/>
+          </a:prstGeom>
+          <a:solidFill>
+            <a:srgbClr val="F1F1F1"/>
+          </a:solidFill>
+          <a:ln/>
+        </p:spPr>
+        <p:txBody>
+          <a:bodyPr wrap="square" rtlCol="0" anchor="ctr"/>
+          <a:lstStyle/>
+          <a:p>
+            <a:pPr algn="l"/>
+            <a:r>
+              <a:rPr lang="en-US" sz="1400" dirty="0">
+                <a:solidFill>
+                  <a:srgbClr val="363636"/>
+                </a:solidFill>
+              </a:rPr>
+              <a:t>C．电源电压不变，滑片P向右移</a:t>
+            </a:r>
+            <a:endParaRPr lang="en-US" sz="1400" dirty="0"/>
+          </a:p>
+        </p:txBody>
+      </p:sp>
+      <p:sp>
+        <p:nvSpPr>
+          <p:cNvPr id="7" name="Text 4"/>
+          <p:cNvSpPr/>
+          <p:nvPr/>
+        </p:nvSpPr>
+        <p:spPr>
+          <a:xfrm>
+            <a:off x="2743200" y="3200400"/>
+            <a:ext cx="6858000" cy="0"/>
+          </a:xfrm>
+          <a:prstGeom prst="rect">
+            <a:avLst/>
+          </a:prstGeom>
+          <a:solidFill>
+            <a:srgbClr val="F1F1F1"/>
+          </a:solidFill>
+          <a:ln/>
+        </p:spPr>
+        <p:txBody>
+          <a:bodyPr wrap="square" rtlCol="0" anchor="ctr"/>
+          <a:lstStyle/>
+          <a:p>
+            <a:pPr algn="l"/>
+            <a:r>
+              <a:rPr lang="en-US" sz="1400" dirty="0">
+                <a:solidFill>
+                  <a:srgbClr val="363636"/>
+                </a:solidFill>
+              </a:rPr>
+              <a:t>D．电源电压不变，滑片P向左移</a:t>
+            </a:r>
+            <a:endParaRPr lang="en-US" sz="1400" dirty="0"/>
+          </a:p>
+        </p:txBody>
+      </p:sp>
+    </p:spTree>
+  </p:cSld>
+  <p:clrMapOvr>
+    <a:masterClrMapping/>
+  </p:clrMapOvr>
+</p:sld>
+</file>
+
+<file path=ppt/slides/slide6.xml><?xml version="1.0" encoding="utf-8"?>
+<p:sld xmlns:a="http://schemas.openxmlformats.org/drawingml/2006/main" xmlns:r="http://schemas.openxmlformats.org/officeDocument/2006/relationships" xmlns:p="http://schemas.openxmlformats.org/presentationml/2006/main">
+  <p:cSld name="Slide 6">
+    <p:spTree>
+      <p:nvGrpSpPr>
+        <p:cNvPr id="1" name=""/>
+        <p:cNvGrpSpPr/>
+        <p:nvPr/>
+      </p:nvGrpSpPr>
+      <p:grpSpPr>
+        <a:xfrm>
+          <a:off x="0" y="0"/>
+          <a:ext cx="0" cy="0"/>
+          <a:chOff x="0" y="0"/>
+          <a:chExt cx="0" cy="0"/>
+        </a:xfrm>
+      </p:grpSpPr>
+      <p:sp>
+        <p:nvSpPr>
+          <p:cNvPr id="2" name="Text 0"/>
+          <p:cNvSpPr/>
+          <p:nvPr/>
+        </p:nvSpPr>
+        <p:spPr>
+          <a:xfrm>
+            <a:off x="914400" y="914400"/>
+            <a:ext cx="6858000" cy="0"/>
+          </a:xfrm>
+          <a:prstGeom prst="rect">
+            <a:avLst/>
+          </a:prstGeom>
+          <a:solidFill>
+            <a:srgbClr val="F1F1F1"/>
+          </a:solidFill>
+          <a:ln/>
+        </p:spPr>
+        <p:txBody>
+          <a:bodyPr wrap="square" rtlCol="0" anchor="ctr"/>
+          <a:lstStyle/>
+          <a:p>
+            <a:pPr algn="l"/>
+            <a:r>
+              <a:rPr lang="en-US" sz="1800" dirty="0">
+                <a:solidFill>
+                  <a:srgbClr val="363636"/>
+                </a:solidFill>
+              </a:rPr>
+              <a:t>如图2所示，实心均匀正方体甲、乙置于水平地面上，它们的质量为m甲、m乙，对水平地面的压强为p甲、p乙。现沿水平方向在上部分别截去相同高度的部分，则下列关系中一定能使水平面所受压力变化量∆F甲＜∆F乙的是</a:t>
+            </a:r>
+            <a:endParaRPr lang="en-US" sz="1800" dirty="0"/>
+          </a:p>
+        </p:txBody>
+      </p:sp>
+      <p:pic>
+        <p:nvPicPr>
+          <p:cNvPr id="3" name="Image 0" descr="preencoded.png">    </p:cNvPr>
+          <p:cNvPicPr>
+            <a:picLocks noChangeAspect="1"/>
+          </p:cNvPicPr>
+          <p:nvPr/>
+        </p:nvPicPr>
+        <p:blipFill>
+          <a:blip r:embed="rId1"/>
+          <a:stretch>
+            <a:fillRect/>
+          </a:stretch>
+        </p:blipFill>
+        <p:spPr>
+          <a:xfrm>
+            <a:off x="914400" y="1828800"/>
+            <a:ext cx="1828800" cy="800847"/>
+          </a:xfrm>
+          <a:prstGeom prst="rect">
+            <a:avLst/>
+          </a:prstGeom>
+        </p:spPr>
+      </p:pic>
+      <p:sp>
+        <p:nvSpPr>
+          <p:cNvPr id="4" name="Text 1"/>
+          <p:cNvSpPr/>
+          <p:nvPr/>
+        </p:nvSpPr>
+        <p:spPr>
+          <a:xfrm>
+            <a:off x="2743200" y="1828800"/>
+            <a:ext cx="6858000" cy="0"/>
+          </a:xfrm>
+          <a:prstGeom prst="rect">
+            <a:avLst/>
+          </a:prstGeom>
+          <a:solidFill>
+            <a:srgbClr val="F1F1F1"/>
+          </a:solidFill>
+          <a:ln/>
+        </p:spPr>
+        <p:txBody>
+          <a:bodyPr wrap="square" rtlCol="0" anchor="ctr"/>
+          <a:lstStyle/>
+          <a:p>
+            <a:pPr algn="l"/>
+            <a:r>
+              <a:rPr lang="en-US" sz="1400" dirty="0">
+                <a:solidFill>
+                  <a:srgbClr val="363636"/>
+                </a:solidFill>
+              </a:rPr>
+              <a:t>A．p甲＝p乙</a:t>
+            </a:r>
+            <a:endParaRPr lang="en-US" sz="1400" dirty="0"/>
+          </a:p>
+        </p:txBody>
+      </p:sp>
+      <p:sp>
+        <p:nvSpPr>
+          <p:cNvPr id="5" name="Text 2"/>
+          <p:cNvSpPr/>
+          <p:nvPr/>
+        </p:nvSpPr>
+        <p:spPr>
+          <a:xfrm>
+            <a:off x="2743200" y="2286000"/>
+            <a:ext cx="6858000" cy="0"/>
+          </a:xfrm>
+          <a:prstGeom prst="rect">
+            <a:avLst/>
+          </a:prstGeom>
+          <a:solidFill>
+            <a:srgbClr val="F1F1F1"/>
+          </a:solidFill>
+          <a:ln/>
+        </p:spPr>
+        <p:txBody>
+          <a:bodyPr wrap="square" rtlCol="0" anchor="ctr"/>
+          <a:lstStyle/>
+          <a:p>
+            <a:pPr algn="l"/>
+            <a:r>
+              <a:rPr lang="en-US" sz="1400" dirty="0">
+                <a:solidFill>
+                  <a:srgbClr val="363636"/>
+                </a:solidFill>
+              </a:rPr>
+              <a:t>B．p甲＞p乙</a:t>
+            </a:r>
+            <a:endParaRPr lang="en-US" sz="1400" dirty="0"/>
+          </a:p>
+        </p:txBody>
+      </p:sp>
+      <p:sp>
+        <p:nvSpPr>
+          <p:cNvPr id="6" name="Text 3"/>
+          <p:cNvSpPr/>
+          <p:nvPr/>
+        </p:nvSpPr>
+        <p:spPr>
+          <a:xfrm>
+            <a:off x="2743200" y="2743200"/>
+            <a:ext cx="6858000" cy="0"/>
+          </a:xfrm>
+          <a:prstGeom prst="rect">
+            <a:avLst/>
+          </a:prstGeom>
+          <a:solidFill>
+            <a:srgbClr val="F1F1F1"/>
+          </a:solidFill>
+          <a:ln/>
+        </p:spPr>
+        <p:txBody>
+          <a:bodyPr wrap="square" rtlCol="0" anchor="ctr"/>
+          <a:lstStyle/>
+          <a:p>
+            <a:pPr algn="l"/>
+            <a:r>
+              <a:rPr lang="en-US" sz="1400" dirty="0">
+                <a:solidFill>
+                  <a:srgbClr val="363636"/>
+                </a:solidFill>
+              </a:rPr>
+              <a:t>C．m甲＝m乙</a:t>
+            </a:r>
+            <a:endParaRPr lang="en-US" sz="1400" dirty="0"/>
+          </a:p>
+        </p:txBody>
+      </p:sp>
+      <p:sp>
+        <p:nvSpPr>
+          <p:cNvPr id="7" name="Text 4"/>
+          <p:cNvSpPr/>
+          <p:nvPr/>
+        </p:nvSpPr>
+        <p:spPr>
+          <a:xfrm>
+            <a:off x="2743200" y="3200400"/>
+            <a:ext cx="6858000" cy="0"/>
+          </a:xfrm>
+          <a:prstGeom prst="rect">
+            <a:avLst/>
+          </a:prstGeom>
+          <a:solidFill>
+            <a:srgbClr val="F1F1F1"/>
+          </a:solidFill>
+          <a:ln/>
+        </p:spPr>
+        <p:txBody>
+          <a:bodyPr wrap="square" rtlCol="0" anchor="ctr"/>
+          <a:lstStyle/>
+          <a:p>
+            <a:pPr algn="l"/>
+            <a:r>
+              <a:rPr lang="en-US" sz="1400" dirty="0">
+                <a:solidFill>
+                  <a:srgbClr val="363636"/>
+                </a:solidFill>
+              </a:rPr>
+              <a:t>D．m甲＞m乙</a:t>
+            </a:r>
+            <a:endParaRPr lang="en-US" sz="1400" dirty="0"/>
+          </a:p>
+        </p:txBody>
+      </p:sp>
+    </p:spTree>
+  </p:cSld>
+  <p:clrMapOvr>
+    <a:masterClrMapping/>
+  </p:clrMapOvr>
+</p:sld>
 </file>
 
 <file path=ppt/theme/theme1.xml><?xml version="1.0" encoding="utf-8"?>

--- a/question.pptx
+++ b/question.pptx
@@ -1343,7 +1343,7 @@
                   <a:srgbClr val="363636"/>
                 </a:solidFill>
               </a:rPr>
-              <a:t>下列粒子中，带负电的是</a:t>
+              <a:t>在原子中，带负电的是</a:t>
             </a:r>
             <a:endParaRPr lang="en-US" sz="1800" dirty="0"/>
           </a:p>
@@ -1379,7 +1379,7 @@
                   <a:srgbClr val="363636"/>
                 </a:solidFill>
               </a:rPr>
-              <a:t>A．原子</a:t>
+              <a:t>A．质子</a:t>
             </a:r>
             <a:endParaRPr lang="en-US" sz="1400" dirty="0"/>
           </a:p>
@@ -1415,7 +1415,7 @@
                   <a:srgbClr val="363636"/>
                 </a:solidFill>
               </a:rPr>
-              <a:t>B．质子</a:t>
+              <a:t>B．中子</a:t>
             </a:r>
             <a:endParaRPr lang="en-US" sz="1400" dirty="0"/>
           </a:p>
@@ -1487,7 +1487,7 @@
                   <a:srgbClr val="363636"/>
                 </a:solidFill>
               </a:rPr>
-              <a:t>D．中子</a:t>
+              <a:t>D．原子核</a:t>
             </a:r>
             <a:endParaRPr lang="en-US" sz="1400" dirty="0"/>
           </a:p>
@@ -1548,7 +1548,7 @@
                   <a:srgbClr val="363636"/>
                 </a:solidFill>
               </a:rPr>
-              <a:t>分辨不同人的声音，主要是依据</a:t>
+              <a:t>最先发现电流磁效应的科学家是</a:t>
             </a:r>
             <a:endParaRPr lang="en-US" sz="1800" dirty="0"/>
           </a:p>
@@ -1584,7 +1584,7 @@
                   <a:srgbClr val="363636"/>
                 </a:solidFill>
               </a:rPr>
-              <a:t>A．响度</a:t>
+              <a:t>A．牛顿</a:t>
             </a:r>
             <a:endParaRPr lang="en-US" sz="1400" dirty="0"/>
           </a:p>
@@ -1620,7 +1620,7 @@
                   <a:srgbClr val="363636"/>
                 </a:solidFill>
               </a:rPr>
-              <a:t>B．音调</a:t>
+              <a:t>B．奥斯特</a:t>
             </a:r>
             <a:endParaRPr lang="en-US" sz="1400" dirty="0"/>
           </a:p>
@@ -1656,7 +1656,7 @@
                   <a:srgbClr val="363636"/>
                 </a:solidFill>
               </a:rPr>
-              <a:t>C．振幅</a:t>
+              <a:t>C．欧姆</a:t>
             </a:r>
             <a:endParaRPr lang="en-US" sz="1400" dirty="0"/>
           </a:p>
@@ -1692,7 +1692,7 @@
                   <a:srgbClr val="363636"/>
                 </a:solidFill>
               </a:rPr>
-              <a:t>D．音色</a:t>
+              <a:t>D．焦耳</a:t>
             </a:r>
             <a:endParaRPr lang="en-US" sz="1400" dirty="0"/>
           </a:p>
@@ -1753,7 +1753,7 @@
                   <a:srgbClr val="363636"/>
                 </a:solidFill>
               </a:rPr>
-              <a:t>四冲程内燃机在工作过程中，将机械能转化为内能的冲程是</a:t>
+              <a:t>接听电话时一听对方说话声，就能分辨出对方是否是熟悉的人，这主要依据是</a:t>
             </a:r>
             <a:endParaRPr lang="en-US" sz="1800" dirty="0"/>
           </a:p>
@@ -1789,7 +1789,7 @@
                   <a:srgbClr val="363636"/>
                 </a:solidFill>
               </a:rPr>
-              <a:t>A．吸气冲程</a:t>
+              <a:t>A．响度</a:t>
             </a:r>
             <a:endParaRPr lang="en-US" sz="1400" dirty="0"/>
           </a:p>
@@ -1825,7 +1825,7 @@
                   <a:srgbClr val="363636"/>
                 </a:solidFill>
               </a:rPr>
-              <a:t>B．压缩冲程</a:t>
+              <a:t>B．音调</a:t>
             </a:r>
             <a:endParaRPr lang="en-US" sz="1400" dirty="0"/>
           </a:p>
@@ -1861,7 +1861,7 @@
                   <a:srgbClr val="363636"/>
                 </a:solidFill>
               </a:rPr>
-              <a:t>C．做功冲程</a:t>
+              <a:t>C．音色</a:t>
             </a:r>
             <a:endParaRPr lang="en-US" sz="1400" dirty="0"/>
           </a:p>
@@ -1897,7 +1897,7 @@
                   <a:srgbClr val="363636"/>
                 </a:solidFill>
               </a:rPr>
-              <a:t>D．排气冲程</a:t>
+              <a:t>D．频率</a:t>
             </a:r>
             <a:endParaRPr lang="en-US" sz="1400" dirty="0"/>
           </a:p>
@@ -1958,7 +1958,7 @@
                   <a:srgbClr val="363636"/>
                 </a:solidFill>
               </a:rPr>
-              <a:t>地铁启动离站的加速过程中，其惯性</a:t>
+              <a:t>把放大镜正对太阳光，可在距放大镜10厘米处得到一个最小最亮的光斑；若用此放大镜来放大观察邮票上的细小部分，则邮票到透镜的距离应该</a:t>
             </a:r>
             <a:endParaRPr lang="en-US" sz="1800" dirty="0"/>
           </a:p>
@@ -1994,7 +1994,7 @@
                   <a:srgbClr val="363636"/>
                 </a:solidFill>
               </a:rPr>
-              <a:t>A．先变大后不变</a:t>
+              <a:t>A．小于10厘米</a:t>
             </a:r>
             <a:endParaRPr lang="en-US" sz="1400" dirty="0"/>
           </a:p>
@@ -2030,7 +2030,7 @@
                   <a:srgbClr val="363636"/>
                 </a:solidFill>
               </a:rPr>
-              <a:t>B．先不变后变大</a:t>
+              <a:t>B．等于10厘米</a:t>
             </a:r>
             <a:endParaRPr lang="en-US" sz="1400" dirty="0"/>
           </a:p>
@@ -2066,7 +2066,7 @@
                   <a:srgbClr val="363636"/>
                 </a:solidFill>
               </a:rPr>
-              <a:t>C．一直变大</a:t>
+              <a:t>C．在10厘米到20厘米之间</a:t>
             </a:r>
             <a:endParaRPr lang="en-US" sz="1400" dirty="0"/>
           </a:p>
@@ -2102,7 +2102,7 @@
                   <a:srgbClr val="363636"/>
                 </a:solidFill>
               </a:rPr>
-              <a:t>D．一直不变</a:t>
+              <a:t>D．大于20厘米</a:t>
             </a:r>
             <a:endParaRPr lang="en-US" sz="1400" dirty="0"/>
           </a:p>
@@ -2163,7 +2163,43 @@
                   <a:srgbClr val="363636"/>
                 </a:solidFill>
               </a:rPr>
-              <a:t>在图1所示的电路中，滑动变阻器滑片P位于中点附近。用电阻R3替换R1（R3＞R1）后，在确保电路安全的前提下，可能使电流表A与A1示数的比值与替换R1前相同的方法是</a:t>
+              <a:t>甲、乙两辆车同时在同一平直道路上向东做匀速直线运动，它们的s-t图像如图1所示，经过8秒两车相距40米。若甲、乙的速度分别为v</a:t>
+            </a:r>
+            <a:pPr algn="l"/>
+            <a:r>
+              <a:rPr lang="en-US" sz="1200" dirty="0">
+                <a:solidFill>
+                  <a:srgbClr val="363636"/>
+                </a:solidFill>
+              </a:rPr>
+              <a:t>甲</a:t>
+            </a:r>
+            <a:pPr algn="l"/>
+            <a:r>
+              <a:rPr lang="en-US" sz="1800" dirty="0">
+                <a:solidFill>
+                  <a:srgbClr val="363636"/>
+                </a:solidFill>
+              </a:rPr>
+              <a:t>、v</a:t>
+            </a:r>
+            <a:pPr algn="l"/>
+            <a:r>
+              <a:rPr lang="en-US" sz="1200" dirty="0">
+                <a:solidFill>
+                  <a:srgbClr val="363636"/>
+                </a:solidFill>
+              </a:rPr>
+              <a:t>乙</a:t>
+            </a:r>
+            <a:pPr algn="l"/>
+            <a:r>
+              <a:rPr lang="en-US" sz="1800" dirty="0">
+                <a:solidFill>
+                  <a:srgbClr val="363636"/>
+                </a:solidFill>
+              </a:rPr>
+              <a:t>，则它们</a:t>
             </a:r>
             <a:endParaRPr lang="en-US" sz="1800" dirty="0"/>
           </a:p>
@@ -2186,7 +2222,7 @@
         <p:spPr>
           <a:xfrm>
             <a:off x="914400" y="1828800"/>
-            <a:ext cx="1828800" cy="1045572"/>
+            <a:ext cx="1828800" cy="822773"/>
           </a:xfrm>
           <a:prstGeom prst="rect">
             <a:avLst/>
@@ -2223,7 +2259,7 @@
                   <a:srgbClr val="363636"/>
                 </a:solidFill>
               </a:rPr>
-              <a:t>A．增大电源电压，不移动滑片P</a:t>
+              <a:t>A .以乙为参照物，甲是静止的</a:t>
             </a:r>
             <a:endParaRPr lang="en-US" sz="1400" dirty="0"/>
           </a:p>
@@ -2259,7 +2295,7 @@
                   <a:srgbClr val="363636"/>
                 </a:solidFill>
               </a:rPr>
-              <a:t>B．减小电源电压，不移动滑片P</a:t>
+              <a:t>B 以甲为参照物，乙向东运动</a:t>
             </a:r>
             <a:endParaRPr lang="en-US" sz="1400" dirty="0"/>
           </a:p>
@@ -2295,7 +2331,25 @@
                   <a:srgbClr val="363636"/>
                 </a:solidFill>
               </a:rPr>
-              <a:t>C．电源电压不变，滑片P向右移</a:t>
+              <a:t>C 可能从同一点出发，且v</a:t>
+            </a:r>
+            <a:pPr algn="l"/>
+            <a:r>
+              <a:rPr lang="en-US" sz="800" dirty="0">
+                <a:solidFill>
+                  <a:srgbClr val="363636"/>
+                </a:solidFill>
+              </a:rPr>
+              <a:t>甲</a:t>
+            </a:r>
+            <a:pPr algn="l"/>
+            <a:r>
+              <a:rPr lang="en-US" sz="1400" dirty="0">
+                <a:solidFill>
+                  <a:srgbClr val="363636"/>
+                </a:solidFill>
+              </a:rPr>
+              <a:t>＝10米/秒</a:t>
             </a:r>
             <a:endParaRPr lang="en-US" sz="1400" dirty="0"/>
           </a:p>
@@ -2331,7 +2385,25 @@
                   <a:srgbClr val="363636"/>
                 </a:solidFill>
               </a:rPr>
-              <a:t>D．电源电压不变，滑片P向左移</a:t>
+              <a:t>D 一定从同一点出发，且v</a:t>
+            </a:r>
+            <a:pPr algn="l"/>
+            <a:r>
+              <a:rPr lang="en-US" sz="800" dirty="0">
+                <a:solidFill>
+                  <a:srgbClr val="363636"/>
+                </a:solidFill>
+              </a:rPr>
+              <a:t>乙</a:t>
+            </a:r>
+            <a:pPr algn="l"/>
+            <a:r>
+              <a:rPr lang="en-US" sz="1400" dirty="0">
+                <a:solidFill>
+                  <a:srgbClr val="363636"/>
+                </a:solidFill>
+              </a:rPr>
+              <a:t>＝5米/秒</a:t>
             </a:r>
             <a:endParaRPr lang="en-US" sz="1400" dirty="0"/>
           </a:p>
@@ -2392,7 +2464,61 @@
                   <a:srgbClr val="363636"/>
                 </a:solidFill>
               </a:rPr>
-              <a:t>如图2所示，实心均匀正方体甲、乙置于水平地面上，它们的质量为m甲、m乙，对水平地面的压强为p甲、p乙。现沿水平方向在上部分别截去相同高度的部分，则下列关系中一定能使水平面所受压力变化量∆F甲＜∆F乙的是</a:t>
+              <a:t>a id="_Hlk57489387"&gt;&lt;/a&gt;6.在图2所示的电路中，电阻R</a:t>
+            </a:r>
+            <a:pPr algn="l"/>
+            <a:r>
+              <a:rPr lang="en-US" sz="1200" dirty="0">
+                <a:solidFill>
+                  <a:srgbClr val="363636"/>
+                </a:solidFill>
+              </a:rPr>
+              <a:t>1</a:t>
+            </a:r>
+            <a:pPr algn="l"/>
+            <a:r>
+              <a:rPr lang="en-US" sz="1800" dirty="0">
+                <a:solidFill>
+                  <a:srgbClr val="363636"/>
+                </a:solidFill>
+              </a:rPr>
+              <a:t>的阻值为10欧，滑动变阻器滑片P位于中点。用一阻值为20欧的电阻替换R</a:t>
+            </a:r>
+            <a:pPr algn="l"/>
+            <a:r>
+              <a:rPr lang="en-US" sz="1200" dirty="0">
+                <a:solidFill>
+                  <a:srgbClr val="363636"/>
+                </a:solidFill>
+              </a:rPr>
+              <a:t>1</a:t>
+            </a:r>
+            <a:pPr algn="l"/>
+            <a:r>
+              <a:rPr lang="en-US" sz="1800" dirty="0">
+                <a:solidFill>
+                  <a:srgbClr val="363636"/>
+                </a:solidFill>
+              </a:rPr>
+              <a:t>后，可能使电流表示数与替换R</a:t>
+            </a:r>
+            <a:pPr algn="l"/>
+            <a:r>
+              <a:rPr lang="en-US" sz="1200" dirty="0">
+                <a:solidFill>
+                  <a:srgbClr val="363636"/>
+                </a:solidFill>
+              </a:rPr>
+              <a:t>1</a:t>
+            </a:r>
+            <a:pPr algn="l"/>
+            <a:r>
+              <a:rPr lang="en-US" sz="1800" dirty="0">
+                <a:solidFill>
+                  <a:srgbClr val="363636"/>
+                </a:solidFill>
+              </a:rPr>
+              <a:t>前相同的方法是</a:t>
             </a:r>
             <a:endParaRPr lang="en-US" sz="1800" dirty="0"/>
           </a:p>
@@ -2415,7 +2541,7 @@
         <p:spPr>
           <a:xfrm>
             <a:off x="914400" y="1828800"/>
-            <a:ext cx="1828800" cy="800847"/>
+            <a:ext cx="1828800" cy="1588360"/>
           </a:xfrm>
           <a:prstGeom prst="rect">
             <a:avLst/>
@@ -2452,7 +2578,7 @@
                   <a:srgbClr val="363636"/>
                 </a:solidFill>
               </a:rPr>
-              <a:t>A．p甲＝p乙</a:t>
+              <a:t>A电源电压不变，不移动滑片P</a:t>
             </a:r>
             <a:endParaRPr lang="en-US" sz="1400" dirty="0"/>
           </a:p>
@@ -2488,7 +2614,7 @@
                   <a:srgbClr val="363636"/>
                 </a:solidFill>
               </a:rPr>
-              <a:t>B．p甲＞p乙</a:t>
+              <a:t>B电源电压不变，向右移动滑片P</a:t>
             </a:r>
             <a:endParaRPr lang="en-US" sz="1400" dirty="0"/>
           </a:p>
@@ -2524,7 +2650,7 @@
                   <a:srgbClr val="363636"/>
                 </a:solidFill>
               </a:rPr>
-              <a:t>C．m甲＝m乙</a:t>
+              <a:t>C减小电源电压，不移动滑片P</a:t>
             </a:r>
             <a:endParaRPr lang="en-US" sz="1400" dirty="0"/>
           </a:p>
@@ -2560,7 +2686,7 @@
                   <a:srgbClr val="363636"/>
                 </a:solidFill>
               </a:rPr>
-              <a:t>D．m甲＞m乙</a:t>
+              <a:t>D增大电源电压，向左移动滑片P</a:t>
             </a:r>
             <a:endParaRPr lang="en-US" sz="1400" dirty="0"/>
           </a:p>

--- a/question.pptx
+++ b/question.pptx
@@ -2464,7 +2464,7 @@
                   <a:srgbClr val="363636"/>
                 </a:solidFill>
               </a:rPr>
-              <a:t>a id="_Hlk57489387"&gt;&lt;/a&gt;6.在图2所示的电路中，电阻R</a:t>
+              <a:t>在图2所示的电路中，电阻R</a:t>
             </a:r>
             <a:pPr algn="l"/>
             <a:r>

--- a/question.pptx
+++ b/question.pptx
@@ -11,9 +11,16 @@
     <p:sldId id="259" r:id="rId5"/>
     <p:sldId id="260" r:id="rId6"/>
     <p:sldId id="261" r:id="rId7"/>
+    <p:sldId id="262" r:id="rId8"/>
+    <p:sldId id="263" r:id="rId9"/>
+    <p:sldId id="264" r:id="rId10"/>
+    <p:sldId id="265" r:id="rId11"/>
+    <p:sldId id="266" r:id="rId12"/>
+    <p:sldId id="267" r:id="rId13"/>
+    <p:sldId id="268" r:id="rId14"/>
   </p:sldIdLst>
   <p:notesMasterIdLst>
-    <p:notesMasterId r:id="rId8"/>
+    <p:notesMasterId r:id="rId15"/>
   </p:notesMasterIdLst>
   <p:sldSz cx="9144000" cy="5143500"/>
   <p:notesSz cx="5143500" cy="9144000"/>
@@ -549,6 +556,358 @@
 </p:notes>
 </file>
 
+<file path=ppt/notesSlides/notesSlide10.xml><?xml version="1.0" encoding="utf-8"?>
+<p:notes xmlns:a="http://schemas.openxmlformats.org/drawingml/2006/main" xmlns:r="http://schemas.openxmlformats.org/officeDocument/2006/relationships" xmlns:p="http://schemas.openxmlformats.org/presentationml/2006/main">
+  <p:cSld>
+    <p:spTree>
+      <p:nvGrpSpPr>
+        <p:cNvPr id="1" name=""/>
+        <p:cNvGrpSpPr/>
+        <p:nvPr/>
+      </p:nvGrpSpPr>
+      <p:grpSpPr>
+        <a:xfrm>
+          <a:off x="0" y="0"/>
+          <a:ext cx="0" cy="0"/>
+          <a:chOff x="0" y="0"/>
+          <a:chExt cx="0" cy="0"/>
+        </a:xfrm>
+      </p:grpSpPr>
+      <p:sp>
+        <p:nvSpPr>
+          <p:cNvPr id="2" name="Slide Image Placeholder 1"/>
+          <p:cNvSpPr>
+            <a:spLocks noGrp="1" noRot="1" noChangeAspect="1"/>
+          </p:cNvSpPr>
+          <p:nvPr>
+            <p:ph type="sldImg"/>
+          </p:nvPr>
+        </p:nvSpPr>
+        <p:spPr/>
+      </p:sp>
+      <p:sp>
+        <p:nvSpPr>
+          <p:cNvPr id="3" name="Notes Placeholder 2"/>
+          <p:cNvSpPr>
+            <a:spLocks noGrp="1"/>
+          </p:cNvSpPr>
+          <p:nvPr>
+            <p:ph type="body" idx="1"/>
+          </p:nvPr>
+        </p:nvSpPr>
+        <p:spPr/>
+        <p:txBody>
+          <a:bodyPr/>
+          <a:lstStyle/>
+          <a:p>
+            <a:r>
+              <a:rPr lang="en-US" dirty="0"/>
+              <a:t/>
+            </a:r>
+            <a:endParaRPr lang="en-US" dirty="0"/>
+          </a:p>
+        </p:txBody>
+      </p:sp>
+      <p:sp>
+        <p:nvSpPr>
+          <p:cNvPr id="4" name="Slide Number Placeholder 3"/>
+          <p:cNvSpPr>
+            <a:spLocks noGrp="1"/>
+          </p:cNvSpPr>
+          <p:nvPr>
+            <p:ph type="sldNum" sz="quarter" idx="10"/>
+          </p:nvPr>
+        </p:nvSpPr>
+        <p:spPr/>
+        <p:txBody>
+          <a:bodyPr/>
+          <a:lstStyle/>
+          <a:p>
+            <a:fld id="{F7021451-1387-4CA6-816F-3879F97B5CBC}" type="slidenum">
+              <a:rPr lang="en-US"/>
+              <a:t>10</a:t>
+            </a:fld>
+            <a:endParaRPr lang="en-US"/>
+          </a:p>
+        </p:txBody>
+      </p:sp>
+    </p:spTree>
+    <p:extLst>
+      <p:ext uri="{BB962C8B-B14F-4D97-AF65-F5344CB8AC3E}">
+        <p14:creationId xmlns:p14="http://schemas.microsoft.com/office/powerpoint/2010/main" val="1024086991"/>
+      </p:ext>
+    </p:extLst>
+  </p:cSld>
+  <p:clrMapOvr>
+    <a:masterClrMapping/>
+  </p:clrMapOvr>
+</p:notes>
+</file>
+
+<file path=ppt/notesSlides/notesSlide11.xml><?xml version="1.0" encoding="utf-8"?>
+<p:notes xmlns:a="http://schemas.openxmlformats.org/drawingml/2006/main" xmlns:r="http://schemas.openxmlformats.org/officeDocument/2006/relationships" xmlns:p="http://schemas.openxmlformats.org/presentationml/2006/main">
+  <p:cSld>
+    <p:spTree>
+      <p:nvGrpSpPr>
+        <p:cNvPr id="1" name=""/>
+        <p:cNvGrpSpPr/>
+        <p:nvPr/>
+      </p:nvGrpSpPr>
+      <p:grpSpPr>
+        <a:xfrm>
+          <a:off x="0" y="0"/>
+          <a:ext cx="0" cy="0"/>
+          <a:chOff x="0" y="0"/>
+          <a:chExt cx="0" cy="0"/>
+        </a:xfrm>
+      </p:grpSpPr>
+      <p:sp>
+        <p:nvSpPr>
+          <p:cNvPr id="2" name="Slide Image Placeholder 1"/>
+          <p:cNvSpPr>
+            <a:spLocks noGrp="1" noRot="1" noChangeAspect="1"/>
+          </p:cNvSpPr>
+          <p:nvPr>
+            <p:ph type="sldImg"/>
+          </p:nvPr>
+        </p:nvSpPr>
+        <p:spPr/>
+      </p:sp>
+      <p:sp>
+        <p:nvSpPr>
+          <p:cNvPr id="3" name="Notes Placeholder 2"/>
+          <p:cNvSpPr>
+            <a:spLocks noGrp="1"/>
+          </p:cNvSpPr>
+          <p:nvPr>
+            <p:ph type="body" idx="1"/>
+          </p:nvPr>
+        </p:nvSpPr>
+        <p:spPr/>
+        <p:txBody>
+          <a:bodyPr/>
+          <a:lstStyle/>
+          <a:p>
+            <a:r>
+              <a:rPr lang="en-US" dirty="0"/>
+              <a:t/>
+            </a:r>
+            <a:endParaRPr lang="en-US" dirty="0"/>
+          </a:p>
+        </p:txBody>
+      </p:sp>
+      <p:sp>
+        <p:nvSpPr>
+          <p:cNvPr id="4" name="Slide Number Placeholder 3"/>
+          <p:cNvSpPr>
+            <a:spLocks noGrp="1"/>
+          </p:cNvSpPr>
+          <p:nvPr>
+            <p:ph type="sldNum" sz="quarter" idx="10"/>
+          </p:nvPr>
+        </p:nvSpPr>
+        <p:spPr/>
+        <p:txBody>
+          <a:bodyPr/>
+          <a:lstStyle/>
+          <a:p>
+            <a:fld id="{F7021451-1387-4CA6-816F-3879F97B5CBC}" type="slidenum">
+              <a:rPr lang="en-US"/>
+              <a:t>11</a:t>
+            </a:fld>
+            <a:endParaRPr lang="en-US"/>
+          </a:p>
+        </p:txBody>
+      </p:sp>
+    </p:spTree>
+    <p:extLst>
+      <p:ext uri="{BB962C8B-B14F-4D97-AF65-F5344CB8AC3E}">
+        <p14:creationId xmlns:p14="http://schemas.microsoft.com/office/powerpoint/2010/main" val="1024086991"/>
+      </p:ext>
+    </p:extLst>
+  </p:cSld>
+  <p:clrMapOvr>
+    <a:masterClrMapping/>
+  </p:clrMapOvr>
+</p:notes>
+</file>
+
+<file path=ppt/notesSlides/notesSlide12.xml><?xml version="1.0" encoding="utf-8"?>
+<p:notes xmlns:a="http://schemas.openxmlformats.org/drawingml/2006/main" xmlns:r="http://schemas.openxmlformats.org/officeDocument/2006/relationships" xmlns:p="http://schemas.openxmlformats.org/presentationml/2006/main">
+  <p:cSld>
+    <p:spTree>
+      <p:nvGrpSpPr>
+        <p:cNvPr id="1" name=""/>
+        <p:cNvGrpSpPr/>
+        <p:nvPr/>
+      </p:nvGrpSpPr>
+      <p:grpSpPr>
+        <a:xfrm>
+          <a:off x="0" y="0"/>
+          <a:ext cx="0" cy="0"/>
+          <a:chOff x="0" y="0"/>
+          <a:chExt cx="0" cy="0"/>
+        </a:xfrm>
+      </p:grpSpPr>
+      <p:sp>
+        <p:nvSpPr>
+          <p:cNvPr id="2" name="Slide Image Placeholder 1"/>
+          <p:cNvSpPr>
+            <a:spLocks noGrp="1" noRot="1" noChangeAspect="1"/>
+          </p:cNvSpPr>
+          <p:nvPr>
+            <p:ph type="sldImg"/>
+          </p:nvPr>
+        </p:nvSpPr>
+        <p:spPr/>
+      </p:sp>
+      <p:sp>
+        <p:nvSpPr>
+          <p:cNvPr id="3" name="Notes Placeholder 2"/>
+          <p:cNvSpPr>
+            <a:spLocks noGrp="1"/>
+          </p:cNvSpPr>
+          <p:nvPr>
+            <p:ph type="body" idx="1"/>
+          </p:nvPr>
+        </p:nvSpPr>
+        <p:spPr/>
+        <p:txBody>
+          <a:bodyPr/>
+          <a:lstStyle/>
+          <a:p>
+            <a:r>
+              <a:rPr lang="en-US" dirty="0"/>
+              <a:t/>
+            </a:r>
+            <a:endParaRPr lang="en-US" dirty="0"/>
+          </a:p>
+        </p:txBody>
+      </p:sp>
+      <p:sp>
+        <p:nvSpPr>
+          <p:cNvPr id="4" name="Slide Number Placeholder 3"/>
+          <p:cNvSpPr>
+            <a:spLocks noGrp="1"/>
+          </p:cNvSpPr>
+          <p:nvPr>
+            <p:ph type="sldNum" sz="quarter" idx="10"/>
+          </p:nvPr>
+        </p:nvSpPr>
+        <p:spPr/>
+        <p:txBody>
+          <a:bodyPr/>
+          <a:lstStyle/>
+          <a:p>
+            <a:fld id="{F7021451-1387-4CA6-816F-3879F97B5CBC}" type="slidenum">
+              <a:rPr lang="en-US"/>
+              <a:t>12</a:t>
+            </a:fld>
+            <a:endParaRPr lang="en-US"/>
+          </a:p>
+        </p:txBody>
+      </p:sp>
+    </p:spTree>
+    <p:extLst>
+      <p:ext uri="{BB962C8B-B14F-4D97-AF65-F5344CB8AC3E}">
+        <p14:creationId xmlns:p14="http://schemas.microsoft.com/office/powerpoint/2010/main" val="1024086991"/>
+      </p:ext>
+    </p:extLst>
+  </p:cSld>
+  <p:clrMapOvr>
+    <a:masterClrMapping/>
+  </p:clrMapOvr>
+</p:notes>
+</file>
+
+<file path=ppt/notesSlides/notesSlide13.xml><?xml version="1.0" encoding="utf-8"?>
+<p:notes xmlns:a="http://schemas.openxmlformats.org/drawingml/2006/main" xmlns:r="http://schemas.openxmlformats.org/officeDocument/2006/relationships" xmlns:p="http://schemas.openxmlformats.org/presentationml/2006/main">
+  <p:cSld>
+    <p:spTree>
+      <p:nvGrpSpPr>
+        <p:cNvPr id="1" name=""/>
+        <p:cNvGrpSpPr/>
+        <p:nvPr/>
+      </p:nvGrpSpPr>
+      <p:grpSpPr>
+        <a:xfrm>
+          <a:off x="0" y="0"/>
+          <a:ext cx="0" cy="0"/>
+          <a:chOff x="0" y="0"/>
+          <a:chExt cx="0" cy="0"/>
+        </a:xfrm>
+      </p:grpSpPr>
+      <p:sp>
+        <p:nvSpPr>
+          <p:cNvPr id="2" name="Slide Image Placeholder 1"/>
+          <p:cNvSpPr>
+            <a:spLocks noGrp="1" noRot="1" noChangeAspect="1"/>
+          </p:cNvSpPr>
+          <p:nvPr>
+            <p:ph type="sldImg"/>
+          </p:nvPr>
+        </p:nvSpPr>
+        <p:spPr/>
+      </p:sp>
+      <p:sp>
+        <p:nvSpPr>
+          <p:cNvPr id="3" name="Notes Placeholder 2"/>
+          <p:cNvSpPr>
+            <a:spLocks noGrp="1"/>
+          </p:cNvSpPr>
+          <p:nvPr>
+            <p:ph type="body" idx="1"/>
+          </p:nvPr>
+        </p:nvSpPr>
+        <p:spPr/>
+        <p:txBody>
+          <a:bodyPr/>
+          <a:lstStyle/>
+          <a:p>
+            <a:r>
+              <a:rPr lang="en-US" dirty="0"/>
+              <a:t/>
+            </a:r>
+            <a:endParaRPr lang="en-US" dirty="0"/>
+          </a:p>
+        </p:txBody>
+      </p:sp>
+      <p:sp>
+        <p:nvSpPr>
+          <p:cNvPr id="4" name="Slide Number Placeholder 3"/>
+          <p:cNvSpPr>
+            <a:spLocks noGrp="1"/>
+          </p:cNvSpPr>
+          <p:nvPr>
+            <p:ph type="sldNum" sz="quarter" idx="10"/>
+          </p:nvPr>
+        </p:nvSpPr>
+        <p:spPr/>
+        <p:txBody>
+          <a:bodyPr/>
+          <a:lstStyle/>
+          <a:p>
+            <a:fld id="{F7021451-1387-4CA6-816F-3879F97B5CBC}" type="slidenum">
+              <a:rPr lang="en-US"/>
+              <a:t>13</a:t>
+            </a:fld>
+            <a:endParaRPr lang="en-US"/>
+          </a:p>
+        </p:txBody>
+      </p:sp>
+    </p:spTree>
+    <p:extLst>
+      <p:ext uri="{BB962C8B-B14F-4D97-AF65-F5344CB8AC3E}">
+        <p14:creationId xmlns:p14="http://schemas.microsoft.com/office/powerpoint/2010/main" val="1024086991"/>
+      </p:ext>
+    </p:extLst>
+  </p:cSld>
+  <p:clrMapOvr>
+    <a:masterClrMapping/>
+  </p:clrMapOvr>
+</p:notes>
+</file>
+
 <file path=ppt/notesSlides/notesSlide2.xml><?xml version="1.0" encoding="utf-8"?>
 <p:notes xmlns:a="http://schemas.openxmlformats.org/drawingml/2006/main" xmlns:r="http://schemas.openxmlformats.org/officeDocument/2006/relationships" xmlns:p="http://schemas.openxmlformats.org/presentationml/2006/main">
   <p:cSld>
@@ -971,6 +1330,270 @@
             <a:fld id="{F7021451-1387-4CA6-816F-3879F97B5CBC}" type="slidenum">
               <a:rPr lang="en-US"/>
               <a:t>6</a:t>
+            </a:fld>
+            <a:endParaRPr lang="en-US"/>
+          </a:p>
+        </p:txBody>
+      </p:sp>
+    </p:spTree>
+    <p:extLst>
+      <p:ext uri="{BB962C8B-B14F-4D97-AF65-F5344CB8AC3E}">
+        <p14:creationId xmlns:p14="http://schemas.microsoft.com/office/powerpoint/2010/main" val="1024086991"/>
+      </p:ext>
+    </p:extLst>
+  </p:cSld>
+  <p:clrMapOvr>
+    <a:masterClrMapping/>
+  </p:clrMapOvr>
+</p:notes>
+</file>
+
+<file path=ppt/notesSlides/notesSlide7.xml><?xml version="1.0" encoding="utf-8"?>
+<p:notes xmlns:a="http://schemas.openxmlformats.org/drawingml/2006/main" xmlns:r="http://schemas.openxmlformats.org/officeDocument/2006/relationships" xmlns:p="http://schemas.openxmlformats.org/presentationml/2006/main">
+  <p:cSld>
+    <p:spTree>
+      <p:nvGrpSpPr>
+        <p:cNvPr id="1" name=""/>
+        <p:cNvGrpSpPr/>
+        <p:nvPr/>
+      </p:nvGrpSpPr>
+      <p:grpSpPr>
+        <a:xfrm>
+          <a:off x="0" y="0"/>
+          <a:ext cx="0" cy="0"/>
+          <a:chOff x="0" y="0"/>
+          <a:chExt cx="0" cy="0"/>
+        </a:xfrm>
+      </p:grpSpPr>
+      <p:sp>
+        <p:nvSpPr>
+          <p:cNvPr id="2" name="Slide Image Placeholder 1"/>
+          <p:cNvSpPr>
+            <a:spLocks noGrp="1" noRot="1" noChangeAspect="1"/>
+          </p:cNvSpPr>
+          <p:nvPr>
+            <p:ph type="sldImg"/>
+          </p:nvPr>
+        </p:nvSpPr>
+        <p:spPr/>
+      </p:sp>
+      <p:sp>
+        <p:nvSpPr>
+          <p:cNvPr id="3" name="Notes Placeholder 2"/>
+          <p:cNvSpPr>
+            <a:spLocks noGrp="1"/>
+          </p:cNvSpPr>
+          <p:nvPr>
+            <p:ph type="body" idx="1"/>
+          </p:nvPr>
+        </p:nvSpPr>
+        <p:spPr/>
+        <p:txBody>
+          <a:bodyPr/>
+          <a:lstStyle/>
+          <a:p>
+            <a:r>
+              <a:rPr lang="en-US" dirty="0"/>
+              <a:t/>
+            </a:r>
+            <a:endParaRPr lang="en-US" dirty="0"/>
+          </a:p>
+        </p:txBody>
+      </p:sp>
+      <p:sp>
+        <p:nvSpPr>
+          <p:cNvPr id="4" name="Slide Number Placeholder 3"/>
+          <p:cNvSpPr>
+            <a:spLocks noGrp="1"/>
+          </p:cNvSpPr>
+          <p:nvPr>
+            <p:ph type="sldNum" sz="quarter" idx="10"/>
+          </p:nvPr>
+        </p:nvSpPr>
+        <p:spPr/>
+        <p:txBody>
+          <a:bodyPr/>
+          <a:lstStyle/>
+          <a:p>
+            <a:fld id="{F7021451-1387-4CA6-816F-3879F97B5CBC}" type="slidenum">
+              <a:rPr lang="en-US"/>
+              <a:t>7</a:t>
+            </a:fld>
+            <a:endParaRPr lang="en-US"/>
+          </a:p>
+        </p:txBody>
+      </p:sp>
+    </p:spTree>
+    <p:extLst>
+      <p:ext uri="{BB962C8B-B14F-4D97-AF65-F5344CB8AC3E}">
+        <p14:creationId xmlns:p14="http://schemas.microsoft.com/office/powerpoint/2010/main" val="1024086991"/>
+      </p:ext>
+    </p:extLst>
+  </p:cSld>
+  <p:clrMapOvr>
+    <a:masterClrMapping/>
+  </p:clrMapOvr>
+</p:notes>
+</file>
+
+<file path=ppt/notesSlides/notesSlide8.xml><?xml version="1.0" encoding="utf-8"?>
+<p:notes xmlns:a="http://schemas.openxmlformats.org/drawingml/2006/main" xmlns:r="http://schemas.openxmlformats.org/officeDocument/2006/relationships" xmlns:p="http://schemas.openxmlformats.org/presentationml/2006/main">
+  <p:cSld>
+    <p:spTree>
+      <p:nvGrpSpPr>
+        <p:cNvPr id="1" name=""/>
+        <p:cNvGrpSpPr/>
+        <p:nvPr/>
+      </p:nvGrpSpPr>
+      <p:grpSpPr>
+        <a:xfrm>
+          <a:off x="0" y="0"/>
+          <a:ext cx="0" cy="0"/>
+          <a:chOff x="0" y="0"/>
+          <a:chExt cx="0" cy="0"/>
+        </a:xfrm>
+      </p:grpSpPr>
+      <p:sp>
+        <p:nvSpPr>
+          <p:cNvPr id="2" name="Slide Image Placeholder 1"/>
+          <p:cNvSpPr>
+            <a:spLocks noGrp="1" noRot="1" noChangeAspect="1"/>
+          </p:cNvSpPr>
+          <p:nvPr>
+            <p:ph type="sldImg"/>
+          </p:nvPr>
+        </p:nvSpPr>
+        <p:spPr/>
+      </p:sp>
+      <p:sp>
+        <p:nvSpPr>
+          <p:cNvPr id="3" name="Notes Placeholder 2"/>
+          <p:cNvSpPr>
+            <a:spLocks noGrp="1"/>
+          </p:cNvSpPr>
+          <p:nvPr>
+            <p:ph type="body" idx="1"/>
+          </p:nvPr>
+        </p:nvSpPr>
+        <p:spPr/>
+        <p:txBody>
+          <a:bodyPr/>
+          <a:lstStyle/>
+          <a:p>
+            <a:r>
+              <a:rPr lang="en-US" dirty="0"/>
+              <a:t/>
+            </a:r>
+            <a:endParaRPr lang="en-US" dirty="0"/>
+          </a:p>
+        </p:txBody>
+      </p:sp>
+      <p:sp>
+        <p:nvSpPr>
+          <p:cNvPr id="4" name="Slide Number Placeholder 3"/>
+          <p:cNvSpPr>
+            <a:spLocks noGrp="1"/>
+          </p:cNvSpPr>
+          <p:nvPr>
+            <p:ph type="sldNum" sz="quarter" idx="10"/>
+          </p:nvPr>
+        </p:nvSpPr>
+        <p:spPr/>
+        <p:txBody>
+          <a:bodyPr/>
+          <a:lstStyle/>
+          <a:p>
+            <a:fld id="{F7021451-1387-4CA6-816F-3879F97B5CBC}" type="slidenum">
+              <a:rPr lang="en-US"/>
+              <a:t>8</a:t>
+            </a:fld>
+            <a:endParaRPr lang="en-US"/>
+          </a:p>
+        </p:txBody>
+      </p:sp>
+    </p:spTree>
+    <p:extLst>
+      <p:ext uri="{BB962C8B-B14F-4D97-AF65-F5344CB8AC3E}">
+        <p14:creationId xmlns:p14="http://schemas.microsoft.com/office/powerpoint/2010/main" val="1024086991"/>
+      </p:ext>
+    </p:extLst>
+  </p:cSld>
+  <p:clrMapOvr>
+    <a:masterClrMapping/>
+  </p:clrMapOvr>
+</p:notes>
+</file>
+
+<file path=ppt/notesSlides/notesSlide9.xml><?xml version="1.0" encoding="utf-8"?>
+<p:notes xmlns:a="http://schemas.openxmlformats.org/drawingml/2006/main" xmlns:r="http://schemas.openxmlformats.org/officeDocument/2006/relationships" xmlns:p="http://schemas.openxmlformats.org/presentationml/2006/main">
+  <p:cSld>
+    <p:spTree>
+      <p:nvGrpSpPr>
+        <p:cNvPr id="1" name=""/>
+        <p:cNvGrpSpPr/>
+        <p:nvPr/>
+      </p:nvGrpSpPr>
+      <p:grpSpPr>
+        <a:xfrm>
+          <a:off x="0" y="0"/>
+          <a:ext cx="0" cy="0"/>
+          <a:chOff x="0" y="0"/>
+          <a:chExt cx="0" cy="0"/>
+        </a:xfrm>
+      </p:grpSpPr>
+      <p:sp>
+        <p:nvSpPr>
+          <p:cNvPr id="2" name="Slide Image Placeholder 1"/>
+          <p:cNvSpPr>
+            <a:spLocks noGrp="1" noRot="1" noChangeAspect="1"/>
+          </p:cNvSpPr>
+          <p:nvPr>
+            <p:ph type="sldImg"/>
+          </p:nvPr>
+        </p:nvSpPr>
+        <p:spPr/>
+      </p:sp>
+      <p:sp>
+        <p:nvSpPr>
+          <p:cNvPr id="3" name="Notes Placeholder 2"/>
+          <p:cNvSpPr>
+            <a:spLocks noGrp="1"/>
+          </p:cNvSpPr>
+          <p:nvPr>
+            <p:ph type="body" idx="1"/>
+          </p:nvPr>
+        </p:nvSpPr>
+        <p:spPr/>
+        <p:txBody>
+          <a:bodyPr/>
+          <a:lstStyle/>
+          <a:p>
+            <a:r>
+              <a:rPr lang="en-US" dirty="0"/>
+              <a:t/>
+            </a:r>
+            <a:endParaRPr lang="en-US" dirty="0"/>
+          </a:p>
+        </p:txBody>
+      </p:sp>
+      <p:sp>
+        <p:nvSpPr>
+          <p:cNvPr id="4" name="Slide Number Placeholder 3"/>
+          <p:cNvSpPr>
+            <a:spLocks noGrp="1"/>
+          </p:cNvSpPr>
+          <p:nvPr>
+            <p:ph type="sldNum" sz="quarter" idx="10"/>
+          </p:nvPr>
+        </p:nvSpPr>
+        <p:spPr/>
+        <p:txBody>
+          <a:bodyPr/>
+          <a:lstStyle/>
+          <a:p>
+            <a:fld id="{F7021451-1387-4CA6-816F-3879F97B5CBC}" type="slidenum">
+              <a:rPr lang="en-US"/>
+              <a:t>9</a:t>
             </a:fld>
             <a:endParaRPr lang="en-US"/>
           </a:p>
@@ -1501,6 +2124,490 @@
 </p:sld>
 </file>
 
+<file path=ppt/slides/slide10.xml><?xml version="1.0" encoding="utf-8"?>
+<p:sld xmlns:a="http://schemas.openxmlformats.org/drawingml/2006/main" xmlns:r="http://schemas.openxmlformats.org/officeDocument/2006/relationships" xmlns:p="http://schemas.openxmlformats.org/presentationml/2006/main">
+  <p:cSld name="Slide 10">
+    <p:spTree>
+      <p:nvGrpSpPr>
+        <p:cNvPr id="1" name=""/>
+        <p:cNvGrpSpPr/>
+        <p:nvPr/>
+      </p:nvGrpSpPr>
+      <p:grpSpPr>
+        <a:xfrm>
+          <a:off x="0" y="0"/>
+          <a:ext cx="0" cy="0"/>
+          <a:chOff x="0" y="0"/>
+          <a:chExt cx="0" cy="0"/>
+        </a:xfrm>
+      </p:grpSpPr>
+      <p:sp>
+        <p:nvSpPr>
+          <p:cNvPr id="2" name="Text 0"/>
+          <p:cNvSpPr/>
+          <p:nvPr/>
+        </p:nvSpPr>
+        <p:spPr>
+          <a:xfrm>
+            <a:off x="914400" y="914400"/>
+            <a:ext cx="6858000" cy="0"/>
+          </a:xfrm>
+          <a:prstGeom prst="rect">
+            <a:avLst/>
+          </a:prstGeom>
+          <a:solidFill>
+            <a:srgbClr val="F1F1F1"/>
+          </a:solidFill>
+          <a:ln/>
+        </p:spPr>
+        <p:txBody>
+          <a:bodyPr wrap="square" rtlCol="0" anchor="ctr"/>
+          <a:lstStyle/>
+          <a:p>
+            <a:pPr algn="l"/>
+            <a:r>
+              <a:rPr lang="en-US" sz="1800" dirty="0">
+                <a:solidFill>
+                  <a:srgbClr val="363636"/>
+                </a:solidFill>
+              </a:rPr>
+              <a:t>重为2.98牛，体积为1×10</a:t>
+            </a:r>
+            <a:pPr algn="l"/>
+            <a:r>
+              <a:rPr lang="en-US" sz="1800" baseline="30000" dirty="0">
+                <a:solidFill>
+                  <a:srgbClr val="363636"/>
+                </a:solidFill>
+              </a:rPr>
+              <a:t>−4</a:t>
+            </a:r>
+            <a:pPr algn="l"/>
+            <a:r>
+              <a:rPr lang="en-US" sz="1800" dirty="0">
+                <a:solidFill>
+                  <a:srgbClr val="363636"/>
+                </a:solidFill>
+              </a:rPr>
+              <a:t>米</a:t>
+            </a:r>
+            <a:pPr algn="l"/>
+            <a:r>
+              <a:rPr lang="en-US" sz="1800" baseline="30000" dirty="0">
+                <a:solidFill>
+                  <a:srgbClr val="363636"/>
+                </a:solidFill>
+              </a:rPr>
+              <a:t>3</a:t>
+            </a:r>
+            <a:pPr algn="l"/>
+            <a:r>
+              <a:rPr lang="en-US" sz="1800" dirty="0">
+                <a:solidFill>
+                  <a:srgbClr val="363636"/>
+                </a:solidFill>
+              </a:rPr>
+              <a:t>的物体A浸没在水中，受到的浮力为_____牛；若在始终浸没的情况下，用细绳竖直拉着它匀速上升1米，则拉力大小为_____牛，拉力所做的功为______焦。</a:t>
+            </a:r>
+            <a:endParaRPr lang="en-US" sz="1800" dirty="0"/>
+          </a:p>
+        </p:txBody>
+      </p:sp>
+    </p:spTree>
+  </p:cSld>
+  <p:clrMapOvr>
+    <a:masterClrMapping/>
+  </p:clrMapOvr>
+</p:sld>
+</file>
+
+<file path=ppt/slides/slide11.xml><?xml version="1.0" encoding="utf-8"?>
+<p:sld xmlns:a="http://schemas.openxmlformats.org/drawingml/2006/main" xmlns:r="http://schemas.openxmlformats.org/officeDocument/2006/relationships" xmlns:p="http://schemas.openxmlformats.org/presentationml/2006/main">
+  <p:cSld name="Slide 11">
+    <p:spTree>
+      <p:nvGrpSpPr>
+        <p:cNvPr id="1" name=""/>
+        <p:cNvGrpSpPr/>
+        <p:nvPr/>
+      </p:nvGrpSpPr>
+      <p:grpSpPr>
+        <a:xfrm>
+          <a:off x="0" y="0"/>
+          <a:ext cx="0" cy="0"/>
+          <a:chOff x="0" y="0"/>
+          <a:chExt cx="0" cy="0"/>
+        </a:xfrm>
+      </p:grpSpPr>
+      <p:sp>
+        <p:nvSpPr>
+          <p:cNvPr id="2" name="Text 0"/>
+          <p:cNvSpPr/>
+          <p:nvPr/>
+        </p:nvSpPr>
+        <p:spPr>
+          <a:xfrm>
+            <a:off x="914400" y="914400"/>
+            <a:ext cx="6858000" cy="0"/>
+          </a:xfrm>
+          <a:prstGeom prst="rect">
+            <a:avLst/>
+          </a:prstGeom>
+          <a:solidFill>
+            <a:srgbClr val="F1F1F1"/>
+          </a:solidFill>
+          <a:ln/>
+        </p:spPr>
+        <p:txBody>
+          <a:bodyPr wrap="square" rtlCol="0" anchor="ctr"/>
+          <a:lstStyle/>
+          <a:p>
+            <a:pPr algn="l"/>
+            <a:r>
+              <a:rPr lang="en-US" sz="1800" dirty="0">
+                <a:solidFill>
+                  <a:srgbClr val="363636"/>
+                </a:solidFill>
+              </a:rPr>
+              <a:t>秒内通过某导体横截面的电荷量为4库，通过该导体的电流为_____安，若该导体两端电压为8伏，则导体的电阻为______欧。若将该导体两端的电压改变为4伏，它的电阻为_____欧。</a:t>
+            </a:r>
+            <a:endParaRPr lang="en-US" sz="1800" dirty="0"/>
+          </a:p>
+        </p:txBody>
+      </p:sp>
+    </p:spTree>
+  </p:cSld>
+  <p:clrMapOvr>
+    <a:masterClrMapping/>
+  </p:clrMapOvr>
+</p:sld>
+</file>
+
+<file path=ppt/slides/slide12.xml><?xml version="1.0" encoding="utf-8"?>
+<p:sld xmlns:a="http://schemas.openxmlformats.org/drawingml/2006/main" xmlns:r="http://schemas.openxmlformats.org/officeDocument/2006/relationships" xmlns:p="http://schemas.openxmlformats.org/presentationml/2006/main">
+  <p:cSld name="Slide 12">
+    <p:spTree>
+      <p:nvGrpSpPr>
+        <p:cNvPr id="1" name=""/>
+        <p:cNvGrpSpPr/>
+        <p:nvPr/>
+      </p:nvGrpSpPr>
+      <p:grpSpPr>
+        <a:xfrm>
+          <a:off x="0" y="0"/>
+          <a:ext cx="0" cy="0"/>
+          <a:chOff x="0" y="0"/>
+          <a:chExt cx="0" cy="0"/>
+        </a:xfrm>
+      </p:grpSpPr>
+      <p:sp>
+        <p:nvSpPr>
+          <p:cNvPr id="2" name="Text 0"/>
+          <p:cNvSpPr/>
+          <p:nvPr/>
+        </p:nvSpPr>
+        <p:spPr>
+          <a:xfrm>
+            <a:off x="914400" y="914400"/>
+            <a:ext cx="6858000" cy="0"/>
+          </a:xfrm>
+          <a:prstGeom prst="rect">
+            <a:avLst/>
+          </a:prstGeom>
+          <a:solidFill>
+            <a:srgbClr val="F1F1F1"/>
+          </a:solidFill>
+          <a:ln/>
+        </p:spPr>
+        <p:txBody>
+          <a:bodyPr wrap="square" rtlCol="0" anchor="ctr"/>
+          <a:lstStyle/>
+          <a:p>
+            <a:pPr algn="l"/>
+            <a:r>
+              <a:rPr lang="en-US" sz="1800" dirty="0">
+                <a:solidFill>
+                  <a:srgbClr val="363636"/>
+                </a:solidFill>
+              </a:rPr>
+              <a:t>在图3所示的电路中，电源电压保持不变，电阻R</a:t>
+            </a:r>
+            <a:pPr algn="l"/>
+            <a:r>
+              <a:rPr lang="en-US" sz="1800" baseline="-40000" dirty="0">
+                <a:solidFill>
+                  <a:srgbClr val="363636"/>
+                </a:solidFill>
+              </a:rPr>
+              <a:t>2</a:t>
+            </a:r>
+            <a:pPr algn="l"/>
+            <a:r>
+              <a:rPr lang="en-US" sz="1800" dirty="0">
+                <a:solidFill>
+                  <a:srgbClr val="363636"/>
+                </a:solidFill>
+              </a:rPr>
+              <a:t>＝2R</a:t>
+            </a:r>
+            <a:pPr algn="l"/>
+            <a:r>
+              <a:rPr lang="en-US" sz="1800" baseline="-40000" dirty="0">
+                <a:solidFill>
+                  <a:srgbClr val="363636"/>
+                </a:solidFill>
+              </a:rPr>
+              <a:t>1</a:t>
+            </a:r>
+            <a:pPr algn="l"/>
+            <a:r>
+              <a:rPr lang="en-US" sz="1800" dirty="0">
+                <a:solidFill>
+                  <a:srgbClr val="363636"/>
+                </a:solidFill>
+              </a:rPr>
+              <a:t>。闭合开关S，电压表的示数为U</a:t>
+            </a:r>
+            <a:pPr algn="l"/>
+            <a:r>
+              <a:rPr lang="en-US" sz="1800" baseline="-40000" dirty="0">
+                <a:solidFill>
+                  <a:srgbClr val="363636"/>
+                </a:solidFill>
+              </a:rPr>
+              <a:t>0</a:t>
+            </a:r>
+            <a:pPr algn="l"/>
+            <a:r>
+              <a:rPr lang="en-US" sz="1800" dirty="0">
+                <a:solidFill>
+                  <a:srgbClr val="363636"/>
+                </a:solidFill>
+              </a:rPr>
+              <a:t>，电路正常工作。一段时间后，电压表的示数变为零。已知电路中仅有一处故障，且只发生在电阻R</a:t>
+            </a:r>
+            <a:pPr algn="l"/>
+            <a:r>
+              <a:rPr lang="en-US" sz="1800" baseline="-40000" dirty="0">
+                <a:solidFill>
+                  <a:srgbClr val="363636"/>
+                </a:solidFill>
+              </a:rPr>
+              <a:t>1</a:t>
+            </a:r>
+            <a:pPr algn="l"/>
+            <a:r>
+              <a:rPr lang="en-US" sz="1800" dirty="0">
+                <a:solidFill>
+                  <a:srgbClr val="363636"/>
+                </a:solidFill>
+              </a:rPr>
+              <a:t>或R</a:t>
+            </a:r>
+            <a:pPr algn="l"/>
+            <a:r>
+              <a:rPr lang="en-US" sz="1800" baseline="-40000" dirty="0">
+                <a:solidFill>
+                  <a:srgbClr val="363636"/>
+                </a:solidFill>
+              </a:rPr>
+              <a:t>2</a:t>
+            </a:r>
+            <a:pPr algn="l"/>
+            <a:r>
+              <a:rPr lang="en-US" sz="1800" dirty="0">
+                <a:solidFill>
+                  <a:srgbClr val="363636"/>
+                </a:solidFill>
+              </a:rPr>
+              <a:t>上。现提供一个完好的电阻R</a:t>
+            </a:r>
+            <a:pPr algn="l"/>
+            <a:r>
+              <a:rPr lang="en-US" sz="1800" baseline="-40000" dirty="0">
+                <a:solidFill>
+                  <a:srgbClr val="363636"/>
+                </a:solidFill>
+              </a:rPr>
+              <a:t>3</a:t>
+            </a:r>
+            <a:pPr algn="l"/>
+            <a:r>
+              <a:rPr lang="en-US" sz="1800" dirty="0">
+                <a:solidFill>
+                  <a:srgbClr val="363636"/>
+                </a:solidFill>
+              </a:rPr>
+              <a:t>（R</a:t>
+            </a:r>
+            <a:pPr algn="l"/>
+            <a:r>
+              <a:rPr lang="en-US" sz="1800" baseline="-40000" dirty="0">
+                <a:solidFill>
+                  <a:srgbClr val="363636"/>
+                </a:solidFill>
+              </a:rPr>
+              <a:t>3</a:t>
+            </a:r>
+            <a:pPr algn="l"/>
+            <a:r>
+              <a:rPr lang="en-US" sz="1800" dirty="0">
+                <a:solidFill>
+                  <a:srgbClr val="363636"/>
+                </a:solidFill>
+              </a:rPr>
+              <a:t>＝R</a:t>
+            </a:r>
+            <a:pPr algn="l"/>
+            <a:r>
+              <a:rPr lang="en-US" sz="1800" baseline="-40000" dirty="0">
+                <a:solidFill>
+                  <a:srgbClr val="363636"/>
+                </a:solidFill>
+              </a:rPr>
+              <a:t>2</a:t>
+            </a:r>
+            <a:pPr algn="l"/>
+            <a:r>
+              <a:rPr lang="en-US" sz="1800" dirty="0">
+                <a:solidFill>
+                  <a:srgbClr val="363636"/>
+                </a:solidFill>
+              </a:rPr>
+              <a:t>）来替换图3电路中的一个电阻，从而判断故障，请写出电阻R</a:t>
+            </a:r>
+            <a:pPr algn="l"/>
+            <a:r>
+              <a:rPr lang="en-US" sz="1800" baseline="-40000" dirty="0">
+                <a:solidFill>
+                  <a:srgbClr val="363636"/>
+                </a:solidFill>
+              </a:rPr>
+              <a:t>3</a:t>
+            </a:r>
+            <a:pPr algn="l"/>
+            <a:r>
+              <a:rPr lang="en-US" sz="1800" dirty="0">
+                <a:solidFill>
+                  <a:srgbClr val="363636"/>
+                </a:solidFill>
+              </a:rPr>
+              <a:t>替换的对象、闭合开关S后电压表的示数及对应的故障。______________________________________________________。</a:t>
+            </a:r>
+            <a:endParaRPr lang="en-US" sz="1800" dirty="0"/>
+          </a:p>
+        </p:txBody>
+      </p:sp>
+      <p:pic>
+        <p:nvPicPr>
+          <p:cNvPr id="3" name="Image 0" descr="preencoded.png">    </p:cNvPr>
+          <p:cNvPicPr>
+            <a:picLocks noChangeAspect="1"/>
+          </p:cNvPicPr>
+          <p:nvPr/>
+        </p:nvPicPr>
+        <p:blipFill>
+          <a:blip r:embed="rId1"/>
+          <a:stretch>
+            <a:fillRect/>
+          </a:stretch>
+        </p:blipFill>
+        <p:spPr>
+          <a:xfrm>
+            <a:off x="914400" y="1828800"/>
+            <a:ext cx="1828800" cy="1345997"/>
+          </a:xfrm>
+          <a:prstGeom prst="rect">
+            <a:avLst/>
+          </a:prstGeom>
+        </p:spPr>
+      </p:pic>
+    </p:spTree>
+  </p:cSld>
+  <p:clrMapOvr>
+    <a:masterClrMapping/>
+  </p:clrMapOvr>
+</p:sld>
+</file>
+
+<file path=ppt/slides/slide13.xml><?xml version="1.0" encoding="utf-8"?>
+<p:sld xmlns:a="http://schemas.openxmlformats.org/drawingml/2006/main" xmlns:r="http://schemas.openxmlformats.org/officeDocument/2006/relationships" xmlns:p="http://schemas.openxmlformats.org/presentationml/2006/main">
+  <p:cSld name="Slide 13">
+    <p:spTree>
+      <p:nvGrpSpPr>
+        <p:cNvPr id="1" name=""/>
+        <p:cNvGrpSpPr/>
+        <p:nvPr/>
+      </p:nvGrpSpPr>
+      <p:grpSpPr>
+        <a:xfrm>
+          <a:off x="0" y="0"/>
+          <a:ext cx="0" cy="0"/>
+          <a:chOff x="0" y="0"/>
+          <a:chExt cx="0" cy="0"/>
+        </a:xfrm>
+      </p:grpSpPr>
+      <p:sp>
+        <p:nvSpPr>
+          <p:cNvPr id="2" name="Text 0"/>
+          <p:cNvSpPr/>
+          <p:nvPr/>
+        </p:nvSpPr>
+        <p:spPr>
+          <a:xfrm>
+            <a:off x="914400" y="914400"/>
+            <a:ext cx="6858000" cy="0"/>
+          </a:xfrm>
+          <a:prstGeom prst="rect">
+            <a:avLst/>
+          </a:prstGeom>
+          <a:solidFill>
+            <a:srgbClr val="F1F1F1"/>
+          </a:solidFill>
+          <a:ln/>
+        </p:spPr>
+        <p:txBody>
+          <a:bodyPr wrap="square" rtlCol="0" anchor="ctr"/>
+          <a:lstStyle/>
+          <a:p>
+            <a:pPr algn="l"/>
+            <a:r>
+              <a:rPr lang="en-US" sz="1800" dirty="0">
+                <a:solidFill>
+                  <a:srgbClr val="363636"/>
+                </a:solidFill>
+              </a:rPr>
+              <a:t>某同学准备在暑期到北京去旅游，他从网上查询得到了下列信息：飞机从上海到北京的航程约为1200千米，用时大约2小时5分钟，飞机每人每百千米消耗能量约1.05×10</a:t>
+            </a:r>
+            <a:pPr algn="l"/>
+            <a:r>
+              <a:rPr lang="en-US" sz="1800" baseline="30000" dirty="0">
+                <a:solidFill>
+                  <a:srgbClr val="363636"/>
+                </a:solidFill>
+              </a:rPr>
+              <a:t>8</a:t>
+            </a:r>
+            <a:pPr algn="l"/>
+            <a:r>
+              <a:rPr lang="en-US" sz="1800" dirty="0">
+                <a:solidFill>
+                  <a:srgbClr val="363636"/>
+                </a:solidFill>
+              </a:rPr>
+              <a:t>焦；高铁从上海到北京的路程约为1300千米，用时大约4小时48分钟，它的能量消耗为0.04千瓦·小时/（千米·座位）。如果他征求你的意见，你会给他怎样的合理建议？说说你的理由。_______________________________________________________________</a:t>
+            </a:r>
+            <a:endParaRPr lang="en-US" sz="1800" dirty="0"/>
+          </a:p>
+        </p:txBody>
+      </p:sp>
+    </p:spTree>
+  </p:cSld>
+  <p:clrMapOvr>
+    <a:masterClrMapping/>
+  </p:clrMapOvr>
+</p:sld>
+</file>
+
 <file path=ppt/slides/slide2.xml><?xml version="1.0" encoding="utf-8"?>
 <p:sld xmlns:a="http://schemas.openxmlformats.org/drawingml/2006/main" xmlns:r="http://schemas.openxmlformats.org/officeDocument/2006/relationships" xmlns:p="http://schemas.openxmlformats.org/presentationml/2006/main">
   <p:cSld name="Slide 2">
@@ -2167,7 +3274,7 @@
             </a:r>
             <a:pPr algn="l"/>
             <a:r>
-              <a:rPr lang="en-US" sz="1200" dirty="0">
+              <a:rPr lang="en-US" sz="1800" baseline="-40000" dirty="0">
                 <a:solidFill>
                   <a:srgbClr val="363636"/>
                 </a:solidFill>
@@ -2185,7 +3292,7 @@
             </a:r>
             <a:pPr algn="l"/>
             <a:r>
-              <a:rPr lang="en-US" sz="1200" dirty="0">
+              <a:rPr lang="en-US" sz="1800" baseline="-40000" dirty="0">
                 <a:solidFill>
                   <a:srgbClr val="363636"/>
                 </a:solidFill>
@@ -2335,7 +3442,7 @@
             </a:r>
             <a:pPr algn="l"/>
             <a:r>
-              <a:rPr lang="en-US" sz="800" dirty="0">
+              <a:rPr lang="en-US" sz="1400" baseline="-40000" dirty="0">
                 <a:solidFill>
                   <a:srgbClr val="363636"/>
                 </a:solidFill>
@@ -2389,7 +3496,7 @@
             </a:r>
             <a:pPr algn="l"/>
             <a:r>
-              <a:rPr lang="en-US" sz="800" dirty="0">
+              <a:rPr lang="en-US" sz="1400" baseline="-40000" dirty="0">
                 <a:solidFill>
                   <a:srgbClr val="363636"/>
                 </a:solidFill>
@@ -2468,7 +3575,7 @@
             </a:r>
             <a:pPr algn="l"/>
             <a:r>
-              <a:rPr lang="en-US" sz="1200" dirty="0">
+              <a:rPr lang="en-US" sz="1800" baseline="-40000" dirty="0">
                 <a:solidFill>
                   <a:srgbClr val="363636"/>
                 </a:solidFill>
@@ -2486,7 +3593,7 @@
             </a:r>
             <a:pPr algn="l"/>
             <a:r>
-              <a:rPr lang="en-US" sz="1200" dirty="0">
+              <a:rPr lang="en-US" sz="1800" baseline="-40000" dirty="0">
                 <a:solidFill>
                   <a:srgbClr val="363636"/>
                 </a:solidFill>
@@ -2504,7 +3611,7 @@
             </a:r>
             <a:pPr algn="l"/>
             <a:r>
-              <a:rPr lang="en-US" sz="1200" dirty="0">
+              <a:rPr lang="en-US" sz="1800" baseline="-40000" dirty="0">
                 <a:solidFill>
                   <a:srgbClr val="363636"/>
                 </a:solidFill>
@@ -2689,6 +3796,189 @@
               <a:t>D增大电源电压，向左移动滑片P</a:t>
             </a:r>
             <a:endParaRPr lang="en-US" sz="1400" dirty="0"/>
+          </a:p>
+        </p:txBody>
+      </p:sp>
+    </p:spTree>
+  </p:cSld>
+  <p:clrMapOvr>
+    <a:masterClrMapping/>
+  </p:clrMapOvr>
+</p:sld>
+</file>
+
+<file path=ppt/slides/slide7.xml><?xml version="1.0" encoding="utf-8"?>
+<p:sld xmlns:a="http://schemas.openxmlformats.org/drawingml/2006/main" xmlns:r="http://schemas.openxmlformats.org/officeDocument/2006/relationships" xmlns:p="http://schemas.openxmlformats.org/presentationml/2006/main">
+  <p:cSld name="Slide 7">
+    <p:spTree>
+      <p:nvGrpSpPr>
+        <p:cNvPr id="1" name=""/>
+        <p:cNvGrpSpPr/>
+        <p:nvPr/>
+      </p:nvGrpSpPr>
+      <p:grpSpPr>
+        <a:xfrm>
+          <a:off x="0" y="0"/>
+          <a:ext cx="0" cy="0"/>
+          <a:chOff x="0" y="0"/>
+          <a:chExt cx="0" cy="0"/>
+        </a:xfrm>
+      </p:grpSpPr>
+      <p:sp>
+        <p:nvSpPr>
+          <p:cNvPr id="2" name="Text 0"/>
+          <p:cNvSpPr/>
+          <p:nvPr/>
+        </p:nvSpPr>
+        <p:spPr>
+          <a:xfrm>
+            <a:off x="914400" y="914400"/>
+            <a:ext cx="6858000" cy="0"/>
+          </a:xfrm>
+          <a:prstGeom prst="rect">
+            <a:avLst/>
+          </a:prstGeom>
+          <a:solidFill>
+            <a:srgbClr val="F1F1F1"/>
+          </a:solidFill>
+          <a:ln/>
+        </p:spPr>
+        <p:txBody>
+          <a:bodyPr wrap="square" rtlCol="0" anchor="ctr"/>
+          <a:lstStyle/>
+          <a:p>
+            <a:pPr algn="l"/>
+            <a:r>
+              <a:rPr lang="en-US" sz="1800" dirty="0">
+                <a:solidFill>
+                  <a:srgbClr val="363636"/>
+                </a:solidFill>
+              </a:rPr>
+              <a:t>上海地区家庭电路电压是______伏；今年3月8日世界第二大水电站白鹤滩水电站建成完工，它的发电机工作时将水能转化为______能；并通过______输电线路（选填“高压”或“低压”）将其输送到远方。</a:t>
+            </a:r>
+            <a:endParaRPr lang="en-US" sz="1800" dirty="0"/>
+          </a:p>
+        </p:txBody>
+      </p:sp>
+    </p:spTree>
+  </p:cSld>
+  <p:clrMapOvr>
+    <a:masterClrMapping/>
+  </p:clrMapOvr>
+</p:sld>
+</file>
+
+<file path=ppt/slides/slide8.xml><?xml version="1.0" encoding="utf-8"?>
+<p:sld xmlns:a="http://schemas.openxmlformats.org/drawingml/2006/main" xmlns:r="http://schemas.openxmlformats.org/officeDocument/2006/relationships" xmlns:p="http://schemas.openxmlformats.org/presentationml/2006/main">
+  <p:cSld name="Slide 8">
+    <p:spTree>
+      <p:nvGrpSpPr>
+        <p:cNvPr id="1" name=""/>
+        <p:cNvGrpSpPr/>
+        <p:nvPr/>
+      </p:nvGrpSpPr>
+      <p:grpSpPr>
+        <a:xfrm>
+          <a:off x="0" y="0"/>
+          <a:ext cx="0" cy="0"/>
+          <a:chOff x="0" y="0"/>
+          <a:chExt cx="0" cy="0"/>
+        </a:xfrm>
+      </p:grpSpPr>
+      <p:sp>
+        <p:nvSpPr>
+          <p:cNvPr id="2" name="Text 0"/>
+          <p:cNvSpPr/>
+          <p:nvPr/>
+        </p:nvSpPr>
+        <p:spPr>
+          <a:xfrm>
+            <a:off x="914400" y="914400"/>
+            <a:ext cx="6858000" cy="0"/>
+          </a:xfrm>
+          <a:prstGeom prst="rect">
+            <a:avLst/>
+          </a:prstGeom>
+          <a:solidFill>
+            <a:srgbClr val="F1F1F1"/>
+          </a:solidFill>
+          <a:ln/>
+        </p:spPr>
+        <p:txBody>
+          <a:bodyPr wrap="square" rtlCol="0" anchor="ctr"/>
+          <a:lstStyle/>
+          <a:p>
+            <a:pPr algn="l"/>
+            <a:r>
+              <a:rPr lang="en-US" sz="1800" dirty="0">
+                <a:solidFill>
+                  <a:srgbClr val="363636"/>
+                </a:solidFill>
+              </a:rPr>
+              <a:t>摄氏温标规定，在标准大气压下沸水的温度为______℃。神舟十三号返回舱降落时，以地面为参照物，返回舱是______的（选填“运动”或“静止”）；里面宇航员的惯性将_______（选填“增大”、“不变”或“减小”）。</a:t>
+            </a:r>
+            <a:endParaRPr lang="en-US" sz="1800" dirty="0"/>
+          </a:p>
+        </p:txBody>
+      </p:sp>
+    </p:spTree>
+  </p:cSld>
+  <p:clrMapOvr>
+    <a:masterClrMapping/>
+  </p:clrMapOvr>
+</p:sld>
+</file>
+
+<file path=ppt/slides/slide9.xml><?xml version="1.0" encoding="utf-8"?>
+<p:sld xmlns:a="http://schemas.openxmlformats.org/drawingml/2006/main" xmlns:r="http://schemas.openxmlformats.org/officeDocument/2006/relationships" xmlns:p="http://schemas.openxmlformats.org/presentationml/2006/main">
+  <p:cSld name="Slide 9">
+    <p:spTree>
+      <p:nvGrpSpPr>
+        <p:cNvPr id="1" name=""/>
+        <p:cNvGrpSpPr/>
+        <p:nvPr/>
+      </p:nvGrpSpPr>
+      <p:grpSpPr>
+        <a:xfrm>
+          <a:off x="0" y="0"/>
+          <a:ext cx="0" cy="0"/>
+          <a:chOff x="0" y="0"/>
+          <a:chExt cx="0" cy="0"/>
+        </a:xfrm>
+      </p:grpSpPr>
+      <p:sp>
+        <p:nvSpPr>
+          <p:cNvPr id="2" name="Text 0"/>
+          <p:cNvSpPr/>
+          <p:nvPr/>
+        </p:nvSpPr>
+        <p:spPr>
+          <a:xfrm>
+            <a:off x="914400" y="914400"/>
+            <a:ext cx="6858000" cy="0"/>
+          </a:xfrm>
+          <a:prstGeom prst="rect">
+            <a:avLst/>
+          </a:prstGeom>
+          <a:solidFill>
+            <a:srgbClr val="F1F1F1"/>
+          </a:solidFill>
+          <a:ln/>
+        </p:spPr>
+        <p:txBody>
+          <a:bodyPr wrap="square" rtlCol="0" anchor="ctr"/>
+          <a:lstStyle/>
+          <a:p>
+            <a:pPr algn="l"/>
+            <a:r>
+              <a:rPr lang="en-US" sz="1800" dirty="0">
+                <a:solidFill>
+                  <a:srgbClr val="363636"/>
+                </a:solidFill>
+              </a:rPr>
+              <a:t>生活中蕴含着很多物理知识：鞋底制有花纹，是用来增大_____，起到防止打滑的作用；将窗户的双层玻璃间抽成真空，它主要起到隔热和______作用；电热水瓶上的水位计，是利用_______原理制成的。</a:t>
+            </a:r>
+            <a:endParaRPr lang="en-US" sz="1800" dirty="0"/>
           </a:p>
         </p:txBody>
       </p:sp>
